--- a/my_presentation1.pptx
+++ b/my_presentation1.pptx
@@ -2,7 +2,7 @@
 <file path=ppt/presentation.xml><?xml version="1.0" encoding="utf-8"?>
 <p:presentation xmlns:a="http://schemas.openxmlformats.org/drawingml/2006/main" xmlns:r="http://schemas.openxmlformats.org/officeDocument/2006/relationships" xmlns:p="http://schemas.openxmlformats.org/presentationml/2006/main" saveSubsetFonts="1">
   <p:sldMasterIdLst>
-    <p:sldMasterId id="2147483660" r:id="rId1"/>
+    <p:sldMasterId id="2147483690" r:id="rId1"/>
   </p:sldMasterIdLst>
   <p:sldIdLst>
     <p:sldId id="257" r:id="rId7"/>
@@ -16,6 +16,7 @@
     <p:sldId id="265" r:id="rId15"/>
     <p:sldId id="266" r:id="rId16"/>
     <p:sldId id="267" r:id="rId17"/>
+    <p:sldId id="268" r:id="rId18"/>
   </p:sldIdLst>
   <p:sldSz cx="12192000" cy="6858000"/>
   <p:notesSz cx="6858000" cy="9144000"/>
@@ -114,16 +115,11 @@
       </a:defRPr>
     </a:lvl9pPr>
   </p:defaultTextStyle>
-  <p:extLst>
-    <p:ext uri="{EFAFB233-063F-42B5-8137-9DF3F51BA10A}">
-      <p15:sldGuideLst xmlns:p15="http://schemas.microsoft.com/office/powerpoint/2012/main"/>
-    </p:ext>
-  </p:extLst>
 </p:presentation>
 </file>
 
 <file path=ppt/slideLayouts/slideLayout1.xml><?xml version="1.0" encoding="utf-8"?>
-<p:sldLayout xmlns:a="http://schemas.openxmlformats.org/drawingml/2006/main" xmlns:r="http://schemas.openxmlformats.org/officeDocument/2006/relationships" xmlns:p="http://schemas.openxmlformats.org/presentationml/2006/main" type="title" preserve="1">
+<p:sldLayout xmlns:a="http://schemas.openxmlformats.org/drawingml/2006/main" xmlns:r="http://schemas.openxmlformats.org/officeDocument/2006/relationships" xmlns:p="http://schemas.openxmlformats.org/presentationml/2006/main" showMasterSp="0" type="title" preserve="1">
   <p:cSld name="Title Slide">
     <p:spTree>
       <p:nvGrpSpPr>
@@ -139,6 +135,536 @@
           <a:chExt cx="0" cy="0"/>
         </a:xfrm>
       </p:grpSpPr>
+      <p:grpSp>
+        <p:nvGrpSpPr>
+          <p:cNvPr id="7" name="Group 6"/>
+          <p:cNvGrpSpPr/>
+          <p:nvPr/>
+        </p:nvGrpSpPr>
+        <p:grpSpPr>
+          <a:xfrm>
+            <a:off x="0" y="-8467"/>
+            <a:ext cx="12192000" cy="6866467"/>
+            <a:chOff x="0" y="-8467"/>
+            <a:chExt cx="12192000" cy="6866467"/>
+          </a:xfrm>
+        </p:grpSpPr>
+        <p:cxnSp>
+          <p:nvCxnSpPr>
+            <p:cNvPr id="32" name="Straight Connector 31"/>
+            <p:cNvCxnSpPr/>
+            <p:nvPr/>
+          </p:nvCxnSpPr>
+          <p:spPr>
+            <a:xfrm>
+              <a:off x="9371012" y="0"/>
+              <a:ext cx="1219200" cy="6858000"/>
+            </a:xfrm>
+            <a:prstGeom prst="line">
+              <a:avLst/>
+            </a:prstGeom>
+            <a:ln w="9525">
+              <a:solidFill>
+                <a:schemeClr val="bg1">
+                  <a:lumMod val="75000"/>
+                </a:schemeClr>
+              </a:solidFill>
+            </a:ln>
+          </p:spPr>
+          <p:style>
+            <a:lnRef idx="2">
+              <a:schemeClr val="accent1"/>
+            </a:lnRef>
+            <a:fillRef idx="0">
+              <a:schemeClr val="accent1"/>
+            </a:fillRef>
+            <a:effectRef idx="1">
+              <a:schemeClr val="accent1"/>
+            </a:effectRef>
+            <a:fontRef idx="minor">
+              <a:schemeClr val="tx1"/>
+            </a:fontRef>
+          </p:style>
+        </p:cxnSp>
+        <p:cxnSp>
+          <p:nvCxnSpPr>
+            <p:cNvPr id="21" name="Straight Connector 20"/>
+            <p:cNvCxnSpPr/>
+            <p:nvPr/>
+          </p:nvCxnSpPr>
+          <p:spPr>
+            <a:xfrm flipH="1">
+              <a:off x="7425267" y="3681413"/>
+              <a:ext cx="4763558" cy="3176587"/>
+            </a:xfrm>
+            <a:prstGeom prst="line">
+              <a:avLst/>
+            </a:prstGeom>
+            <a:ln w="9525">
+              <a:solidFill>
+                <a:schemeClr val="bg1">
+                  <a:lumMod val="85000"/>
+                </a:schemeClr>
+              </a:solidFill>
+            </a:ln>
+          </p:spPr>
+          <p:style>
+            <a:lnRef idx="2">
+              <a:schemeClr val="accent1"/>
+            </a:lnRef>
+            <a:fillRef idx="0">
+              <a:schemeClr val="accent1"/>
+            </a:fillRef>
+            <a:effectRef idx="1">
+              <a:schemeClr val="accent1"/>
+            </a:effectRef>
+            <a:fontRef idx="minor">
+              <a:schemeClr val="tx1"/>
+            </a:fontRef>
+          </p:style>
+        </p:cxnSp>
+        <p:sp>
+          <p:nvSpPr>
+            <p:cNvPr id="24" name="Rectangle 23"/>
+            <p:cNvSpPr/>
+            <p:nvPr/>
+          </p:nvSpPr>
+          <p:spPr>
+            <a:xfrm>
+              <a:off x="9181476" y="-8467"/>
+              <a:ext cx="3007349" cy="6866467"/>
+            </a:xfrm>
+            <a:custGeom>
+              <a:avLst/>
+              <a:gdLst/>
+              <a:ahLst/>
+              <a:cxnLst/>
+              <a:rect l="l" t="t" r="r" b="b"/>
+              <a:pathLst>
+                <a:path w="3007349" h="6866467">
+                  <a:moveTo>
+                    <a:pt x="2045532" y="0"/>
+                  </a:moveTo>
+                  <a:lnTo>
+                    <a:pt x="3007349" y="0"/>
+                  </a:lnTo>
+                  <a:lnTo>
+                    <a:pt x="3007349" y="6866467"/>
+                  </a:lnTo>
+                  <a:lnTo>
+                    <a:pt x="0" y="6866467"/>
+                  </a:lnTo>
+                  <a:lnTo>
+                    <a:pt x="2045532" y="0"/>
+                  </a:lnTo>
+                  <a:close/>
+                </a:path>
+              </a:pathLst>
+            </a:custGeom>
+            <a:solidFill>
+              <a:schemeClr val="accent1">
+                <a:alpha val="30000"/>
+              </a:schemeClr>
+            </a:solidFill>
+            <a:ln>
+              <a:noFill/>
+            </a:ln>
+            <a:effectLst/>
+          </p:spPr>
+          <p:style>
+            <a:lnRef idx="1">
+              <a:schemeClr val="accent1"/>
+            </a:lnRef>
+            <a:fillRef idx="3">
+              <a:schemeClr val="accent1"/>
+            </a:fillRef>
+            <a:effectRef idx="2">
+              <a:schemeClr val="accent1"/>
+            </a:effectRef>
+            <a:fontRef idx="minor">
+              <a:schemeClr val="lt1"/>
+            </a:fontRef>
+          </p:style>
+        </p:sp>
+        <p:sp>
+          <p:nvSpPr>
+            <p:cNvPr id="26" name="Rectangle 25"/>
+            <p:cNvSpPr/>
+            <p:nvPr/>
+          </p:nvSpPr>
+          <p:spPr>
+            <a:xfrm>
+              <a:off x="9603442" y="-8467"/>
+              <a:ext cx="2588558" cy="6866467"/>
+            </a:xfrm>
+            <a:custGeom>
+              <a:avLst/>
+              <a:gdLst/>
+              <a:ahLst/>
+              <a:cxnLst/>
+              <a:rect l="l" t="t" r="r" b="b"/>
+              <a:pathLst>
+                <a:path w="2573311" h="6866467">
+                  <a:moveTo>
+                    <a:pt x="0" y="0"/>
+                  </a:moveTo>
+                  <a:lnTo>
+                    <a:pt x="2573311" y="0"/>
+                  </a:lnTo>
+                  <a:lnTo>
+                    <a:pt x="2573311" y="6866467"/>
+                  </a:lnTo>
+                  <a:lnTo>
+                    <a:pt x="1202336" y="6866467"/>
+                  </a:lnTo>
+                  <a:lnTo>
+                    <a:pt x="0" y="0"/>
+                  </a:lnTo>
+                  <a:close/>
+                </a:path>
+              </a:pathLst>
+            </a:custGeom>
+            <a:solidFill>
+              <a:schemeClr val="accent1">
+                <a:alpha val="20000"/>
+              </a:schemeClr>
+            </a:solidFill>
+            <a:ln>
+              <a:noFill/>
+            </a:ln>
+            <a:effectLst/>
+          </p:spPr>
+          <p:style>
+            <a:lnRef idx="1">
+              <a:schemeClr val="accent1"/>
+            </a:lnRef>
+            <a:fillRef idx="3">
+              <a:schemeClr val="accent1"/>
+            </a:fillRef>
+            <a:effectRef idx="2">
+              <a:schemeClr val="accent1"/>
+            </a:effectRef>
+            <a:fontRef idx="minor">
+              <a:schemeClr val="lt1"/>
+            </a:fontRef>
+          </p:style>
+        </p:sp>
+        <p:sp>
+          <p:nvSpPr>
+            <p:cNvPr id="27" name="Isosceles Triangle 26"/>
+            <p:cNvSpPr/>
+            <p:nvPr/>
+          </p:nvSpPr>
+          <p:spPr>
+            <a:xfrm>
+              <a:off x="8932333" y="3048000"/>
+              <a:ext cx="3259667" cy="3810000"/>
+            </a:xfrm>
+            <a:prstGeom prst="triangle">
+              <a:avLst>
+                <a:gd name="adj" fmla="val 100000"/>
+              </a:avLst>
+            </a:prstGeom>
+            <a:solidFill>
+              <a:schemeClr val="accent2">
+                <a:alpha val="72000"/>
+              </a:schemeClr>
+            </a:solidFill>
+            <a:ln>
+              <a:noFill/>
+            </a:ln>
+            <a:effectLst/>
+          </p:spPr>
+          <p:style>
+            <a:lnRef idx="1">
+              <a:schemeClr val="accent1"/>
+            </a:lnRef>
+            <a:fillRef idx="3">
+              <a:schemeClr val="accent1"/>
+            </a:fillRef>
+            <a:effectRef idx="2">
+              <a:schemeClr val="accent1"/>
+            </a:effectRef>
+            <a:fontRef idx="minor">
+              <a:schemeClr val="lt1"/>
+            </a:fontRef>
+          </p:style>
+        </p:sp>
+        <p:sp>
+          <p:nvSpPr>
+            <p:cNvPr id="28" name="Rectangle 27"/>
+            <p:cNvSpPr/>
+            <p:nvPr/>
+          </p:nvSpPr>
+          <p:spPr>
+            <a:xfrm>
+              <a:off x="9334500" y="-8467"/>
+              <a:ext cx="2854326" cy="6866467"/>
+            </a:xfrm>
+            <a:custGeom>
+              <a:avLst/>
+              <a:gdLst/>
+              <a:ahLst/>
+              <a:cxnLst/>
+              <a:rect l="l" t="t" r="r" b="b"/>
+              <a:pathLst>
+                <a:path w="2858013" h="6866467">
+                  <a:moveTo>
+                    <a:pt x="0" y="0"/>
+                  </a:moveTo>
+                  <a:lnTo>
+                    <a:pt x="2858013" y="0"/>
+                  </a:lnTo>
+                  <a:lnTo>
+                    <a:pt x="2858013" y="6866467"/>
+                  </a:lnTo>
+                  <a:lnTo>
+                    <a:pt x="2473942" y="6866467"/>
+                  </a:lnTo>
+                  <a:lnTo>
+                    <a:pt x="0" y="0"/>
+                  </a:lnTo>
+                  <a:close/>
+                </a:path>
+              </a:pathLst>
+            </a:custGeom>
+            <a:solidFill>
+              <a:schemeClr val="accent2">
+                <a:lumMod val="75000"/>
+                <a:alpha val="70000"/>
+              </a:schemeClr>
+            </a:solidFill>
+            <a:ln>
+              <a:noFill/>
+            </a:ln>
+            <a:effectLst/>
+          </p:spPr>
+          <p:style>
+            <a:lnRef idx="1">
+              <a:schemeClr val="accent1"/>
+            </a:lnRef>
+            <a:fillRef idx="3">
+              <a:schemeClr val="accent1"/>
+            </a:fillRef>
+            <a:effectRef idx="2">
+              <a:schemeClr val="accent1"/>
+            </a:effectRef>
+            <a:fontRef idx="minor">
+              <a:schemeClr val="lt1"/>
+            </a:fontRef>
+          </p:style>
+        </p:sp>
+        <p:sp>
+          <p:nvSpPr>
+            <p:cNvPr id="29" name="Rectangle 28"/>
+            <p:cNvSpPr/>
+            <p:nvPr/>
+          </p:nvSpPr>
+          <p:spPr>
+            <a:xfrm>
+              <a:off x="10898730" y="-8467"/>
+              <a:ext cx="1290094" cy="6866467"/>
+            </a:xfrm>
+            <a:custGeom>
+              <a:avLst/>
+              <a:gdLst/>
+              <a:ahLst/>
+              <a:cxnLst/>
+              <a:rect l="l" t="t" r="r" b="b"/>
+              <a:pathLst>
+                <a:path w="1290094" h="6858000">
+                  <a:moveTo>
+                    <a:pt x="1019735" y="0"/>
+                  </a:moveTo>
+                  <a:lnTo>
+                    <a:pt x="1290094" y="0"/>
+                  </a:lnTo>
+                  <a:lnTo>
+                    <a:pt x="1290094" y="6858000"/>
+                  </a:lnTo>
+                  <a:lnTo>
+                    <a:pt x="0" y="6858000"/>
+                  </a:lnTo>
+                  <a:lnTo>
+                    <a:pt x="1019735" y="0"/>
+                  </a:lnTo>
+                  <a:close/>
+                </a:path>
+              </a:pathLst>
+            </a:custGeom>
+            <a:solidFill>
+              <a:schemeClr val="accent1">
+                <a:lumMod val="60000"/>
+                <a:lumOff val="40000"/>
+                <a:alpha val="70000"/>
+              </a:schemeClr>
+            </a:solidFill>
+            <a:ln>
+              <a:noFill/>
+            </a:ln>
+            <a:effectLst/>
+          </p:spPr>
+          <p:style>
+            <a:lnRef idx="1">
+              <a:schemeClr val="accent1"/>
+            </a:lnRef>
+            <a:fillRef idx="3">
+              <a:schemeClr val="accent1"/>
+            </a:fillRef>
+            <a:effectRef idx="2">
+              <a:schemeClr val="accent1"/>
+            </a:effectRef>
+            <a:fontRef idx="minor">
+              <a:schemeClr val="lt1"/>
+            </a:fontRef>
+          </p:style>
+        </p:sp>
+        <p:sp>
+          <p:nvSpPr>
+            <p:cNvPr id="30" name="Rectangle 29"/>
+            <p:cNvSpPr/>
+            <p:nvPr/>
+          </p:nvSpPr>
+          <p:spPr>
+            <a:xfrm>
+              <a:off x="10938999" y="-8467"/>
+              <a:ext cx="1249825" cy="6866467"/>
+            </a:xfrm>
+            <a:custGeom>
+              <a:avLst/>
+              <a:gdLst/>
+              <a:ahLst/>
+              <a:cxnLst/>
+              <a:rect l="l" t="t" r="r" b="b"/>
+              <a:pathLst>
+                <a:path w="1249825" h="6858000">
+                  <a:moveTo>
+                    <a:pt x="0" y="0"/>
+                  </a:moveTo>
+                  <a:lnTo>
+                    <a:pt x="1249825" y="0"/>
+                  </a:lnTo>
+                  <a:lnTo>
+                    <a:pt x="1249825" y="6858000"/>
+                  </a:lnTo>
+                  <a:lnTo>
+                    <a:pt x="1109382" y="6858000"/>
+                  </a:lnTo>
+                  <a:lnTo>
+                    <a:pt x="0" y="0"/>
+                  </a:lnTo>
+                  <a:close/>
+                </a:path>
+              </a:pathLst>
+            </a:custGeom>
+            <a:solidFill>
+              <a:schemeClr val="accent1">
+                <a:alpha val="65000"/>
+              </a:schemeClr>
+            </a:solidFill>
+            <a:ln>
+              <a:noFill/>
+            </a:ln>
+            <a:effectLst/>
+          </p:spPr>
+          <p:style>
+            <a:lnRef idx="1">
+              <a:schemeClr val="accent1"/>
+            </a:lnRef>
+            <a:fillRef idx="3">
+              <a:schemeClr val="accent1"/>
+            </a:fillRef>
+            <a:effectRef idx="2">
+              <a:schemeClr val="accent1"/>
+            </a:effectRef>
+            <a:fontRef idx="minor">
+              <a:schemeClr val="lt1"/>
+            </a:fontRef>
+          </p:style>
+        </p:sp>
+        <p:sp>
+          <p:nvSpPr>
+            <p:cNvPr id="31" name="Isosceles Triangle 30"/>
+            <p:cNvSpPr/>
+            <p:nvPr/>
+          </p:nvSpPr>
+          <p:spPr>
+            <a:xfrm>
+              <a:off x="10371666" y="3589867"/>
+              <a:ext cx="1817159" cy="3268133"/>
+            </a:xfrm>
+            <a:prstGeom prst="triangle">
+              <a:avLst>
+                <a:gd name="adj" fmla="val 100000"/>
+              </a:avLst>
+            </a:prstGeom>
+            <a:solidFill>
+              <a:schemeClr val="accent1">
+                <a:alpha val="80000"/>
+              </a:schemeClr>
+            </a:solidFill>
+            <a:ln>
+              <a:noFill/>
+            </a:ln>
+            <a:effectLst/>
+          </p:spPr>
+          <p:style>
+            <a:lnRef idx="1">
+              <a:schemeClr val="accent1"/>
+            </a:lnRef>
+            <a:fillRef idx="3">
+              <a:schemeClr val="accent1"/>
+            </a:fillRef>
+            <a:effectRef idx="2">
+              <a:schemeClr val="accent1"/>
+            </a:effectRef>
+            <a:fontRef idx="minor">
+              <a:schemeClr val="lt1"/>
+            </a:fontRef>
+          </p:style>
+        </p:sp>
+        <p:sp>
+          <p:nvSpPr>
+            <p:cNvPr id="19" name="Isosceles Triangle 18"/>
+            <p:cNvSpPr/>
+            <p:nvPr/>
+          </p:nvSpPr>
+          <p:spPr>
+            <a:xfrm rot="10800000">
+              <a:off x="0" y="0"/>
+              <a:ext cx="842596" cy="5666154"/>
+            </a:xfrm>
+            <a:prstGeom prst="triangle">
+              <a:avLst>
+                <a:gd name="adj" fmla="val 100000"/>
+              </a:avLst>
+            </a:prstGeom>
+            <a:solidFill>
+              <a:schemeClr val="accent1">
+                <a:alpha val="85000"/>
+              </a:schemeClr>
+            </a:solidFill>
+            <a:ln>
+              <a:noFill/>
+            </a:ln>
+            <a:effectLst/>
+          </p:spPr>
+          <p:style>
+            <a:lnRef idx="1">
+              <a:schemeClr val="accent1"/>
+            </a:lnRef>
+            <a:fillRef idx="3">
+              <a:schemeClr val="accent1"/>
+            </a:fillRef>
+            <a:effectRef idx="2">
+              <a:schemeClr val="accent1"/>
+            </a:effectRef>
+            <a:fontRef idx="minor">
+              <a:schemeClr val="lt1"/>
+            </a:fontRef>
+          </p:style>
+        </p:sp>
+      </p:grpSp>
       <p:sp>
         <p:nvSpPr>
           <p:cNvPr id="2" name="Title 1"/>
@@ -151,17 +677,21 @@
         </p:nvSpPr>
         <p:spPr>
           <a:xfrm>
-            <a:off x="2417779" y="802298"/>
-            <a:ext cx="8637073" cy="2541431"/>
+            <a:off x="1507067" y="2404534"/>
+            <a:ext cx="7766936" cy="1646302"/>
           </a:xfrm>
         </p:spPr>
         <p:txBody>
-          <a:bodyPr bIns="0" anchor="b">
-            <a:normAutofit/>
+          <a:bodyPr anchor="b">
+            <a:noAutofit/>
           </a:bodyPr>
           <a:lstStyle>
-            <a:lvl1pPr algn="l">
-              <a:defRPr sz="6600"/>
+            <a:lvl1pPr algn="r">
+              <a:defRPr sz="5400">
+                <a:solidFill>
+                  <a:schemeClr val="accent1"/>
+                </a:solidFill>
+              </a:defRPr>
             </a:lvl1pPr>
           </a:lstStyle>
           <a:p>
@@ -185,54 +715,103 @@
         </p:nvSpPr>
         <p:spPr>
           <a:xfrm>
-            <a:off x="2417780" y="3531204"/>
-            <a:ext cx="8637072" cy="977621"/>
+            <a:off x="1507067" y="4050833"/>
+            <a:ext cx="7766936" cy="1096899"/>
           </a:xfrm>
         </p:spPr>
         <p:txBody>
-          <a:bodyPr tIns="91440" bIns="91440">
-            <a:normAutofit/>
-          </a:bodyPr>
+          <a:bodyPr anchor="t"/>
           <a:lstStyle>
-            <a:lvl1pPr marL="0" indent="0" algn="l">
-              <a:buNone/>
-              <a:defRPr sz="1800" b="0" cap="all" baseline="0">
-                <a:solidFill>
-                  <a:schemeClr val="tx1"/>
+            <a:lvl1pPr marL="0" indent="0" algn="r">
+              <a:buNone/>
+              <a:defRPr>
+                <a:solidFill>
+                  <a:schemeClr val="tx1">
+                    <a:lumMod val="50000"/>
+                    <a:lumOff val="50000"/>
+                  </a:schemeClr>
                 </a:solidFill>
               </a:defRPr>
             </a:lvl1pPr>
             <a:lvl2pPr marL="457200" indent="0" algn="ctr">
               <a:buNone/>
-              <a:defRPr sz="1800"/>
+              <a:defRPr>
+                <a:solidFill>
+                  <a:schemeClr val="tx1">
+                    <a:tint val="75000"/>
+                  </a:schemeClr>
+                </a:solidFill>
+              </a:defRPr>
             </a:lvl2pPr>
             <a:lvl3pPr marL="914400" indent="0" algn="ctr">
               <a:buNone/>
-              <a:defRPr sz="1800"/>
+              <a:defRPr>
+                <a:solidFill>
+                  <a:schemeClr val="tx1">
+                    <a:tint val="75000"/>
+                  </a:schemeClr>
+                </a:solidFill>
+              </a:defRPr>
             </a:lvl3pPr>
             <a:lvl4pPr marL="1371600" indent="0" algn="ctr">
               <a:buNone/>
-              <a:defRPr sz="1600"/>
+              <a:defRPr>
+                <a:solidFill>
+                  <a:schemeClr val="tx1">
+                    <a:tint val="75000"/>
+                  </a:schemeClr>
+                </a:solidFill>
+              </a:defRPr>
             </a:lvl4pPr>
             <a:lvl5pPr marL="1828800" indent="0" algn="ctr">
               <a:buNone/>
-              <a:defRPr sz="1600"/>
+              <a:defRPr>
+                <a:solidFill>
+                  <a:schemeClr val="tx1">
+                    <a:tint val="75000"/>
+                  </a:schemeClr>
+                </a:solidFill>
+              </a:defRPr>
             </a:lvl5pPr>
             <a:lvl6pPr marL="2286000" indent="0" algn="ctr">
               <a:buNone/>
-              <a:defRPr sz="1600"/>
+              <a:defRPr>
+                <a:solidFill>
+                  <a:schemeClr val="tx1">
+                    <a:tint val="75000"/>
+                  </a:schemeClr>
+                </a:solidFill>
+              </a:defRPr>
             </a:lvl6pPr>
             <a:lvl7pPr marL="2743200" indent="0" algn="ctr">
               <a:buNone/>
-              <a:defRPr sz="1600"/>
+              <a:defRPr>
+                <a:solidFill>
+                  <a:schemeClr val="tx1">
+                    <a:tint val="75000"/>
+                  </a:schemeClr>
+                </a:solidFill>
+              </a:defRPr>
             </a:lvl7pPr>
             <a:lvl8pPr marL="3200400" indent="0" algn="ctr">
               <a:buNone/>
-              <a:defRPr sz="1600"/>
+              <a:defRPr>
+                <a:solidFill>
+                  <a:schemeClr val="tx1">
+                    <a:tint val="75000"/>
+                  </a:schemeClr>
+                </a:solidFill>
+              </a:defRPr>
             </a:lvl8pPr>
             <a:lvl9pPr marL="3657600" indent="0" algn="ctr">
               <a:buNone/>
-              <a:defRPr sz="1600"/>
+              <a:defRPr>
+                <a:solidFill>
+                  <a:schemeClr val="tx1">
+                    <a:tint val="75000"/>
+                  </a:schemeClr>
+                </a:solidFill>
+              </a:defRPr>
             </a:lvl9pPr>
           </a:lstStyle>
           <a:p>
@@ -259,7 +838,7 @@
           <a:bodyPr/>
           <a:lstStyle/>
           <a:p>
-            <a:fld id="{DE1C6FF9-766B-4EA1-9B55-0A10F93297C0}" type="datetimeFigureOut">
+            <a:fld id="{AA69BB30-8325-4345-8DFA-998A30CB2488}" type="datetimeFigureOut">
               <a:rPr lang="en-US" smtClean="0"/>
               <a:t>9/9/2025</a:t>
             </a:fld>
@@ -277,12 +856,7 @@
             <p:ph type="ftr" sz="quarter" idx="11"/>
           </p:nvPr>
         </p:nvSpPr>
-        <p:spPr>
-          <a:xfrm>
-            <a:off x="2416500" y="329307"/>
-            <a:ext cx="4973915" cy="309201"/>
-          </a:xfrm>
-        </p:spPr>
+        <p:spPr/>
         <p:txBody>
           <a:bodyPr/>
           <a:lstStyle/>
@@ -301,17 +875,12 @@
             <p:ph type="sldNum" sz="quarter" idx="12"/>
           </p:nvPr>
         </p:nvSpPr>
-        <p:spPr>
-          <a:xfrm>
-            <a:off x="1437664" y="798973"/>
-            <a:ext cx="811019" cy="503578"/>
-          </a:xfrm>
-        </p:spPr>
+        <p:spPr/>
         <p:txBody>
           <a:bodyPr/>
           <a:lstStyle/>
           <a:p>
-            <a:fld id="{1E7C8104-74DF-45D5-8E3E-59CA042D9238}" type="slidenum">
+            <a:fld id="{FDFB9C32-4155-43F0-9D69-97C79EB91DC0}" type="slidenum">
               <a:rPr lang="en-US" smtClean="0"/>
               <a:t>‹#›</a:t>
             </a:fld>
@@ -319,41 +888,10 @@
           </a:p>
         </p:txBody>
       </p:sp>
-      <p:cxnSp>
-        <p:nvCxnSpPr>
-          <p:cNvPr id="15" name="Straight Connector 14"/>
-          <p:cNvCxnSpPr/>
-          <p:nvPr/>
-        </p:nvCxnSpPr>
-        <p:spPr>
-          <a:xfrm>
-            <a:off x="2417780" y="3528542"/>
-            <a:ext cx="8637072" cy="0"/>
-          </a:xfrm>
-          <a:prstGeom prst="line">
-            <a:avLst/>
-          </a:prstGeom>
-          <a:ln w="31750"/>
-        </p:spPr>
-        <p:style>
-          <a:lnRef idx="3">
-            <a:schemeClr val="accent1"/>
-          </a:lnRef>
-          <a:fillRef idx="0">
-            <a:schemeClr val="accent1"/>
-          </a:fillRef>
-          <a:effectRef idx="2">
-            <a:schemeClr val="accent1"/>
-          </a:effectRef>
-          <a:fontRef idx="minor">
-            <a:schemeClr val="tx1"/>
-          </a:fontRef>
-        </p:style>
-      </p:cxnSp>
     </p:spTree>
     <p:extLst>
       <p:ext uri="{BB962C8B-B14F-4D97-AF65-F5344CB8AC3E}">
-        <p14:creationId xmlns:p14="http://schemas.microsoft.com/office/powerpoint/2010/main" val="270922838"/>
+        <p14:creationId xmlns:p14="http://schemas.microsoft.com/office/powerpoint/2010/main" val="1230634806"/>
       </p:ext>
     </p:extLst>
   </p:cSld>
@@ -364,6 +902,1619 @@
 </file>
 
 <file path=ppt/slideLayouts/slideLayout10.xml><?xml version="1.0" encoding="utf-8"?>
+<p:sldLayout xmlns:a="http://schemas.openxmlformats.org/drawingml/2006/main" xmlns:r="http://schemas.openxmlformats.org/officeDocument/2006/relationships" xmlns:p="http://schemas.openxmlformats.org/presentationml/2006/main" preserve="1">
+  <p:cSld name="Title and Caption">
+    <p:spTree>
+      <p:nvGrpSpPr>
+        <p:cNvPr id="1" name=""/>
+        <p:cNvGrpSpPr/>
+        <p:nvPr/>
+      </p:nvGrpSpPr>
+      <p:grpSpPr>
+        <a:xfrm>
+          <a:off x="0" y="0"/>
+          <a:ext cx="0" cy="0"/>
+          <a:chOff x="0" y="0"/>
+          <a:chExt cx="0" cy="0"/>
+        </a:xfrm>
+      </p:grpSpPr>
+      <p:sp>
+        <p:nvSpPr>
+          <p:cNvPr id="2" name="Title 1"/>
+          <p:cNvSpPr>
+            <a:spLocks noGrp="1"/>
+          </p:cNvSpPr>
+          <p:nvPr>
+            <p:ph type="title"/>
+          </p:nvPr>
+        </p:nvSpPr>
+        <p:spPr>
+          <a:xfrm>
+            <a:off x="677335" y="609600"/>
+            <a:ext cx="8596668" cy="3403600"/>
+          </a:xfrm>
+        </p:spPr>
+        <p:txBody>
+          <a:bodyPr anchor="ctr">
+            <a:normAutofit/>
+          </a:bodyPr>
+          <a:lstStyle>
+            <a:lvl1pPr algn="l">
+              <a:defRPr sz="4400" b="0" cap="none"/>
+            </a:lvl1pPr>
+          </a:lstStyle>
+          <a:p>
+            <a:r>
+              <a:rPr lang="en-US"/>
+              <a:t>Click to edit Master title style</a:t>
+            </a:r>
+            <a:endParaRPr lang="en-US" dirty="0"/>
+          </a:p>
+        </p:txBody>
+      </p:sp>
+      <p:sp>
+        <p:nvSpPr>
+          <p:cNvPr id="3" name="Text Placeholder 2"/>
+          <p:cNvSpPr>
+            <a:spLocks noGrp="1"/>
+          </p:cNvSpPr>
+          <p:nvPr>
+            <p:ph type="body" idx="1"/>
+          </p:nvPr>
+        </p:nvSpPr>
+        <p:spPr>
+          <a:xfrm>
+            <a:off x="677335" y="4470400"/>
+            <a:ext cx="8596668" cy="1570962"/>
+          </a:xfrm>
+        </p:spPr>
+        <p:txBody>
+          <a:bodyPr anchor="ctr">
+            <a:normAutofit/>
+          </a:bodyPr>
+          <a:lstStyle>
+            <a:lvl1pPr marL="0" indent="0" algn="l">
+              <a:buNone/>
+              <a:defRPr sz="1800">
+                <a:solidFill>
+                  <a:schemeClr val="tx1">
+                    <a:lumMod val="75000"/>
+                    <a:lumOff val="25000"/>
+                  </a:schemeClr>
+                </a:solidFill>
+              </a:defRPr>
+            </a:lvl1pPr>
+            <a:lvl2pPr marL="457200" indent="0">
+              <a:buNone/>
+              <a:defRPr sz="1800">
+                <a:solidFill>
+                  <a:schemeClr val="tx1">
+                    <a:tint val="75000"/>
+                  </a:schemeClr>
+                </a:solidFill>
+              </a:defRPr>
+            </a:lvl2pPr>
+            <a:lvl3pPr marL="914400" indent="0">
+              <a:buNone/>
+              <a:defRPr sz="1600">
+                <a:solidFill>
+                  <a:schemeClr val="tx1">
+                    <a:tint val="75000"/>
+                  </a:schemeClr>
+                </a:solidFill>
+              </a:defRPr>
+            </a:lvl3pPr>
+            <a:lvl4pPr marL="1371600" indent="0">
+              <a:buNone/>
+              <a:defRPr sz="1400">
+                <a:solidFill>
+                  <a:schemeClr val="tx1">
+                    <a:tint val="75000"/>
+                  </a:schemeClr>
+                </a:solidFill>
+              </a:defRPr>
+            </a:lvl4pPr>
+            <a:lvl5pPr marL="1828800" indent="0">
+              <a:buNone/>
+              <a:defRPr sz="1400">
+                <a:solidFill>
+                  <a:schemeClr val="tx1">
+                    <a:tint val="75000"/>
+                  </a:schemeClr>
+                </a:solidFill>
+              </a:defRPr>
+            </a:lvl5pPr>
+            <a:lvl6pPr marL="2286000" indent="0">
+              <a:buNone/>
+              <a:defRPr sz="1400">
+                <a:solidFill>
+                  <a:schemeClr val="tx1">
+                    <a:tint val="75000"/>
+                  </a:schemeClr>
+                </a:solidFill>
+              </a:defRPr>
+            </a:lvl6pPr>
+            <a:lvl7pPr marL="2743200" indent="0">
+              <a:buNone/>
+              <a:defRPr sz="1400">
+                <a:solidFill>
+                  <a:schemeClr val="tx1">
+                    <a:tint val="75000"/>
+                  </a:schemeClr>
+                </a:solidFill>
+              </a:defRPr>
+            </a:lvl7pPr>
+            <a:lvl8pPr marL="3200400" indent="0">
+              <a:buNone/>
+              <a:defRPr sz="1400">
+                <a:solidFill>
+                  <a:schemeClr val="tx1">
+                    <a:tint val="75000"/>
+                  </a:schemeClr>
+                </a:solidFill>
+              </a:defRPr>
+            </a:lvl8pPr>
+            <a:lvl9pPr marL="3657600" indent="0">
+              <a:buNone/>
+              <a:defRPr sz="1400">
+                <a:solidFill>
+                  <a:schemeClr val="tx1">
+                    <a:tint val="75000"/>
+                  </a:schemeClr>
+                </a:solidFill>
+              </a:defRPr>
+            </a:lvl9pPr>
+          </a:lstStyle>
+          <a:p>
+            <a:pPr lvl="0"/>
+            <a:r>
+              <a:rPr lang="en-US"/>
+              <a:t>Click to edit Master text styles</a:t>
+            </a:r>
+          </a:p>
+        </p:txBody>
+      </p:sp>
+      <p:sp>
+        <p:nvSpPr>
+          <p:cNvPr id="4" name="Date Placeholder 3"/>
+          <p:cNvSpPr>
+            <a:spLocks noGrp="1"/>
+          </p:cNvSpPr>
+          <p:nvPr>
+            <p:ph type="dt" sz="half" idx="10"/>
+          </p:nvPr>
+        </p:nvSpPr>
+        <p:spPr/>
+        <p:txBody>
+          <a:bodyPr/>
+          <a:lstStyle/>
+          <a:p>
+            <a:fld id="{AA69BB30-8325-4345-8DFA-998A30CB2488}" type="datetimeFigureOut">
+              <a:rPr lang="en-US" smtClean="0"/>
+              <a:t>9/9/2025</a:t>
+            </a:fld>
+            <a:endParaRPr lang="en-US"/>
+          </a:p>
+        </p:txBody>
+      </p:sp>
+      <p:sp>
+        <p:nvSpPr>
+          <p:cNvPr id="5" name="Footer Placeholder 4"/>
+          <p:cNvSpPr>
+            <a:spLocks noGrp="1"/>
+          </p:cNvSpPr>
+          <p:nvPr>
+            <p:ph type="ftr" sz="quarter" idx="11"/>
+          </p:nvPr>
+        </p:nvSpPr>
+        <p:spPr/>
+        <p:txBody>
+          <a:bodyPr/>
+          <a:lstStyle/>
+          <a:p>
+            <a:endParaRPr lang="en-US"/>
+          </a:p>
+        </p:txBody>
+      </p:sp>
+      <p:sp>
+        <p:nvSpPr>
+          <p:cNvPr id="6" name="Slide Number Placeholder 5"/>
+          <p:cNvSpPr>
+            <a:spLocks noGrp="1"/>
+          </p:cNvSpPr>
+          <p:nvPr>
+            <p:ph type="sldNum" sz="quarter" idx="12"/>
+          </p:nvPr>
+        </p:nvSpPr>
+        <p:spPr/>
+        <p:txBody>
+          <a:bodyPr/>
+          <a:lstStyle/>
+          <a:p>
+            <a:fld id="{FDFB9C32-4155-43F0-9D69-97C79EB91DC0}" type="slidenum">
+              <a:rPr lang="en-US" smtClean="0"/>
+              <a:t>‹#›</a:t>
+            </a:fld>
+            <a:endParaRPr lang="en-US"/>
+          </a:p>
+        </p:txBody>
+      </p:sp>
+    </p:spTree>
+    <p:extLst>
+      <p:ext uri="{BB962C8B-B14F-4D97-AF65-F5344CB8AC3E}">
+        <p14:creationId xmlns:p14="http://schemas.microsoft.com/office/powerpoint/2010/main" val="3731299908"/>
+      </p:ext>
+    </p:extLst>
+  </p:cSld>
+  <p:clrMapOvr>
+    <a:masterClrMapping/>
+  </p:clrMapOvr>
+</p:sldLayout>
+</file>
+
+<file path=ppt/slideLayouts/slideLayout11.xml><?xml version="1.0" encoding="utf-8"?>
+<p:sldLayout xmlns:a="http://schemas.openxmlformats.org/drawingml/2006/main" xmlns:r="http://schemas.openxmlformats.org/officeDocument/2006/relationships" xmlns:p="http://schemas.openxmlformats.org/presentationml/2006/main" preserve="1">
+  <p:cSld name="Quote with Caption">
+    <p:spTree>
+      <p:nvGrpSpPr>
+        <p:cNvPr id="1" name=""/>
+        <p:cNvGrpSpPr/>
+        <p:nvPr/>
+      </p:nvGrpSpPr>
+      <p:grpSpPr>
+        <a:xfrm>
+          <a:off x="0" y="0"/>
+          <a:ext cx="0" cy="0"/>
+          <a:chOff x="0" y="0"/>
+          <a:chExt cx="0" cy="0"/>
+        </a:xfrm>
+      </p:grpSpPr>
+      <p:sp>
+        <p:nvSpPr>
+          <p:cNvPr id="2" name="Title 1"/>
+          <p:cNvSpPr>
+            <a:spLocks noGrp="1"/>
+          </p:cNvSpPr>
+          <p:nvPr>
+            <p:ph type="title"/>
+          </p:nvPr>
+        </p:nvSpPr>
+        <p:spPr>
+          <a:xfrm>
+            <a:off x="931334" y="609600"/>
+            <a:ext cx="8094134" cy="3022600"/>
+          </a:xfrm>
+        </p:spPr>
+        <p:txBody>
+          <a:bodyPr anchor="ctr">
+            <a:normAutofit/>
+          </a:bodyPr>
+          <a:lstStyle>
+            <a:lvl1pPr algn="l">
+              <a:defRPr sz="4400" b="0" cap="none"/>
+            </a:lvl1pPr>
+          </a:lstStyle>
+          <a:p>
+            <a:r>
+              <a:rPr lang="en-US"/>
+              <a:t>Click to edit Master title style</a:t>
+            </a:r>
+            <a:endParaRPr lang="en-US" dirty="0"/>
+          </a:p>
+        </p:txBody>
+      </p:sp>
+      <p:sp>
+        <p:nvSpPr>
+          <p:cNvPr id="23" name="Text Placeholder 9"/>
+          <p:cNvSpPr>
+            <a:spLocks noGrp="1"/>
+          </p:cNvSpPr>
+          <p:nvPr>
+            <p:ph type="body" sz="quarter" idx="13"/>
+          </p:nvPr>
+        </p:nvSpPr>
+        <p:spPr>
+          <a:xfrm>
+            <a:off x="1366139" y="3632200"/>
+            <a:ext cx="7224524" cy="381000"/>
+          </a:xfrm>
+        </p:spPr>
+        <p:txBody>
+          <a:bodyPr anchor="ctr">
+            <a:noAutofit/>
+          </a:bodyPr>
+          <a:lstStyle>
+            <a:lvl1pPr marL="0" indent="0">
+              <a:buFontTx/>
+              <a:buNone/>
+              <a:defRPr sz="1600">
+                <a:solidFill>
+                  <a:schemeClr val="tx1">
+                    <a:lumMod val="50000"/>
+                    <a:lumOff val="50000"/>
+                  </a:schemeClr>
+                </a:solidFill>
+              </a:defRPr>
+            </a:lvl1pPr>
+            <a:lvl2pPr marL="457200" indent="0">
+              <a:buFontTx/>
+              <a:buNone/>
+              <a:defRPr/>
+            </a:lvl2pPr>
+            <a:lvl3pPr marL="914400" indent="0">
+              <a:buFontTx/>
+              <a:buNone/>
+              <a:defRPr/>
+            </a:lvl3pPr>
+            <a:lvl4pPr marL="1371600" indent="0">
+              <a:buFontTx/>
+              <a:buNone/>
+              <a:defRPr/>
+            </a:lvl4pPr>
+            <a:lvl5pPr marL="1828800" indent="0">
+              <a:buFontTx/>
+              <a:buNone/>
+              <a:defRPr/>
+            </a:lvl5pPr>
+          </a:lstStyle>
+          <a:p>
+            <a:pPr lvl="0"/>
+            <a:r>
+              <a:rPr lang="en-US"/>
+              <a:t>Click to edit Master text styles</a:t>
+            </a:r>
+          </a:p>
+        </p:txBody>
+      </p:sp>
+      <p:sp>
+        <p:nvSpPr>
+          <p:cNvPr id="3" name="Text Placeholder 2"/>
+          <p:cNvSpPr>
+            <a:spLocks noGrp="1"/>
+          </p:cNvSpPr>
+          <p:nvPr>
+            <p:ph type="body" idx="1"/>
+          </p:nvPr>
+        </p:nvSpPr>
+        <p:spPr>
+          <a:xfrm>
+            <a:off x="677335" y="4470400"/>
+            <a:ext cx="8596668" cy="1570962"/>
+          </a:xfrm>
+        </p:spPr>
+        <p:txBody>
+          <a:bodyPr anchor="ctr">
+            <a:normAutofit/>
+          </a:bodyPr>
+          <a:lstStyle>
+            <a:lvl1pPr marL="0" indent="0" algn="l">
+              <a:buNone/>
+              <a:defRPr sz="1800">
+                <a:solidFill>
+                  <a:schemeClr val="tx1">
+                    <a:lumMod val="75000"/>
+                    <a:lumOff val="25000"/>
+                  </a:schemeClr>
+                </a:solidFill>
+              </a:defRPr>
+            </a:lvl1pPr>
+            <a:lvl2pPr marL="457200" indent="0">
+              <a:buNone/>
+              <a:defRPr sz="1800">
+                <a:solidFill>
+                  <a:schemeClr val="tx1">
+                    <a:tint val="75000"/>
+                  </a:schemeClr>
+                </a:solidFill>
+              </a:defRPr>
+            </a:lvl2pPr>
+            <a:lvl3pPr marL="914400" indent="0">
+              <a:buNone/>
+              <a:defRPr sz="1600">
+                <a:solidFill>
+                  <a:schemeClr val="tx1">
+                    <a:tint val="75000"/>
+                  </a:schemeClr>
+                </a:solidFill>
+              </a:defRPr>
+            </a:lvl3pPr>
+            <a:lvl4pPr marL="1371600" indent="0">
+              <a:buNone/>
+              <a:defRPr sz="1400">
+                <a:solidFill>
+                  <a:schemeClr val="tx1">
+                    <a:tint val="75000"/>
+                  </a:schemeClr>
+                </a:solidFill>
+              </a:defRPr>
+            </a:lvl4pPr>
+            <a:lvl5pPr marL="1828800" indent="0">
+              <a:buNone/>
+              <a:defRPr sz="1400">
+                <a:solidFill>
+                  <a:schemeClr val="tx1">
+                    <a:tint val="75000"/>
+                  </a:schemeClr>
+                </a:solidFill>
+              </a:defRPr>
+            </a:lvl5pPr>
+            <a:lvl6pPr marL="2286000" indent="0">
+              <a:buNone/>
+              <a:defRPr sz="1400">
+                <a:solidFill>
+                  <a:schemeClr val="tx1">
+                    <a:tint val="75000"/>
+                  </a:schemeClr>
+                </a:solidFill>
+              </a:defRPr>
+            </a:lvl6pPr>
+            <a:lvl7pPr marL="2743200" indent="0">
+              <a:buNone/>
+              <a:defRPr sz="1400">
+                <a:solidFill>
+                  <a:schemeClr val="tx1">
+                    <a:tint val="75000"/>
+                  </a:schemeClr>
+                </a:solidFill>
+              </a:defRPr>
+            </a:lvl7pPr>
+            <a:lvl8pPr marL="3200400" indent="0">
+              <a:buNone/>
+              <a:defRPr sz="1400">
+                <a:solidFill>
+                  <a:schemeClr val="tx1">
+                    <a:tint val="75000"/>
+                  </a:schemeClr>
+                </a:solidFill>
+              </a:defRPr>
+            </a:lvl8pPr>
+            <a:lvl9pPr marL="3657600" indent="0">
+              <a:buNone/>
+              <a:defRPr sz="1400">
+                <a:solidFill>
+                  <a:schemeClr val="tx1">
+                    <a:tint val="75000"/>
+                  </a:schemeClr>
+                </a:solidFill>
+              </a:defRPr>
+            </a:lvl9pPr>
+          </a:lstStyle>
+          <a:p>
+            <a:pPr lvl="0"/>
+            <a:r>
+              <a:rPr lang="en-US"/>
+              <a:t>Click to edit Master text styles</a:t>
+            </a:r>
+          </a:p>
+        </p:txBody>
+      </p:sp>
+      <p:sp>
+        <p:nvSpPr>
+          <p:cNvPr id="4" name="Date Placeholder 3"/>
+          <p:cNvSpPr>
+            <a:spLocks noGrp="1"/>
+          </p:cNvSpPr>
+          <p:nvPr>
+            <p:ph type="dt" sz="half" idx="10"/>
+          </p:nvPr>
+        </p:nvSpPr>
+        <p:spPr/>
+        <p:txBody>
+          <a:bodyPr/>
+          <a:lstStyle/>
+          <a:p>
+            <a:fld id="{AA69BB30-8325-4345-8DFA-998A30CB2488}" type="datetimeFigureOut">
+              <a:rPr lang="en-US" smtClean="0"/>
+              <a:t>9/9/2025</a:t>
+            </a:fld>
+            <a:endParaRPr lang="en-US"/>
+          </a:p>
+        </p:txBody>
+      </p:sp>
+      <p:sp>
+        <p:nvSpPr>
+          <p:cNvPr id="5" name="Footer Placeholder 4"/>
+          <p:cNvSpPr>
+            <a:spLocks noGrp="1"/>
+          </p:cNvSpPr>
+          <p:nvPr>
+            <p:ph type="ftr" sz="quarter" idx="11"/>
+          </p:nvPr>
+        </p:nvSpPr>
+        <p:spPr/>
+        <p:txBody>
+          <a:bodyPr/>
+          <a:lstStyle/>
+          <a:p>
+            <a:endParaRPr lang="en-US"/>
+          </a:p>
+        </p:txBody>
+      </p:sp>
+      <p:sp>
+        <p:nvSpPr>
+          <p:cNvPr id="6" name="Slide Number Placeholder 5"/>
+          <p:cNvSpPr>
+            <a:spLocks noGrp="1"/>
+          </p:cNvSpPr>
+          <p:nvPr>
+            <p:ph type="sldNum" sz="quarter" idx="12"/>
+          </p:nvPr>
+        </p:nvSpPr>
+        <p:spPr/>
+        <p:txBody>
+          <a:bodyPr/>
+          <a:lstStyle/>
+          <a:p>
+            <a:fld id="{FDFB9C32-4155-43F0-9D69-97C79EB91DC0}" type="slidenum">
+              <a:rPr lang="en-US" smtClean="0"/>
+              <a:t>‹#›</a:t>
+            </a:fld>
+            <a:endParaRPr lang="en-US"/>
+          </a:p>
+        </p:txBody>
+      </p:sp>
+      <p:sp>
+        <p:nvSpPr>
+          <p:cNvPr id="20" name="TextBox 19"/>
+          <p:cNvSpPr txBox="1"/>
+          <p:nvPr/>
+        </p:nvSpPr>
+        <p:spPr>
+          <a:xfrm>
+            <a:off x="541870" y="790378"/>
+            <a:ext cx="609600" cy="584776"/>
+          </a:xfrm>
+          <a:prstGeom prst="rect">
+            <a:avLst/>
+          </a:prstGeom>
+        </p:spPr>
+        <p:txBody>
+          <a:bodyPr vert="horz" lIns="91440" tIns="45720" rIns="91440" bIns="45720" rtlCol="0" anchor="ctr">
+            <a:noAutofit/>
+          </a:bodyPr>
+          <a:lstStyle/>
+          <a:p>
+            <a:pPr lvl="0"/>
+            <a:r>
+              <a:rPr lang="en-US" sz="8000" baseline="0" dirty="0">
+                <a:ln w="3175" cmpd="sng">
+                  <a:noFill/>
+                </a:ln>
+                <a:solidFill>
+                  <a:schemeClr val="accent1">
+                    <a:lumMod val="60000"/>
+                    <a:lumOff val="40000"/>
+                  </a:schemeClr>
+                </a:solidFill>
+                <a:effectLst/>
+                <a:latin typeface="Arial"/>
+              </a:rPr>
+              <a:t>“</a:t>
+            </a:r>
+          </a:p>
+        </p:txBody>
+      </p:sp>
+      <p:sp>
+        <p:nvSpPr>
+          <p:cNvPr id="22" name="TextBox 21"/>
+          <p:cNvSpPr txBox="1"/>
+          <p:nvPr/>
+        </p:nvSpPr>
+        <p:spPr>
+          <a:xfrm>
+            <a:off x="8893011" y="2886556"/>
+            <a:ext cx="609600" cy="584776"/>
+          </a:xfrm>
+          <a:prstGeom prst="rect">
+            <a:avLst/>
+          </a:prstGeom>
+        </p:spPr>
+        <p:txBody>
+          <a:bodyPr vert="horz" lIns="91440" tIns="45720" rIns="91440" bIns="45720" rtlCol="0" anchor="ctr">
+            <a:noAutofit/>
+          </a:bodyPr>
+          <a:lstStyle/>
+          <a:p>
+            <a:pPr lvl="0"/>
+            <a:r>
+              <a:rPr lang="en-US" sz="8000" baseline="0" dirty="0">
+                <a:ln w="3175" cmpd="sng">
+                  <a:noFill/>
+                </a:ln>
+                <a:solidFill>
+                  <a:schemeClr val="accent1">
+                    <a:lumMod val="60000"/>
+                    <a:lumOff val="40000"/>
+                  </a:schemeClr>
+                </a:solidFill>
+                <a:latin typeface="Arial"/>
+              </a:rPr>
+              <a:t>”</a:t>
+            </a:r>
+            <a:endParaRPr lang="en-US" dirty="0">
+              <a:solidFill>
+                <a:schemeClr val="accent1">
+                  <a:lumMod val="60000"/>
+                  <a:lumOff val="40000"/>
+                </a:schemeClr>
+              </a:solidFill>
+              <a:latin typeface="Arial"/>
+            </a:endParaRPr>
+          </a:p>
+        </p:txBody>
+      </p:sp>
+    </p:spTree>
+    <p:extLst>
+      <p:ext uri="{BB962C8B-B14F-4D97-AF65-F5344CB8AC3E}">
+        <p14:creationId xmlns:p14="http://schemas.microsoft.com/office/powerpoint/2010/main" val="3640471935"/>
+      </p:ext>
+    </p:extLst>
+  </p:cSld>
+  <p:clrMapOvr>
+    <a:masterClrMapping/>
+  </p:clrMapOvr>
+</p:sldLayout>
+</file>
+
+<file path=ppt/slideLayouts/slideLayout12.xml><?xml version="1.0" encoding="utf-8"?>
+<p:sldLayout xmlns:a="http://schemas.openxmlformats.org/drawingml/2006/main" xmlns:r="http://schemas.openxmlformats.org/officeDocument/2006/relationships" xmlns:p="http://schemas.openxmlformats.org/presentationml/2006/main" preserve="1">
+  <p:cSld name="Name Card">
+    <p:spTree>
+      <p:nvGrpSpPr>
+        <p:cNvPr id="1" name=""/>
+        <p:cNvGrpSpPr/>
+        <p:nvPr/>
+      </p:nvGrpSpPr>
+      <p:grpSpPr>
+        <a:xfrm>
+          <a:off x="0" y="0"/>
+          <a:ext cx="0" cy="0"/>
+          <a:chOff x="0" y="0"/>
+          <a:chExt cx="0" cy="0"/>
+        </a:xfrm>
+      </p:grpSpPr>
+      <p:sp>
+        <p:nvSpPr>
+          <p:cNvPr id="2" name="Title 1"/>
+          <p:cNvSpPr>
+            <a:spLocks noGrp="1"/>
+          </p:cNvSpPr>
+          <p:nvPr>
+            <p:ph type="title"/>
+          </p:nvPr>
+        </p:nvSpPr>
+        <p:spPr>
+          <a:xfrm>
+            <a:off x="677335" y="1931988"/>
+            <a:ext cx="8596668" cy="2595460"/>
+          </a:xfrm>
+        </p:spPr>
+        <p:txBody>
+          <a:bodyPr anchor="b">
+            <a:normAutofit/>
+          </a:bodyPr>
+          <a:lstStyle>
+            <a:lvl1pPr algn="l">
+              <a:defRPr sz="4400" b="0" cap="none"/>
+            </a:lvl1pPr>
+          </a:lstStyle>
+          <a:p>
+            <a:r>
+              <a:rPr lang="en-US"/>
+              <a:t>Click to edit Master title style</a:t>
+            </a:r>
+            <a:endParaRPr lang="en-US" dirty="0"/>
+          </a:p>
+        </p:txBody>
+      </p:sp>
+      <p:sp>
+        <p:nvSpPr>
+          <p:cNvPr id="3" name="Text Placeholder 2"/>
+          <p:cNvSpPr>
+            <a:spLocks noGrp="1"/>
+          </p:cNvSpPr>
+          <p:nvPr>
+            <p:ph type="body" idx="1"/>
+          </p:nvPr>
+        </p:nvSpPr>
+        <p:spPr>
+          <a:xfrm>
+            <a:off x="677335" y="4527448"/>
+            <a:ext cx="8596668" cy="1513914"/>
+          </a:xfrm>
+        </p:spPr>
+        <p:txBody>
+          <a:bodyPr anchor="t">
+            <a:normAutofit/>
+          </a:bodyPr>
+          <a:lstStyle>
+            <a:lvl1pPr marL="0" indent="0" algn="l">
+              <a:buNone/>
+              <a:defRPr sz="1800">
+                <a:solidFill>
+                  <a:schemeClr val="tx1">
+                    <a:lumMod val="75000"/>
+                    <a:lumOff val="25000"/>
+                  </a:schemeClr>
+                </a:solidFill>
+              </a:defRPr>
+            </a:lvl1pPr>
+            <a:lvl2pPr marL="457200" indent="0">
+              <a:buNone/>
+              <a:defRPr sz="1800">
+                <a:solidFill>
+                  <a:schemeClr val="tx1">
+                    <a:tint val="75000"/>
+                  </a:schemeClr>
+                </a:solidFill>
+              </a:defRPr>
+            </a:lvl2pPr>
+            <a:lvl3pPr marL="914400" indent="0">
+              <a:buNone/>
+              <a:defRPr sz="1600">
+                <a:solidFill>
+                  <a:schemeClr val="tx1">
+                    <a:tint val="75000"/>
+                  </a:schemeClr>
+                </a:solidFill>
+              </a:defRPr>
+            </a:lvl3pPr>
+            <a:lvl4pPr marL="1371600" indent="0">
+              <a:buNone/>
+              <a:defRPr sz="1400">
+                <a:solidFill>
+                  <a:schemeClr val="tx1">
+                    <a:tint val="75000"/>
+                  </a:schemeClr>
+                </a:solidFill>
+              </a:defRPr>
+            </a:lvl4pPr>
+            <a:lvl5pPr marL="1828800" indent="0">
+              <a:buNone/>
+              <a:defRPr sz="1400">
+                <a:solidFill>
+                  <a:schemeClr val="tx1">
+                    <a:tint val="75000"/>
+                  </a:schemeClr>
+                </a:solidFill>
+              </a:defRPr>
+            </a:lvl5pPr>
+            <a:lvl6pPr marL="2286000" indent="0">
+              <a:buNone/>
+              <a:defRPr sz="1400">
+                <a:solidFill>
+                  <a:schemeClr val="tx1">
+                    <a:tint val="75000"/>
+                  </a:schemeClr>
+                </a:solidFill>
+              </a:defRPr>
+            </a:lvl6pPr>
+            <a:lvl7pPr marL="2743200" indent="0">
+              <a:buNone/>
+              <a:defRPr sz="1400">
+                <a:solidFill>
+                  <a:schemeClr val="tx1">
+                    <a:tint val="75000"/>
+                  </a:schemeClr>
+                </a:solidFill>
+              </a:defRPr>
+            </a:lvl7pPr>
+            <a:lvl8pPr marL="3200400" indent="0">
+              <a:buNone/>
+              <a:defRPr sz="1400">
+                <a:solidFill>
+                  <a:schemeClr val="tx1">
+                    <a:tint val="75000"/>
+                  </a:schemeClr>
+                </a:solidFill>
+              </a:defRPr>
+            </a:lvl8pPr>
+            <a:lvl9pPr marL="3657600" indent="0">
+              <a:buNone/>
+              <a:defRPr sz="1400">
+                <a:solidFill>
+                  <a:schemeClr val="tx1">
+                    <a:tint val="75000"/>
+                  </a:schemeClr>
+                </a:solidFill>
+              </a:defRPr>
+            </a:lvl9pPr>
+          </a:lstStyle>
+          <a:p>
+            <a:pPr lvl="0"/>
+            <a:r>
+              <a:rPr lang="en-US"/>
+              <a:t>Click to edit Master text styles</a:t>
+            </a:r>
+          </a:p>
+        </p:txBody>
+      </p:sp>
+      <p:sp>
+        <p:nvSpPr>
+          <p:cNvPr id="4" name="Date Placeholder 3"/>
+          <p:cNvSpPr>
+            <a:spLocks noGrp="1"/>
+          </p:cNvSpPr>
+          <p:nvPr>
+            <p:ph type="dt" sz="half" idx="10"/>
+          </p:nvPr>
+        </p:nvSpPr>
+        <p:spPr/>
+        <p:txBody>
+          <a:bodyPr/>
+          <a:lstStyle/>
+          <a:p>
+            <a:fld id="{AA69BB30-8325-4345-8DFA-998A30CB2488}" type="datetimeFigureOut">
+              <a:rPr lang="en-US" smtClean="0"/>
+              <a:t>9/9/2025</a:t>
+            </a:fld>
+            <a:endParaRPr lang="en-US"/>
+          </a:p>
+        </p:txBody>
+      </p:sp>
+      <p:sp>
+        <p:nvSpPr>
+          <p:cNvPr id="5" name="Footer Placeholder 4"/>
+          <p:cNvSpPr>
+            <a:spLocks noGrp="1"/>
+          </p:cNvSpPr>
+          <p:nvPr>
+            <p:ph type="ftr" sz="quarter" idx="11"/>
+          </p:nvPr>
+        </p:nvSpPr>
+        <p:spPr/>
+        <p:txBody>
+          <a:bodyPr/>
+          <a:lstStyle/>
+          <a:p>
+            <a:endParaRPr lang="en-US"/>
+          </a:p>
+        </p:txBody>
+      </p:sp>
+      <p:sp>
+        <p:nvSpPr>
+          <p:cNvPr id="6" name="Slide Number Placeholder 5"/>
+          <p:cNvSpPr>
+            <a:spLocks noGrp="1"/>
+          </p:cNvSpPr>
+          <p:nvPr>
+            <p:ph type="sldNum" sz="quarter" idx="12"/>
+          </p:nvPr>
+        </p:nvSpPr>
+        <p:spPr/>
+        <p:txBody>
+          <a:bodyPr/>
+          <a:lstStyle/>
+          <a:p>
+            <a:fld id="{FDFB9C32-4155-43F0-9D69-97C79EB91DC0}" type="slidenum">
+              <a:rPr lang="en-US" smtClean="0"/>
+              <a:t>‹#›</a:t>
+            </a:fld>
+            <a:endParaRPr lang="en-US"/>
+          </a:p>
+        </p:txBody>
+      </p:sp>
+    </p:spTree>
+    <p:extLst>
+      <p:ext uri="{BB962C8B-B14F-4D97-AF65-F5344CB8AC3E}">
+        <p14:creationId xmlns:p14="http://schemas.microsoft.com/office/powerpoint/2010/main" val="1564627083"/>
+      </p:ext>
+    </p:extLst>
+  </p:cSld>
+  <p:clrMapOvr>
+    <a:masterClrMapping/>
+  </p:clrMapOvr>
+</p:sldLayout>
+</file>
+
+<file path=ppt/slideLayouts/slideLayout13.xml><?xml version="1.0" encoding="utf-8"?>
+<p:sldLayout xmlns:a="http://schemas.openxmlformats.org/drawingml/2006/main" xmlns:r="http://schemas.openxmlformats.org/officeDocument/2006/relationships" xmlns:p="http://schemas.openxmlformats.org/presentationml/2006/main" preserve="1">
+  <p:cSld name="Quote Name Card">
+    <p:spTree>
+      <p:nvGrpSpPr>
+        <p:cNvPr id="1" name=""/>
+        <p:cNvGrpSpPr/>
+        <p:nvPr/>
+      </p:nvGrpSpPr>
+      <p:grpSpPr>
+        <a:xfrm>
+          <a:off x="0" y="0"/>
+          <a:ext cx="0" cy="0"/>
+          <a:chOff x="0" y="0"/>
+          <a:chExt cx="0" cy="0"/>
+        </a:xfrm>
+      </p:grpSpPr>
+      <p:sp>
+        <p:nvSpPr>
+          <p:cNvPr id="2" name="Title 1"/>
+          <p:cNvSpPr>
+            <a:spLocks noGrp="1"/>
+          </p:cNvSpPr>
+          <p:nvPr>
+            <p:ph type="title"/>
+          </p:nvPr>
+        </p:nvSpPr>
+        <p:spPr>
+          <a:xfrm>
+            <a:off x="931334" y="609600"/>
+            <a:ext cx="8094134" cy="3022600"/>
+          </a:xfrm>
+        </p:spPr>
+        <p:txBody>
+          <a:bodyPr anchor="ctr">
+            <a:normAutofit/>
+          </a:bodyPr>
+          <a:lstStyle>
+            <a:lvl1pPr algn="l">
+              <a:defRPr sz="4400" b="0" cap="none"/>
+            </a:lvl1pPr>
+          </a:lstStyle>
+          <a:p>
+            <a:r>
+              <a:rPr lang="en-US"/>
+              <a:t>Click to edit Master title style</a:t>
+            </a:r>
+            <a:endParaRPr lang="en-US" dirty="0"/>
+          </a:p>
+        </p:txBody>
+      </p:sp>
+      <p:sp>
+        <p:nvSpPr>
+          <p:cNvPr id="23" name="Text Placeholder 9"/>
+          <p:cNvSpPr>
+            <a:spLocks noGrp="1"/>
+          </p:cNvSpPr>
+          <p:nvPr>
+            <p:ph type="body" sz="quarter" idx="13"/>
+          </p:nvPr>
+        </p:nvSpPr>
+        <p:spPr>
+          <a:xfrm>
+            <a:off x="677332" y="4013200"/>
+            <a:ext cx="8596669" cy="514248"/>
+          </a:xfrm>
+        </p:spPr>
+        <p:txBody>
+          <a:bodyPr anchor="b">
+            <a:noAutofit/>
+          </a:bodyPr>
+          <a:lstStyle>
+            <a:lvl1pPr marL="0" indent="0">
+              <a:buFontTx/>
+              <a:buNone/>
+              <a:defRPr sz="2400">
+                <a:solidFill>
+                  <a:schemeClr val="tx1">
+                    <a:lumMod val="75000"/>
+                    <a:lumOff val="25000"/>
+                  </a:schemeClr>
+                </a:solidFill>
+              </a:defRPr>
+            </a:lvl1pPr>
+            <a:lvl2pPr marL="457200" indent="0">
+              <a:buFontTx/>
+              <a:buNone/>
+              <a:defRPr/>
+            </a:lvl2pPr>
+            <a:lvl3pPr marL="914400" indent="0">
+              <a:buFontTx/>
+              <a:buNone/>
+              <a:defRPr/>
+            </a:lvl3pPr>
+            <a:lvl4pPr marL="1371600" indent="0">
+              <a:buFontTx/>
+              <a:buNone/>
+              <a:defRPr/>
+            </a:lvl4pPr>
+            <a:lvl5pPr marL="1828800" indent="0">
+              <a:buFontTx/>
+              <a:buNone/>
+              <a:defRPr/>
+            </a:lvl5pPr>
+          </a:lstStyle>
+          <a:p>
+            <a:pPr lvl="0"/>
+            <a:r>
+              <a:rPr lang="en-US"/>
+              <a:t>Click to edit Master text styles</a:t>
+            </a:r>
+          </a:p>
+        </p:txBody>
+      </p:sp>
+      <p:sp>
+        <p:nvSpPr>
+          <p:cNvPr id="3" name="Text Placeholder 2"/>
+          <p:cNvSpPr>
+            <a:spLocks noGrp="1"/>
+          </p:cNvSpPr>
+          <p:nvPr>
+            <p:ph type="body" idx="1"/>
+          </p:nvPr>
+        </p:nvSpPr>
+        <p:spPr>
+          <a:xfrm>
+            <a:off x="677335" y="4527448"/>
+            <a:ext cx="8596668" cy="1513914"/>
+          </a:xfrm>
+        </p:spPr>
+        <p:txBody>
+          <a:bodyPr anchor="t">
+            <a:normAutofit/>
+          </a:bodyPr>
+          <a:lstStyle>
+            <a:lvl1pPr marL="0" indent="0" algn="l">
+              <a:buNone/>
+              <a:defRPr sz="1800">
+                <a:solidFill>
+                  <a:schemeClr val="tx1">
+                    <a:lumMod val="50000"/>
+                    <a:lumOff val="50000"/>
+                  </a:schemeClr>
+                </a:solidFill>
+              </a:defRPr>
+            </a:lvl1pPr>
+            <a:lvl2pPr marL="457200" indent="0">
+              <a:buNone/>
+              <a:defRPr sz="1800">
+                <a:solidFill>
+                  <a:schemeClr val="tx1">
+                    <a:tint val="75000"/>
+                  </a:schemeClr>
+                </a:solidFill>
+              </a:defRPr>
+            </a:lvl2pPr>
+            <a:lvl3pPr marL="914400" indent="0">
+              <a:buNone/>
+              <a:defRPr sz="1600">
+                <a:solidFill>
+                  <a:schemeClr val="tx1">
+                    <a:tint val="75000"/>
+                  </a:schemeClr>
+                </a:solidFill>
+              </a:defRPr>
+            </a:lvl3pPr>
+            <a:lvl4pPr marL="1371600" indent="0">
+              <a:buNone/>
+              <a:defRPr sz="1400">
+                <a:solidFill>
+                  <a:schemeClr val="tx1">
+                    <a:tint val="75000"/>
+                  </a:schemeClr>
+                </a:solidFill>
+              </a:defRPr>
+            </a:lvl4pPr>
+            <a:lvl5pPr marL="1828800" indent="0">
+              <a:buNone/>
+              <a:defRPr sz="1400">
+                <a:solidFill>
+                  <a:schemeClr val="tx1">
+                    <a:tint val="75000"/>
+                  </a:schemeClr>
+                </a:solidFill>
+              </a:defRPr>
+            </a:lvl5pPr>
+            <a:lvl6pPr marL="2286000" indent="0">
+              <a:buNone/>
+              <a:defRPr sz="1400">
+                <a:solidFill>
+                  <a:schemeClr val="tx1">
+                    <a:tint val="75000"/>
+                  </a:schemeClr>
+                </a:solidFill>
+              </a:defRPr>
+            </a:lvl6pPr>
+            <a:lvl7pPr marL="2743200" indent="0">
+              <a:buNone/>
+              <a:defRPr sz="1400">
+                <a:solidFill>
+                  <a:schemeClr val="tx1">
+                    <a:tint val="75000"/>
+                  </a:schemeClr>
+                </a:solidFill>
+              </a:defRPr>
+            </a:lvl7pPr>
+            <a:lvl8pPr marL="3200400" indent="0">
+              <a:buNone/>
+              <a:defRPr sz="1400">
+                <a:solidFill>
+                  <a:schemeClr val="tx1">
+                    <a:tint val="75000"/>
+                  </a:schemeClr>
+                </a:solidFill>
+              </a:defRPr>
+            </a:lvl8pPr>
+            <a:lvl9pPr marL="3657600" indent="0">
+              <a:buNone/>
+              <a:defRPr sz="1400">
+                <a:solidFill>
+                  <a:schemeClr val="tx1">
+                    <a:tint val="75000"/>
+                  </a:schemeClr>
+                </a:solidFill>
+              </a:defRPr>
+            </a:lvl9pPr>
+          </a:lstStyle>
+          <a:p>
+            <a:pPr lvl="0"/>
+            <a:r>
+              <a:rPr lang="en-US"/>
+              <a:t>Click to edit Master text styles</a:t>
+            </a:r>
+          </a:p>
+        </p:txBody>
+      </p:sp>
+      <p:sp>
+        <p:nvSpPr>
+          <p:cNvPr id="4" name="Date Placeholder 3"/>
+          <p:cNvSpPr>
+            <a:spLocks noGrp="1"/>
+          </p:cNvSpPr>
+          <p:nvPr>
+            <p:ph type="dt" sz="half" idx="10"/>
+          </p:nvPr>
+        </p:nvSpPr>
+        <p:spPr/>
+        <p:txBody>
+          <a:bodyPr/>
+          <a:lstStyle/>
+          <a:p>
+            <a:fld id="{AA69BB30-8325-4345-8DFA-998A30CB2488}" type="datetimeFigureOut">
+              <a:rPr lang="en-US" smtClean="0"/>
+              <a:t>9/9/2025</a:t>
+            </a:fld>
+            <a:endParaRPr lang="en-US"/>
+          </a:p>
+        </p:txBody>
+      </p:sp>
+      <p:sp>
+        <p:nvSpPr>
+          <p:cNvPr id="5" name="Footer Placeholder 4"/>
+          <p:cNvSpPr>
+            <a:spLocks noGrp="1"/>
+          </p:cNvSpPr>
+          <p:nvPr>
+            <p:ph type="ftr" sz="quarter" idx="11"/>
+          </p:nvPr>
+        </p:nvSpPr>
+        <p:spPr/>
+        <p:txBody>
+          <a:bodyPr/>
+          <a:lstStyle/>
+          <a:p>
+            <a:endParaRPr lang="en-US"/>
+          </a:p>
+        </p:txBody>
+      </p:sp>
+      <p:sp>
+        <p:nvSpPr>
+          <p:cNvPr id="6" name="Slide Number Placeholder 5"/>
+          <p:cNvSpPr>
+            <a:spLocks noGrp="1"/>
+          </p:cNvSpPr>
+          <p:nvPr>
+            <p:ph type="sldNum" sz="quarter" idx="12"/>
+          </p:nvPr>
+        </p:nvSpPr>
+        <p:spPr/>
+        <p:txBody>
+          <a:bodyPr/>
+          <a:lstStyle/>
+          <a:p>
+            <a:fld id="{FDFB9C32-4155-43F0-9D69-97C79EB91DC0}" type="slidenum">
+              <a:rPr lang="en-US" smtClean="0"/>
+              <a:t>‹#›</a:t>
+            </a:fld>
+            <a:endParaRPr lang="en-US"/>
+          </a:p>
+        </p:txBody>
+      </p:sp>
+      <p:sp>
+        <p:nvSpPr>
+          <p:cNvPr id="24" name="TextBox 23"/>
+          <p:cNvSpPr txBox="1"/>
+          <p:nvPr/>
+        </p:nvSpPr>
+        <p:spPr>
+          <a:xfrm>
+            <a:off x="541870" y="790378"/>
+            <a:ext cx="609600" cy="584776"/>
+          </a:xfrm>
+          <a:prstGeom prst="rect">
+            <a:avLst/>
+          </a:prstGeom>
+        </p:spPr>
+        <p:txBody>
+          <a:bodyPr vert="horz" lIns="91440" tIns="45720" rIns="91440" bIns="45720" rtlCol="0" anchor="ctr">
+            <a:noAutofit/>
+          </a:bodyPr>
+          <a:lstStyle/>
+          <a:p>
+            <a:pPr lvl="0"/>
+            <a:r>
+              <a:rPr lang="en-US" sz="8000" baseline="0" dirty="0">
+                <a:ln w="3175" cmpd="sng">
+                  <a:noFill/>
+                </a:ln>
+                <a:solidFill>
+                  <a:schemeClr val="accent1">
+                    <a:lumMod val="60000"/>
+                    <a:lumOff val="40000"/>
+                  </a:schemeClr>
+                </a:solidFill>
+                <a:effectLst/>
+                <a:latin typeface="Arial"/>
+              </a:rPr>
+              <a:t>“</a:t>
+            </a:r>
+          </a:p>
+        </p:txBody>
+      </p:sp>
+      <p:sp>
+        <p:nvSpPr>
+          <p:cNvPr id="25" name="TextBox 24"/>
+          <p:cNvSpPr txBox="1"/>
+          <p:nvPr/>
+        </p:nvSpPr>
+        <p:spPr>
+          <a:xfrm>
+            <a:off x="8893011" y="2886556"/>
+            <a:ext cx="609600" cy="584776"/>
+          </a:xfrm>
+          <a:prstGeom prst="rect">
+            <a:avLst/>
+          </a:prstGeom>
+        </p:spPr>
+        <p:txBody>
+          <a:bodyPr vert="horz" lIns="91440" tIns="45720" rIns="91440" bIns="45720" rtlCol="0" anchor="ctr">
+            <a:noAutofit/>
+          </a:bodyPr>
+          <a:lstStyle/>
+          <a:p>
+            <a:pPr lvl="0"/>
+            <a:r>
+              <a:rPr lang="en-US" sz="8000" baseline="0" dirty="0">
+                <a:ln w="3175" cmpd="sng">
+                  <a:noFill/>
+                </a:ln>
+                <a:solidFill>
+                  <a:schemeClr val="accent1">
+                    <a:lumMod val="60000"/>
+                    <a:lumOff val="40000"/>
+                  </a:schemeClr>
+                </a:solidFill>
+                <a:effectLst/>
+                <a:latin typeface="Arial"/>
+              </a:rPr>
+              <a:t>”</a:t>
+            </a:r>
+          </a:p>
+        </p:txBody>
+      </p:sp>
+    </p:spTree>
+    <p:extLst>
+      <p:ext uri="{BB962C8B-B14F-4D97-AF65-F5344CB8AC3E}">
+        <p14:creationId xmlns:p14="http://schemas.microsoft.com/office/powerpoint/2010/main" val="3457483195"/>
+      </p:ext>
+    </p:extLst>
+  </p:cSld>
+  <p:clrMapOvr>
+    <a:masterClrMapping/>
+  </p:clrMapOvr>
+</p:sldLayout>
+</file>
+
+<file path=ppt/slideLayouts/slideLayout14.xml><?xml version="1.0" encoding="utf-8"?>
+<p:sldLayout xmlns:a="http://schemas.openxmlformats.org/drawingml/2006/main" xmlns:r="http://schemas.openxmlformats.org/officeDocument/2006/relationships" xmlns:p="http://schemas.openxmlformats.org/presentationml/2006/main" preserve="1">
+  <p:cSld name="True or False">
+    <p:spTree>
+      <p:nvGrpSpPr>
+        <p:cNvPr id="1" name=""/>
+        <p:cNvGrpSpPr/>
+        <p:nvPr/>
+      </p:nvGrpSpPr>
+      <p:grpSpPr>
+        <a:xfrm>
+          <a:off x="0" y="0"/>
+          <a:ext cx="0" cy="0"/>
+          <a:chOff x="0" y="0"/>
+          <a:chExt cx="0" cy="0"/>
+        </a:xfrm>
+      </p:grpSpPr>
+      <p:sp>
+        <p:nvSpPr>
+          <p:cNvPr id="2" name="Title 1"/>
+          <p:cNvSpPr>
+            <a:spLocks noGrp="1"/>
+          </p:cNvSpPr>
+          <p:nvPr>
+            <p:ph type="title"/>
+          </p:nvPr>
+        </p:nvSpPr>
+        <p:spPr>
+          <a:xfrm>
+            <a:off x="685799" y="609600"/>
+            <a:ext cx="8588203" cy="3022600"/>
+          </a:xfrm>
+        </p:spPr>
+        <p:txBody>
+          <a:bodyPr anchor="ctr">
+            <a:normAutofit/>
+          </a:bodyPr>
+          <a:lstStyle>
+            <a:lvl1pPr algn="l">
+              <a:defRPr sz="4400" b="0" cap="none"/>
+            </a:lvl1pPr>
+          </a:lstStyle>
+          <a:p>
+            <a:r>
+              <a:rPr lang="en-US"/>
+              <a:t>Click to edit Master title style</a:t>
+            </a:r>
+            <a:endParaRPr lang="en-US" dirty="0"/>
+          </a:p>
+        </p:txBody>
+      </p:sp>
+      <p:sp>
+        <p:nvSpPr>
+          <p:cNvPr id="23" name="Text Placeholder 9"/>
+          <p:cNvSpPr>
+            <a:spLocks noGrp="1"/>
+          </p:cNvSpPr>
+          <p:nvPr>
+            <p:ph type="body" sz="quarter" idx="13"/>
+          </p:nvPr>
+        </p:nvSpPr>
+        <p:spPr>
+          <a:xfrm>
+            <a:off x="677332" y="4013200"/>
+            <a:ext cx="8596669" cy="514248"/>
+          </a:xfrm>
+        </p:spPr>
+        <p:txBody>
+          <a:bodyPr anchor="b">
+            <a:noAutofit/>
+          </a:bodyPr>
+          <a:lstStyle>
+            <a:lvl1pPr marL="0" indent="0">
+              <a:buFontTx/>
+              <a:buNone/>
+              <a:defRPr sz="2400">
+                <a:solidFill>
+                  <a:schemeClr val="accent1"/>
+                </a:solidFill>
+              </a:defRPr>
+            </a:lvl1pPr>
+            <a:lvl2pPr marL="457200" indent="0">
+              <a:buFontTx/>
+              <a:buNone/>
+              <a:defRPr/>
+            </a:lvl2pPr>
+            <a:lvl3pPr marL="914400" indent="0">
+              <a:buFontTx/>
+              <a:buNone/>
+              <a:defRPr/>
+            </a:lvl3pPr>
+            <a:lvl4pPr marL="1371600" indent="0">
+              <a:buFontTx/>
+              <a:buNone/>
+              <a:defRPr/>
+            </a:lvl4pPr>
+            <a:lvl5pPr marL="1828800" indent="0">
+              <a:buFontTx/>
+              <a:buNone/>
+              <a:defRPr/>
+            </a:lvl5pPr>
+          </a:lstStyle>
+          <a:p>
+            <a:pPr lvl="0"/>
+            <a:r>
+              <a:rPr lang="en-US"/>
+              <a:t>Click to edit Master text styles</a:t>
+            </a:r>
+          </a:p>
+        </p:txBody>
+      </p:sp>
+      <p:sp>
+        <p:nvSpPr>
+          <p:cNvPr id="3" name="Text Placeholder 2"/>
+          <p:cNvSpPr>
+            <a:spLocks noGrp="1"/>
+          </p:cNvSpPr>
+          <p:nvPr>
+            <p:ph type="body" idx="1"/>
+          </p:nvPr>
+        </p:nvSpPr>
+        <p:spPr>
+          <a:xfrm>
+            <a:off x="677335" y="4527448"/>
+            <a:ext cx="8596668" cy="1513914"/>
+          </a:xfrm>
+        </p:spPr>
+        <p:txBody>
+          <a:bodyPr anchor="t">
+            <a:normAutofit/>
+          </a:bodyPr>
+          <a:lstStyle>
+            <a:lvl1pPr marL="0" indent="0" algn="l">
+              <a:buNone/>
+              <a:defRPr sz="1800">
+                <a:solidFill>
+                  <a:schemeClr val="tx1">
+                    <a:lumMod val="50000"/>
+                    <a:lumOff val="50000"/>
+                  </a:schemeClr>
+                </a:solidFill>
+              </a:defRPr>
+            </a:lvl1pPr>
+            <a:lvl2pPr marL="457200" indent="0">
+              <a:buNone/>
+              <a:defRPr sz="1800">
+                <a:solidFill>
+                  <a:schemeClr val="tx1">
+                    <a:tint val="75000"/>
+                  </a:schemeClr>
+                </a:solidFill>
+              </a:defRPr>
+            </a:lvl2pPr>
+            <a:lvl3pPr marL="914400" indent="0">
+              <a:buNone/>
+              <a:defRPr sz="1600">
+                <a:solidFill>
+                  <a:schemeClr val="tx1">
+                    <a:tint val="75000"/>
+                  </a:schemeClr>
+                </a:solidFill>
+              </a:defRPr>
+            </a:lvl3pPr>
+            <a:lvl4pPr marL="1371600" indent="0">
+              <a:buNone/>
+              <a:defRPr sz="1400">
+                <a:solidFill>
+                  <a:schemeClr val="tx1">
+                    <a:tint val="75000"/>
+                  </a:schemeClr>
+                </a:solidFill>
+              </a:defRPr>
+            </a:lvl4pPr>
+            <a:lvl5pPr marL="1828800" indent="0">
+              <a:buNone/>
+              <a:defRPr sz="1400">
+                <a:solidFill>
+                  <a:schemeClr val="tx1">
+                    <a:tint val="75000"/>
+                  </a:schemeClr>
+                </a:solidFill>
+              </a:defRPr>
+            </a:lvl5pPr>
+            <a:lvl6pPr marL="2286000" indent="0">
+              <a:buNone/>
+              <a:defRPr sz="1400">
+                <a:solidFill>
+                  <a:schemeClr val="tx1">
+                    <a:tint val="75000"/>
+                  </a:schemeClr>
+                </a:solidFill>
+              </a:defRPr>
+            </a:lvl6pPr>
+            <a:lvl7pPr marL="2743200" indent="0">
+              <a:buNone/>
+              <a:defRPr sz="1400">
+                <a:solidFill>
+                  <a:schemeClr val="tx1">
+                    <a:tint val="75000"/>
+                  </a:schemeClr>
+                </a:solidFill>
+              </a:defRPr>
+            </a:lvl7pPr>
+            <a:lvl8pPr marL="3200400" indent="0">
+              <a:buNone/>
+              <a:defRPr sz="1400">
+                <a:solidFill>
+                  <a:schemeClr val="tx1">
+                    <a:tint val="75000"/>
+                  </a:schemeClr>
+                </a:solidFill>
+              </a:defRPr>
+            </a:lvl8pPr>
+            <a:lvl9pPr marL="3657600" indent="0">
+              <a:buNone/>
+              <a:defRPr sz="1400">
+                <a:solidFill>
+                  <a:schemeClr val="tx1">
+                    <a:tint val="75000"/>
+                  </a:schemeClr>
+                </a:solidFill>
+              </a:defRPr>
+            </a:lvl9pPr>
+          </a:lstStyle>
+          <a:p>
+            <a:pPr lvl="0"/>
+            <a:r>
+              <a:rPr lang="en-US"/>
+              <a:t>Click to edit Master text styles</a:t>
+            </a:r>
+          </a:p>
+        </p:txBody>
+      </p:sp>
+      <p:sp>
+        <p:nvSpPr>
+          <p:cNvPr id="4" name="Date Placeholder 3"/>
+          <p:cNvSpPr>
+            <a:spLocks noGrp="1"/>
+          </p:cNvSpPr>
+          <p:nvPr>
+            <p:ph type="dt" sz="half" idx="10"/>
+          </p:nvPr>
+        </p:nvSpPr>
+        <p:spPr/>
+        <p:txBody>
+          <a:bodyPr/>
+          <a:lstStyle/>
+          <a:p>
+            <a:fld id="{AA69BB30-8325-4345-8DFA-998A30CB2488}" type="datetimeFigureOut">
+              <a:rPr lang="en-US" smtClean="0"/>
+              <a:t>9/9/2025</a:t>
+            </a:fld>
+            <a:endParaRPr lang="en-US"/>
+          </a:p>
+        </p:txBody>
+      </p:sp>
+      <p:sp>
+        <p:nvSpPr>
+          <p:cNvPr id="5" name="Footer Placeholder 4"/>
+          <p:cNvSpPr>
+            <a:spLocks noGrp="1"/>
+          </p:cNvSpPr>
+          <p:nvPr>
+            <p:ph type="ftr" sz="quarter" idx="11"/>
+          </p:nvPr>
+        </p:nvSpPr>
+        <p:spPr/>
+        <p:txBody>
+          <a:bodyPr/>
+          <a:lstStyle/>
+          <a:p>
+            <a:endParaRPr lang="en-US"/>
+          </a:p>
+        </p:txBody>
+      </p:sp>
+      <p:sp>
+        <p:nvSpPr>
+          <p:cNvPr id="6" name="Slide Number Placeholder 5"/>
+          <p:cNvSpPr>
+            <a:spLocks noGrp="1"/>
+          </p:cNvSpPr>
+          <p:nvPr>
+            <p:ph type="sldNum" sz="quarter" idx="12"/>
+          </p:nvPr>
+        </p:nvSpPr>
+        <p:spPr/>
+        <p:txBody>
+          <a:bodyPr/>
+          <a:lstStyle/>
+          <a:p>
+            <a:fld id="{FDFB9C32-4155-43F0-9D69-97C79EB91DC0}" type="slidenum">
+              <a:rPr lang="en-US" smtClean="0"/>
+              <a:t>‹#›</a:t>
+            </a:fld>
+            <a:endParaRPr lang="en-US"/>
+          </a:p>
+        </p:txBody>
+      </p:sp>
+    </p:spTree>
+    <p:extLst>
+      <p:ext uri="{BB962C8B-B14F-4D97-AF65-F5344CB8AC3E}">
+        <p14:creationId xmlns:p14="http://schemas.microsoft.com/office/powerpoint/2010/main" val="3107930089"/>
+      </p:ext>
+    </p:extLst>
+  </p:cSld>
+  <p:clrMapOvr>
+    <a:masterClrMapping/>
+  </p:clrMapOvr>
+</p:sldLayout>
+</file>
+
+<file path=ppt/slideLayouts/slideLayout15.xml><?xml version="1.0" encoding="utf-8"?>
 <p:sldLayout xmlns:a="http://schemas.openxmlformats.org/drawingml/2006/main" xmlns:r="http://schemas.openxmlformats.org/officeDocument/2006/relationships" xmlns:p="http://schemas.openxmlformats.org/presentationml/2006/main" type="vertTx" preserve="1">
   <p:cSld name="Title and Vertical Text">
     <p:spTree>
@@ -470,7 +2621,7 @@
           <a:bodyPr/>
           <a:lstStyle/>
           <a:p>
-            <a:fld id="{DE1C6FF9-766B-4EA1-9B55-0A10F93297C0}" type="datetimeFigureOut">
+            <a:fld id="{AA69BB30-8325-4345-8DFA-998A30CB2488}" type="datetimeFigureOut">
               <a:rPr lang="en-US" smtClean="0"/>
               <a:t>9/9/2025</a:t>
             </a:fld>
@@ -512,7 +2663,7 @@
           <a:bodyPr/>
           <a:lstStyle/>
           <a:p>
-            <a:fld id="{1E7C8104-74DF-45D5-8E3E-59CA042D9238}" type="slidenum">
+            <a:fld id="{FDFB9C32-4155-43F0-9D69-97C79EB91DC0}" type="slidenum">
               <a:rPr lang="en-US" smtClean="0"/>
               <a:t>‹#›</a:t>
             </a:fld>
@@ -520,41 +2671,10 @@
           </a:p>
         </p:txBody>
       </p:sp>
-      <p:cxnSp>
-        <p:nvCxnSpPr>
-          <p:cNvPr id="26" name="Straight Connector 25"/>
-          <p:cNvCxnSpPr/>
-          <p:nvPr/>
-        </p:nvCxnSpPr>
-        <p:spPr>
-          <a:xfrm>
-            <a:off x="1453896" y="1847088"/>
-            <a:ext cx="9607522" cy="0"/>
-          </a:xfrm>
-          <a:prstGeom prst="line">
-            <a:avLst/>
-          </a:prstGeom>
-          <a:ln w="31750"/>
-        </p:spPr>
-        <p:style>
-          <a:lnRef idx="3">
-            <a:schemeClr val="accent1"/>
-          </a:lnRef>
-          <a:fillRef idx="0">
-            <a:schemeClr val="accent1"/>
-          </a:fillRef>
-          <a:effectRef idx="2">
-            <a:schemeClr val="accent1"/>
-          </a:effectRef>
-          <a:fontRef idx="minor">
-            <a:schemeClr val="tx1"/>
-          </a:fontRef>
-        </p:style>
-      </p:cxnSp>
     </p:spTree>
     <p:extLst>
       <p:ext uri="{BB962C8B-B14F-4D97-AF65-F5344CB8AC3E}">
-        <p14:creationId xmlns:p14="http://schemas.microsoft.com/office/powerpoint/2010/main" val="1289830412"/>
+        <p14:creationId xmlns:p14="http://schemas.microsoft.com/office/powerpoint/2010/main" val="1608372834"/>
       </p:ext>
     </p:extLst>
   </p:cSld>
@@ -564,7 +2684,7 @@
 </p:sldLayout>
 </file>
 
-<file path=ppt/slideLayouts/slideLayout11.xml><?xml version="1.0" encoding="utf-8"?>
+<file path=ppt/slideLayouts/slideLayout16.xml><?xml version="1.0" encoding="utf-8"?>
 <p:sldLayout xmlns:a="http://schemas.openxmlformats.org/drawingml/2006/main" xmlns:r="http://schemas.openxmlformats.org/officeDocument/2006/relationships" xmlns:p="http://schemas.openxmlformats.org/presentationml/2006/main" type="vertTitleAndTx" preserve="1">
   <p:cSld name="Vertical Title and Text">
     <p:spTree>
@@ -593,17 +2713,13 @@
         </p:nvSpPr>
         <p:spPr>
           <a:xfrm>
-            <a:off x="9439111" y="798973"/>
-            <a:ext cx="1615742" cy="4659889"/>
+            <a:off x="7967673" y="609599"/>
+            <a:ext cx="1304743" cy="5251451"/>
           </a:xfrm>
         </p:spPr>
         <p:txBody>
-          <a:bodyPr vert="eaVert"/>
-          <a:lstStyle>
-            <a:lvl1pPr algn="l">
-              <a:defRPr/>
-            </a:lvl1pPr>
-          </a:lstStyle>
+          <a:bodyPr vert="eaVert" anchor="ctr"/>
+          <a:lstStyle/>
           <a:p>
             <a:r>
               <a:rPr lang="en-US"/>
@@ -625,8 +2741,8 @@
         </p:nvSpPr>
         <p:spPr>
           <a:xfrm>
-            <a:off x="1444672" y="798973"/>
-            <a:ext cx="7828830" cy="4659889"/>
+            <a:off x="677335" y="609600"/>
+            <a:ext cx="7060150" cy="5251450"/>
           </a:xfrm>
         </p:spPr>
         <p:txBody>
@@ -685,7 +2801,7 @@
           <a:bodyPr/>
           <a:lstStyle/>
           <a:p>
-            <a:fld id="{DE1C6FF9-766B-4EA1-9B55-0A10F93297C0}" type="datetimeFigureOut">
+            <a:fld id="{AA69BB30-8325-4345-8DFA-998A30CB2488}" type="datetimeFigureOut">
               <a:rPr lang="en-US" smtClean="0"/>
               <a:t>9/9/2025</a:t>
             </a:fld>
@@ -727,7 +2843,7 @@
           <a:bodyPr/>
           <a:lstStyle/>
           <a:p>
-            <a:fld id="{1E7C8104-74DF-45D5-8E3E-59CA042D9238}" type="slidenum">
+            <a:fld id="{FDFB9C32-4155-43F0-9D69-97C79EB91DC0}" type="slidenum">
               <a:rPr lang="en-US" smtClean="0"/>
               <a:t>‹#›</a:t>
             </a:fld>
@@ -735,41 +2851,10 @@
           </a:p>
         </p:txBody>
       </p:sp>
-      <p:cxnSp>
-        <p:nvCxnSpPr>
-          <p:cNvPr id="15" name="Straight Connector 14"/>
-          <p:cNvCxnSpPr/>
-          <p:nvPr/>
-        </p:nvCxnSpPr>
-        <p:spPr>
-          <a:xfrm>
-            <a:off x="9439111" y="798973"/>
-            <a:ext cx="0" cy="4659889"/>
-          </a:xfrm>
-          <a:prstGeom prst="line">
-            <a:avLst/>
-          </a:prstGeom>
-          <a:ln w="31750"/>
-        </p:spPr>
-        <p:style>
-          <a:lnRef idx="3">
-            <a:schemeClr val="accent1"/>
-          </a:lnRef>
-          <a:fillRef idx="0">
-            <a:schemeClr val="accent1"/>
-          </a:fillRef>
-          <a:effectRef idx="2">
-            <a:schemeClr val="accent1"/>
-          </a:effectRef>
-          <a:fontRef idx="minor">
-            <a:schemeClr val="tx1"/>
-          </a:fontRef>
-        </p:style>
-      </p:cxnSp>
     </p:spTree>
     <p:extLst>
       <p:ext uri="{BB962C8B-B14F-4D97-AF65-F5344CB8AC3E}">
-        <p14:creationId xmlns:p14="http://schemas.microsoft.com/office/powerpoint/2010/main" val="3082104971"/>
+        <p14:creationId xmlns:p14="http://schemas.microsoft.com/office/powerpoint/2010/main" val="876585597"/>
       </p:ext>
     </p:extLst>
   </p:cSld>
@@ -808,12 +2893,70 @@
         </p:nvSpPr>
         <p:spPr/>
         <p:txBody>
+          <a:bodyPr>
+            <a:normAutofit/>
+          </a:bodyPr>
+          <a:lstStyle>
+            <a:lvl1pPr>
+              <a:defRPr sz="3600"/>
+            </a:lvl1pPr>
+          </a:lstStyle>
+          <a:p>
+            <a:r>
+              <a:rPr lang="en-US"/>
+              <a:t>Click to edit Master title style</a:t>
+            </a:r>
+            <a:endParaRPr lang="en-US" dirty="0"/>
+          </a:p>
+        </p:txBody>
+      </p:sp>
+      <p:sp>
+        <p:nvSpPr>
+          <p:cNvPr id="3" name="Content Placeholder 2"/>
+          <p:cNvSpPr>
+            <a:spLocks noGrp="1"/>
+          </p:cNvSpPr>
+          <p:nvPr>
+            <p:ph idx="1"/>
+          </p:nvPr>
+        </p:nvSpPr>
+        <p:spPr/>
+        <p:txBody>
           <a:bodyPr/>
           <a:lstStyle/>
           <a:p>
-            <a:r>
-              <a:rPr lang="en-US"/>
-              <a:t>Click to edit Master title style</a:t>
+            <a:pPr lvl="0"/>
+            <a:r>
+              <a:rPr lang="en-US"/>
+              <a:t>Click to edit Master text styles</a:t>
+            </a:r>
+          </a:p>
+          <a:p>
+            <a:pPr lvl="1"/>
+            <a:r>
+              <a:rPr lang="en-US"/>
+              <a:t>Second level</a:t>
+            </a:r>
+          </a:p>
+          <a:p>
+            <a:pPr lvl="2"/>
+            <a:r>
+              <a:rPr lang="en-US"/>
+              <a:t>Third level</a:t>
+            </a:r>
+          </a:p>
+          <a:p>
+            <a:pPr lvl="3"/>
+            <a:r>
+              <a:rPr lang="en-US"/>
+              <a:t>Fourth level</a:t>
+            </a:r>
+          </a:p>
+          <a:p>
+            <a:pPr lvl="4"/>
+            <a:r>
+              <a:rPr lang="en-US"/>
+              <a:t>Fifth level</a:t>
             </a:r>
             <a:endParaRPr lang="en-US" dirty="0"/>
           </a:p>
@@ -821,58 +2964,6 @@
       </p:sp>
       <p:sp>
         <p:nvSpPr>
-          <p:cNvPr id="3" name="Content Placeholder 2"/>
-          <p:cNvSpPr>
-            <a:spLocks noGrp="1"/>
-          </p:cNvSpPr>
-          <p:nvPr>
-            <p:ph idx="1"/>
-          </p:nvPr>
-        </p:nvSpPr>
-        <p:spPr/>
-        <p:txBody>
-          <a:bodyPr anchor="t"/>
-          <a:lstStyle/>
-          <a:p>
-            <a:pPr lvl="0"/>
-            <a:r>
-              <a:rPr lang="en-US"/>
-              <a:t>Click to edit Master text styles</a:t>
-            </a:r>
-          </a:p>
-          <a:p>
-            <a:pPr lvl="1"/>
-            <a:r>
-              <a:rPr lang="en-US"/>
-              <a:t>Second level</a:t>
-            </a:r>
-          </a:p>
-          <a:p>
-            <a:pPr lvl="2"/>
-            <a:r>
-              <a:rPr lang="en-US"/>
-              <a:t>Third level</a:t>
-            </a:r>
-          </a:p>
-          <a:p>
-            <a:pPr lvl="3"/>
-            <a:r>
-              <a:rPr lang="en-US"/>
-              <a:t>Fourth level</a:t>
-            </a:r>
-          </a:p>
-          <a:p>
-            <a:pPr lvl="4"/>
-            <a:r>
-              <a:rPr lang="en-US"/>
-              <a:t>Fifth level</a:t>
-            </a:r>
-            <a:endParaRPr lang="en-US" dirty="0"/>
-          </a:p>
-        </p:txBody>
-      </p:sp>
-      <p:sp>
-        <p:nvSpPr>
           <p:cNvPr id="4" name="Date Placeholder 3"/>
           <p:cNvSpPr>
             <a:spLocks noGrp="1"/>
@@ -886,7 +2977,7 @@
           <a:bodyPr/>
           <a:lstStyle/>
           <a:p>
-            <a:fld id="{DE1C6FF9-766B-4EA1-9B55-0A10F93297C0}" type="datetimeFigureOut">
+            <a:fld id="{AA69BB30-8325-4345-8DFA-998A30CB2488}" type="datetimeFigureOut">
               <a:rPr lang="en-US" smtClean="0"/>
               <a:t>9/9/2025</a:t>
             </a:fld>
@@ -928,7 +3019,7 @@
           <a:bodyPr/>
           <a:lstStyle/>
           <a:p>
-            <a:fld id="{1E7C8104-74DF-45D5-8E3E-59CA042D9238}" type="slidenum">
+            <a:fld id="{FDFB9C32-4155-43F0-9D69-97C79EB91DC0}" type="slidenum">
               <a:rPr lang="en-US" smtClean="0"/>
               <a:t>‹#›</a:t>
             </a:fld>
@@ -936,41 +3027,10 @@
           </a:p>
         </p:txBody>
       </p:sp>
-      <p:cxnSp>
-        <p:nvCxnSpPr>
-          <p:cNvPr id="33" name="Straight Connector 32"/>
-          <p:cNvCxnSpPr/>
-          <p:nvPr/>
-        </p:nvCxnSpPr>
-        <p:spPr>
-          <a:xfrm>
-            <a:off x="1453896" y="1847088"/>
-            <a:ext cx="9607522" cy="0"/>
-          </a:xfrm>
-          <a:prstGeom prst="line">
-            <a:avLst/>
-          </a:prstGeom>
-          <a:ln w="31750"/>
-        </p:spPr>
-        <p:style>
-          <a:lnRef idx="3">
-            <a:schemeClr val="accent1"/>
-          </a:lnRef>
-          <a:fillRef idx="0">
-            <a:schemeClr val="accent1"/>
-          </a:fillRef>
-          <a:effectRef idx="2">
-            <a:schemeClr val="accent1"/>
-          </a:effectRef>
-          <a:fontRef idx="minor">
-            <a:schemeClr val="tx1"/>
-          </a:fontRef>
-        </p:style>
-      </p:cxnSp>
     </p:spTree>
     <p:extLst>
       <p:ext uri="{BB962C8B-B14F-4D97-AF65-F5344CB8AC3E}">
-        <p14:creationId xmlns:p14="http://schemas.microsoft.com/office/powerpoint/2010/main" val="1758593753"/>
+        <p14:creationId xmlns:p14="http://schemas.microsoft.com/office/powerpoint/2010/main" val="3224226199"/>
       </p:ext>
     </p:extLst>
   </p:cSld>
@@ -1009,17 +3069,15 @@
         </p:nvSpPr>
         <p:spPr>
           <a:xfrm>
-            <a:off x="1454239" y="1756130"/>
-            <a:ext cx="8643154" cy="1887950"/>
+            <a:off x="677335" y="2700867"/>
+            <a:ext cx="8596668" cy="1826581"/>
           </a:xfrm>
         </p:spPr>
         <p:txBody>
-          <a:bodyPr anchor="b">
-            <a:normAutofit/>
-          </a:bodyPr>
+          <a:bodyPr anchor="b"/>
           <a:lstStyle>
             <a:lvl1pPr algn="l">
-              <a:defRPr sz="3600"/>
+              <a:defRPr sz="4000" b="0" cap="none"/>
             </a:lvl1pPr>
           </a:lstStyle>
           <a:p>
@@ -1043,20 +3101,21 @@
         </p:nvSpPr>
         <p:spPr>
           <a:xfrm>
-            <a:off x="1454239" y="3806195"/>
-            <a:ext cx="8630446" cy="1012929"/>
+            <a:off x="677335" y="4527448"/>
+            <a:ext cx="8596668" cy="860400"/>
           </a:xfrm>
         </p:spPr>
         <p:txBody>
-          <a:bodyPr tIns="91440">
-            <a:normAutofit/>
-          </a:bodyPr>
+          <a:bodyPr anchor="t"/>
           <a:lstStyle>
             <a:lvl1pPr marL="0" indent="0" algn="l">
               <a:buNone/>
-              <a:defRPr sz="1800">
-                <a:solidFill>
-                  <a:schemeClr val="tx1"/>
+              <a:defRPr sz="2000">
+                <a:solidFill>
+                  <a:schemeClr val="tx1">
+                    <a:lumMod val="50000"/>
+                    <a:lumOff val="50000"/>
+                  </a:schemeClr>
                 </a:solidFill>
               </a:defRPr>
             </a:lvl1pPr>
@@ -1072,7 +3131,7 @@
             </a:lvl2pPr>
             <a:lvl3pPr marL="914400" indent="0">
               <a:buNone/>
-              <a:defRPr sz="1800">
+              <a:defRPr sz="1600">
                 <a:solidFill>
                   <a:schemeClr val="tx1">
                     <a:tint val="75000"/>
@@ -1082,7 +3141,7 @@
             </a:lvl3pPr>
             <a:lvl4pPr marL="1371600" indent="0">
               <a:buNone/>
-              <a:defRPr sz="1600">
+              <a:defRPr sz="1400">
                 <a:solidFill>
                   <a:schemeClr val="tx1">
                     <a:tint val="75000"/>
@@ -1092,7 +3151,7 @@
             </a:lvl4pPr>
             <a:lvl5pPr marL="1828800" indent="0">
               <a:buNone/>
-              <a:defRPr sz="1600">
+              <a:defRPr sz="1400">
                 <a:solidFill>
                   <a:schemeClr val="tx1">
                     <a:tint val="75000"/>
@@ -1102,7 +3161,7 @@
             </a:lvl5pPr>
             <a:lvl6pPr marL="2286000" indent="0">
               <a:buNone/>
-              <a:defRPr sz="1600">
+              <a:defRPr sz="1400">
                 <a:solidFill>
                   <a:schemeClr val="tx1">
                     <a:tint val="75000"/>
@@ -1112,7 +3171,7 @@
             </a:lvl6pPr>
             <a:lvl7pPr marL="2743200" indent="0">
               <a:buNone/>
-              <a:defRPr sz="1600">
+              <a:defRPr sz="1400">
                 <a:solidFill>
                   <a:schemeClr val="tx1">
                     <a:tint val="75000"/>
@@ -1122,7 +3181,7 @@
             </a:lvl7pPr>
             <a:lvl8pPr marL="3200400" indent="0">
               <a:buNone/>
-              <a:defRPr sz="1600">
+              <a:defRPr sz="1400">
                 <a:solidFill>
                   <a:schemeClr val="tx1">
                     <a:tint val="75000"/>
@@ -1132,7 +3191,7 @@
             </a:lvl8pPr>
             <a:lvl9pPr marL="3657600" indent="0">
               <a:buNone/>
-              <a:defRPr sz="1600">
+              <a:defRPr sz="1400">
                 <a:solidFill>
                   <a:schemeClr val="tx1">
                     <a:tint val="75000"/>
@@ -1165,7 +3224,7 @@
           <a:bodyPr/>
           <a:lstStyle/>
           <a:p>
-            <a:fld id="{DE1C6FF9-766B-4EA1-9B55-0A10F93297C0}" type="datetimeFigureOut">
+            <a:fld id="{AA69BB30-8325-4345-8DFA-998A30CB2488}" type="datetimeFigureOut">
               <a:rPr lang="en-US" smtClean="0"/>
               <a:t>9/9/2025</a:t>
             </a:fld>
@@ -1207,7 +3266,7 @@
           <a:bodyPr/>
           <a:lstStyle/>
           <a:p>
-            <a:fld id="{1E7C8104-74DF-45D5-8E3E-59CA042D9238}" type="slidenum">
+            <a:fld id="{FDFB9C32-4155-43F0-9D69-97C79EB91DC0}" type="slidenum">
               <a:rPr lang="en-US" smtClean="0"/>
               <a:t>‹#›</a:t>
             </a:fld>
@@ -1215,41 +3274,10 @@
           </a:p>
         </p:txBody>
       </p:sp>
-      <p:cxnSp>
-        <p:nvCxnSpPr>
-          <p:cNvPr id="15" name="Straight Connector 14"/>
-          <p:cNvCxnSpPr/>
-          <p:nvPr/>
-        </p:nvCxnSpPr>
-        <p:spPr>
-          <a:xfrm>
-            <a:off x="1454239" y="3804985"/>
-            <a:ext cx="8630446" cy="0"/>
-          </a:xfrm>
-          <a:prstGeom prst="line">
-            <a:avLst/>
-          </a:prstGeom>
-          <a:ln w="31750"/>
-        </p:spPr>
-        <p:style>
-          <a:lnRef idx="3">
-            <a:schemeClr val="accent1"/>
-          </a:lnRef>
-          <a:fillRef idx="0">
-            <a:schemeClr val="accent1"/>
-          </a:fillRef>
-          <a:effectRef idx="2">
-            <a:schemeClr val="accent1"/>
-          </a:effectRef>
-          <a:fontRef idx="minor">
-            <a:schemeClr val="tx1"/>
-          </a:fontRef>
-        </p:style>
-      </p:cxnSp>
     </p:spTree>
     <p:extLst>
       <p:ext uri="{BB962C8B-B14F-4D97-AF65-F5344CB8AC3E}">
-        <p14:creationId xmlns:p14="http://schemas.microsoft.com/office/powerpoint/2010/main" val="431203398"/>
+        <p14:creationId xmlns:p14="http://schemas.microsoft.com/office/powerpoint/2010/main" val="1941006071"/>
       </p:ext>
     </p:extLst>
   </p:cSld>
@@ -1286,19 +3314,71 @@
             <p:ph type="title"/>
           </p:nvPr>
         </p:nvSpPr>
+        <p:spPr/>
+        <p:txBody>
+          <a:bodyPr/>
+          <a:lstStyle/>
+          <a:p>
+            <a:r>
+              <a:rPr lang="en-US"/>
+              <a:t>Click to edit Master title style</a:t>
+            </a:r>
+            <a:endParaRPr lang="en-US" dirty="0"/>
+          </a:p>
+        </p:txBody>
+      </p:sp>
+      <p:sp>
+        <p:nvSpPr>
+          <p:cNvPr id="3" name="Content Placeholder 2"/>
+          <p:cNvSpPr>
+            <a:spLocks noGrp="1"/>
+          </p:cNvSpPr>
+          <p:nvPr>
+            <p:ph sz="half" idx="1"/>
+          </p:nvPr>
+        </p:nvSpPr>
         <p:spPr>
           <a:xfrm>
-            <a:off x="1449217" y="804889"/>
-            <a:ext cx="9605635" cy="1059305"/>
+            <a:off x="677334" y="2160589"/>
+            <a:ext cx="4184035" cy="3880772"/>
           </a:xfrm>
         </p:spPr>
         <p:txBody>
           <a:bodyPr/>
           <a:lstStyle/>
           <a:p>
-            <a:r>
-              <a:rPr lang="en-US"/>
-              <a:t>Click to edit Master title style</a:t>
+            <a:pPr lvl="0"/>
+            <a:r>
+              <a:rPr lang="en-US"/>
+              <a:t>Click to edit Master text styles</a:t>
+            </a:r>
+          </a:p>
+          <a:p>
+            <a:pPr lvl="1"/>
+            <a:r>
+              <a:rPr lang="en-US"/>
+              <a:t>Second level</a:t>
+            </a:r>
+          </a:p>
+          <a:p>
+            <a:pPr lvl="2"/>
+            <a:r>
+              <a:rPr lang="en-US"/>
+              <a:t>Third level</a:t>
+            </a:r>
+          </a:p>
+          <a:p>
+            <a:pPr lvl="3"/>
+            <a:r>
+              <a:rPr lang="en-US"/>
+              <a:t>Fourth level</a:t>
+            </a:r>
+          </a:p>
+          <a:p>
+            <a:pPr lvl="4"/>
+            <a:r>
+              <a:rPr lang="en-US"/>
+              <a:t>Fifth level</a:t>
             </a:r>
             <a:endParaRPr lang="en-US" dirty="0"/>
           </a:p>
@@ -1306,18 +3386,18 @@
       </p:sp>
       <p:sp>
         <p:nvSpPr>
-          <p:cNvPr id="3" name="Content Placeholder 2"/>
-          <p:cNvSpPr>
-            <a:spLocks noGrp="1"/>
-          </p:cNvSpPr>
-          <p:nvPr>
-            <p:ph sz="half" idx="1"/>
+          <p:cNvPr id="4" name="Content Placeholder 3"/>
+          <p:cNvSpPr>
+            <a:spLocks noGrp="1"/>
+          </p:cNvSpPr>
+          <p:nvPr>
+            <p:ph sz="half" idx="2"/>
           </p:nvPr>
         </p:nvSpPr>
         <p:spPr>
           <a:xfrm>
-            <a:off x="1447331" y="2010878"/>
-            <a:ext cx="4645152" cy="3448595"/>
+            <a:off x="5089970" y="2160589"/>
+            <a:ext cx="4184034" cy="3880773"/>
           </a:xfrm>
         </p:spPr>
         <p:txBody>
@@ -1363,77 +3443,20 @@
       </p:sp>
       <p:sp>
         <p:nvSpPr>
-          <p:cNvPr id="4" name="Content Placeholder 3"/>
-          <p:cNvSpPr>
-            <a:spLocks noGrp="1"/>
-          </p:cNvSpPr>
-          <p:nvPr>
-            <p:ph sz="half" idx="2"/>
-          </p:nvPr>
-        </p:nvSpPr>
-        <p:spPr>
-          <a:xfrm>
-            <a:off x="6413771" y="2017343"/>
-            <a:ext cx="4645152" cy="3441520"/>
-          </a:xfrm>
-        </p:spPr>
+          <p:cNvPr id="5" name="Date Placeholder 4"/>
+          <p:cNvSpPr>
+            <a:spLocks noGrp="1"/>
+          </p:cNvSpPr>
+          <p:nvPr>
+            <p:ph type="dt" sz="half" idx="10"/>
+          </p:nvPr>
+        </p:nvSpPr>
+        <p:spPr/>
         <p:txBody>
           <a:bodyPr/>
           <a:lstStyle/>
           <a:p>
-            <a:pPr lvl="0"/>
-            <a:r>
-              <a:rPr lang="en-US"/>
-              <a:t>Click to edit Master text styles</a:t>
-            </a:r>
-          </a:p>
-          <a:p>
-            <a:pPr lvl="1"/>
-            <a:r>
-              <a:rPr lang="en-US"/>
-              <a:t>Second level</a:t>
-            </a:r>
-          </a:p>
-          <a:p>
-            <a:pPr lvl="2"/>
-            <a:r>
-              <a:rPr lang="en-US"/>
-              <a:t>Third level</a:t>
-            </a:r>
-          </a:p>
-          <a:p>
-            <a:pPr lvl="3"/>
-            <a:r>
-              <a:rPr lang="en-US"/>
-              <a:t>Fourth level</a:t>
-            </a:r>
-          </a:p>
-          <a:p>
-            <a:pPr lvl="4"/>
-            <a:r>
-              <a:rPr lang="en-US"/>
-              <a:t>Fifth level</a:t>
-            </a:r>
-            <a:endParaRPr lang="en-US" dirty="0"/>
-          </a:p>
-        </p:txBody>
-      </p:sp>
-      <p:sp>
-        <p:nvSpPr>
-          <p:cNvPr id="5" name="Date Placeholder 4"/>
-          <p:cNvSpPr>
-            <a:spLocks noGrp="1"/>
-          </p:cNvSpPr>
-          <p:nvPr>
-            <p:ph type="dt" sz="half" idx="10"/>
-          </p:nvPr>
-        </p:nvSpPr>
-        <p:spPr/>
-        <p:txBody>
-          <a:bodyPr/>
-          <a:lstStyle/>
-          <a:p>
-            <a:fld id="{DE1C6FF9-766B-4EA1-9B55-0A10F93297C0}" type="datetimeFigureOut">
+            <a:fld id="{AA69BB30-8325-4345-8DFA-998A30CB2488}" type="datetimeFigureOut">
               <a:rPr lang="en-US" smtClean="0"/>
               <a:t>9/9/2025</a:t>
             </a:fld>
@@ -1475,7 +3498,7 @@
           <a:bodyPr/>
           <a:lstStyle/>
           <a:p>
-            <a:fld id="{1E7C8104-74DF-45D5-8E3E-59CA042D9238}" type="slidenum">
+            <a:fld id="{FDFB9C32-4155-43F0-9D69-97C79EB91DC0}" type="slidenum">
               <a:rPr lang="en-US" smtClean="0"/>
               <a:t>‹#›</a:t>
             </a:fld>
@@ -1483,41 +3506,10 @@
           </a:p>
         </p:txBody>
       </p:sp>
-      <p:cxnSp>
-        <p:nvCxnSpPr>
-          <p:cNvPr id="35" name="Straight Connector 34"/>
-          <p:cNvCxnSpPr/>
-          <p:nvPr/>
-        </p:nvCxnSpPr>
-        <p:spPr>
-          <a:xfrm>
-            <a:off x="1453896" y="1847088"/>
-            <a:ext cx="9607522" cy="0"/>
-          </a:xfrm>
-          <a:prstGeom prst="line">
-            <a:avLst/>
-          </a:prstGeom>
-          <a:ln w="31750"/>
-        </p:spPr>
-        <p:style>
-          <a:lnRef idx="3">
-            <a:schemeClr val="accent1"/>
-          </a:lnRef>
-          <a:fillRef idx="0">
-            <a:schemeClr val="accent1"/>
-          </a:fillRef>
-          <a:effectRef idx="2">
-            <a:schemeClr val="accent1"/>
-          </a:effectRef>
-          <a:fontRef idx="minor">
-            <a:schemeClr val="tx1"/>
-          </a:fontRef>
-        </p:style>
-      </p:cxnSp>
     </p:spTree>
     <p:extLst>
       <p:ext uri="{BB962C8B-B14F-4D97-AF65-F5344CB8AC3E}">
-        <p14:creationId xmlns:p14="http://schemas.microsoft.com/office/powerpoint/2010/main" val="2387863849"/>
+        <p14:creationId xmlns:p14="http://schemas.microsoft.com/office/powerpoint/2010/main" val="1454637341"/>
       </p:ext>
     </p:extLst>
   </p:cSld>
@@ -1554,55 +3546,47 @@
             <p:ph type="title"/>
           </p:nvPr>
         </p:nvSpPr>
+        <p:spPr/>
+        <p:txBody>
+          <a:bodyPr/>
+          <a:lstStyle>
+            <a:lvl1pPr>
+              <a:defRPr/>
+            </a:lvl1pPr>
+          </a:lstStyle>
+          <a:p>
+            <a:r>
+              <a:rPr lang="en-US"/>
+              <a:t>Click to edit Master title style</a:t>
+            </a:r>
+            <a:endParaRPr lang="en-US" dirty="0"/>
+          </a:p>
+        </p:txBody>
+      </p:sp>
+      <p:sp>
+        <p:nvSpPr>
+          <p:cNvPr id="3" name="Text Placeholder 2"/>
+          <p:cNvSpPr>
+            <a:spLocks noGrp="1"/>
+          </p:cNvSpPr>
+          <p:nvPr>
+            <p:ph type="body" idx="1"/>
+          </p:nvPr>
+        </p:nvSpPr>
         <p:spPr>
           <a:xfrm>
-            <a:off x="1447191" y="804163"/>
-            <a:ext cx="9607661" cy="1056319"/>
+            <a:off x="675745" y="2160983"/>
+            <a:ext cx="4185623" cy="576262"/>
           </a:xfrm>
         </p:spPr>
         <p:txBody>
-          <a:bodyPr/>
-          <a:lstStyle/>
-          <a:p>
-            <a:r>
-              <a:rPr lang="en-US"/>
-              <a:t>Click to edit Master title style</a:t>
-            </a:r>
-            <a:endParaRPr lang="en-US" dirty="0"/>
-          </a:p>
-        </p:txBody>
-      </p:sp>
-      <p:sp>
-        <p:nvSpPr>
-          <p:cNvPr id="3" name="Text Placeholder 2"/>
-          <p:cNvSpPr>
-            <a:spLocks noGrp="1"/>
-          </p:cNvSpPr>
-          <p:nvPr>
-            <p:ph type="body" idx="1"/>
-          </p:nvPr>
-        </p:nvSpPr>
-        <p:spPr>
-          <a:xfrm>
-            <a:off x="1447191" y="2019549"/>
-            <a:ext cx="4645152" cy="801943"/>
-          </a:xfrm>
-        </p:spPr>
-        <p:txBody>
           <a:bodyPr anchor="b">
-            <a:normAutofit/>
+            <a:noAutofit/>
           </a:bodyPr>
           <a:lstStyle>
             <a:lvl1pPr marL="0" indent="0">
-              <a:lnSpc>
-                <a:spcPct val="100000"/>
-              </a:lnSpc>
-              <a:buNone/>
-              <a:defRPr sz="2200" b="0" cap="all" baseline="0">
-                <a:solidFill>
-                  <a:schemeClr val="accent1"/>
-                </a:solidFill>
-              </a:defRPr>
+              <a:buNone/>
+              <a:defRPr sz="2400" b="0"/>
             </a:lvl1pPr>
             <a:lvl2pPr marL="457200" indent="0">
               <a:buNone/>
@@ -1658,12 +3642,14 @@
         </p:nvSpPr>
         <p:spPr>
           <a:xfrm>
-            <a:off x="1447191" y="2824269"/>
-            <a:ext cx="4645152" cy="2644457"/>
+            <a:off x="675745" y="2737245"/>
+            <a:ext cx="4185623" cy="3304117"/>
           </a:xfrm>
         </p:spPr>
         <p:txBody>
-          <a:bodyPr/>
+          <a:bodyPr>
+            <a:normAutofit/>
+          </a:bodyPr>
           <a:lstStyle/>
           <a:p>
             <a:pPr lvl="0"/>
@@ -1715,25 +3701,18 @@
         </p:nvSpPr>
         <p:spPr>
           <a:xfrm>
-            <a:off x="6412362" y="2023003"/>
-            <a:ext cx="4645152" cy="802237"/>
+            <a:off x="5088383" y="2160983"/>
+            <a:ext cx="4185618" cy="576262"/>
           </a:xfrm>
         </p:spPr>
         <p:txBody>
           <a:bodyPr anchor="b">
-            <a:normAutofit/>
+            <a:noAutofit/>
           </a:bodyPr>
           <a:lstStyle>
             <a:lvl1pPr marL="0" indent="0">
-              <a:lnSpc>
-                <a:spcPct val="100000"/>
-              </a:lnSpc>
-              <a:buNone/>
-              <a:defRPr sz="2200" b="0" cap="all" baseline="0">
-                <a:solidFill>
-                  <a:schemeClr val="accent1"/>
-                </a:solidFill>
-              </a:defRPr>
+              <a:buNone/>
+              <a:defRPr sz="2400" b="0"/>
             </a:lvl1pPr>
             <a:lvl2pPr marL="457200" indent="0">
               <a:buNone/>
@@ -1789,67 +3768,69 @@
         </p:nvSpPr>
         <p:spPr>
           <a:xfrm>
-            <a:off x="6412362" y="2821491"/>
-            <a:ext cx="4645152" cy="2637371"/>
+            <a:off x="5088384" y="2737245"/>
+            <a:ext cx="4185617" cy="3304117"/>
           </a:xfrm>
         </p:spPr>
         <p:txBody>
+          <a:bodyPr>
+            <a:normAutofit/>
+          </a:bodyPr>
+          <a:lstStyle/>
+          <a:p>
+            <a:pPr lvl="0"/>
+            <a:r>
+              <a:rPr lang="en-US"/>
+              <a:t>Click to edit Master text styles</a:t>
+            </a:r>
+          </a:p>
+          <a:p>
+            <a:pPr lvl="1"/>
+            <a:r>
+              <a:rPr lang="en-US"/>
+              <a:t>Second level</a:t>
+            </a:r>
+          </a:p>
+          <a:p>
+            <a:pPr lvl="2"/>
+            <a:r>
+              <a:rPr lang="en-US"/>
+              <a:t>Third level</a:t>
+            </a:r>
+          </a:p>
+          <a:p>
+            <a:pPr lvl="3"/>
+            <a:r>
+              <a:rPr lang="en-US"/>
+              <a:t>Fourth level</a:t>
+            </a:r>
+          </a:p>
+          <a:p>
+            <a:pPr lvl="4"/>
+            <a:r>
+              <a:rPr lang="en-US"/>
+              <a:t>Fifth level</a:t>
+            </a:r>
+            <a:endParaRPr lang="en-US" dirty="0"/>
+          </a:p>
+        </p:txBody>
+      </p:sp>
+      <p:sp>
+        <p:nvSpPr>
+          <p:cNvPr id="7" name="Date Placeholder 6"/>
+          <p:cNvSpPr>
+            <a:spLocks noGrp="1"/>
+          </p:cNvSpPr>
+          <p:nvPr>
+            <p:ph type="dt" sz="half" idx="10"/>
+          </p:nvPr>
+        </p:nvSpPr>
+        <p:spPr/>
+        <p:txBody>
           <a:bodyPr/>
           <a:lstStyle/>
           <a:p>
-            <a:pPr lvl="0"/>
-            <a:r>
-              <a:rPr lang="en-US"/>
-              <a:t>Click to edit Master text styles</a:t>
-            </a:r>
-          </a:p>
-          <a:p>
-            <a:pPr lvl="1"/>
-            <a:r>
-              <a:rPr lang="en-US"/>
-              <a:t>Second level</a:t>
-            </a:r>
-          </a:p>
-          <a:p>
-            <a:pPr lvl="2"/>
-            <a:r>
-              <a:rPr lang="en-US"/>
-              <a:t>Third level</a:t>
-            </a:r>
-          </a:p>
-          <a:p>
-            <a:pPr lvl="3"/>
-            <a:r>
-              <a:rPr lang="en-US"/>
-              <a:t>Fourth level</a:t>
-            </a:r>
-          </a:p>
-          <a:p>
-            <a:pPr lvl="4"/>
-            <a:r>
-              <a:rPr lang="en-US"/>
-              <a:t>Fifth level</a:t>
-            </a:r>
-            <a:endParaRPr lang="en-US" dirty="0"/>
-          </a:p>
-        </p:txBody>
-      </p:sp>
-      <p:sp>
-        <p:nvSpPr>
-          <p:cNvPr id="7" name="Date Placeholder 6"/>
-          <p:cNvSpPr>
-            <a:spLocks noGrp="1"/>
-          </p:cNvSpPr>
-          <p:nvPr>
-            <p:ph type="dt" sz="half" idx="10"/>
-          </p:nvPr>
-        </p:nvSpPr>
-        <p:spPr/>
-        <p:txBody>
-          <a:bodyPr/>
-          <a:lstStyle/>
-          <a:p>
-            <a:fld id="{DE1C6FF9-766B-4EA1-9B55-0A10F93297C0}" type="datetimeFigureOut">
+            <a:fld id="{AA69BB30-8325-4345-8DFA-998A30CB2488}" type="datetimeFigureOut">
               <a:rPr lang="en-US" smtClean="0"/>
               <a:t>9/9/2025</a:t>
             </a:fld>
@@ -1891,7 +3872,7 @@
           <a:bodyPr/>
           <a:lstStyle/>
           <a:p>
-            <a:fld id="{1E7C8104-74DF-45D5-8E3E-59CA042D9238}" type="slidenum">
+            <a:fld id="{FDFB9C32-4155-43F0-9D69-97C79EB91DC0}" type="slidenum">
               <a:rPr lang="en-US" smtClean="0"/>
               <a:t>‹#›</a:t>
             </a:fld>
@@ -1899,41 +3880,10 @@
           </a:p>
         </p:txBody>
       </p:sp>
-      <p:cxnSp>
-        <p:nvCxnSpPr>
-          <p:cNvPr id="29" name="Straight Connector 28"/>
-          <p:cNvCxnSpPr/>
-          <p:nvPr/>
-        </p:nvCxnSpPr>
-        <p:spPr>
-          <a:xfrm>
-            <a:off x="1453896" y="1847088"/>
-            <a:ext cx="9607522" cy="0"/>
-          </a:xfrm>
-          <a:prstGeom prst="line">
-            <a:avLst/>
-          </a:prstGeom>
-          <a:ln w="31750"/>
-        </p:spPr>
-        <p:style>
-          <a:lnRef idx="3">
-            <a:schemeClr val="accent1"/>
-          </a:lnRef>
-          <a:fillRef idx="0">
-            <a:schemeClr val="accent1"/>
-          </a:fillRef>
-          <a:effectRef idx="2">
-            <a:schemeClr val="accent1"/>
-          </a:effectRef>
-          <a:fontRef idx="minor">
-            <a:schemeClr val="tx1"/>
-          </a:fontRef>
-        </p:style>
-      </p:cxnSp>
     </p:spTree>
     <p:extLst>
       <p:ext uri="{BB962C8B-B14F-4D97-AF65-F5344CB8AC3E}">
-        <p14:creationId xmlns:p14="http://schemas.microsoft.com/office/powerpoint/2010/main" val="418568722"/>
+        <p14:creationId xmlns:p14="http://schemas.microsoft.com/office/powerpoint/2010/main" val="40292502"/>
       </p:ext>
     </p:extLst>
   </p:cSld>
@@ -1970,7 +3920,12 @@
             <p:ph type="title"/>
           </p:nvPr>
         </p:nvSpPr>
-        <p:spPr/>
+        <p:spPr>
+          <a:xfrm>
+            <a:off x="677334" y="609600"/>
+            <a:ext cx="8596668" cy="1320800"/>
+          </a:xfrm>
+        </p:spPr>
         <p:txBody>
           <a:bodyPr/>
           <a:lstStyle/>
@@ -1998,7 +3953,7 @@
           <a:bodyPr/>
           <a:lstStyle/>
           <a:p>
-            <a:fld id="{DE1C6FF9-766B-4EA1-9B55-0A10F93297C0}" type="datetimeFigureOut">
+            <a:fld id="{AA69BB30-8325-4345-8DFA-998A30CB2488}" type="datetimeFigureOut">
               <a:rPr lang="en-US" smtClean="0"/>
               <a:t>9/9/2025</a:t>
             </a:fld>
@@ -2040,7 +3995,7 @@
           <a:bodyPr/>
           <a:lstStyle/>
           <a:p>
-            <a:fld id="{1E7C8104-74DF-45D5-8E3E-59CA042D9238}" type="slidenum">
+            <a:fld id="{FDFB9C32-4155-43F0-9D69-97C79EB91DC0}" type="slidenum">
               <a:rPr lang="en-US" smtClean="0"/>
               <a:t>‹#›</a:t>
             </a:fld>
@@ -2048,41 +4003,10 @@
           </a:p>
         </p:txBody>
       </p:sp>
-      <p:cxnSp>
-        <p:nvCxnSpPr>
-          <p:cNvPr id="25" name="Straight Connector 24"/>
-          <p:cNvCxnSpPr/>
-          <p:nvPr/>
-        </p:nvCxnSpPr>
-        <p:spPr>
-          <a:xfrm>
-            <a:off x="1453896" y="1847088"/>
-            <a:ext cx="9607522" cy="0"/>
-          </a:xfrm>
-          <a:prstGeom prst="line">
-            <a:avLst/>
-          </a:prstGeom>
-          <a:ln w="31750"/>
-        </p:spPr>
-        <p:style>
-          <a:lnRef idx="3">
-            <a:schemeClr val="accent1"/>
-          </a:lnRef>
-          <a:fillRef idx="0">
-            <a:schemeClr val="accent1"/>
-          </a:fillRef>
-          <a:effectRef idx="2">
-            <a:schemeClr val="accent1"/>
-          </a:effectRef>
-          <a:fontRef idx="minor">
-            <a:schemeClr val="tx1"/>
-          </a:fontRef>
-        </p:style>
-      </p:cxnSp>
     </p:spTree>
     <p:extLst>
       <p:ext uri="{BB962C8B-B14F-4D97-AF65-F5344CB8AC3E}">
-        <p14:creationId xmlns:p14="http://schemas.microsoft.com/office/powerpoint/2010/main" val="2811012960"/>
+        <p14:creationId xmlns:p14="http://schemas.microsoft.com/office/powerpoint/2010/main" val="2179229562"/>
       </p:ext>
     </p:extLst>
   </p:cSld>
@@ -2124,7 +4048,7 @@
           <a:bodyPr/>
           <a:lstStyle/>
           <a:p>
-            <a:fld id="{DE1C6FF9-766B-4EA1-9B55-0A10F93297C0}" type="datetimeFigureOut">
+            <a:fld id="{AA69BB30-8325-4345-8DFA-998A30CB2488}" type="datetimeFigureOut">
               <a:rPr lang="en-US" smtClean="0"/>
               <a:t>9/9/2025</a:t>
             </a:fld>
@@ -2166,7 +4090,7 @@
           <a:bodyPr/>
           <a:lstStyle/>
           <a:p>
-            <a:fld id="{1E7C8104-74DF-45D5-8E3E-59CA042D9238}" type="slidenum">
+            <a:fld id="{FDFB9C32-4155-43F0-9D69-97C79EB91DC0}" type="slidenum">
               <a:rPr lang="en-US" smtClean="0"/>
               <a:t>‹#›</a:t>
             </a:fld>
@@ -2177,7 +4101,7 @@
     </p:spTree>
     <p:extLst>
       <p:ext uri="{BB962C8B-B14F-4D97-AF65-F5344CB8AC3E}">
-        <p14:creationId xmlns:p14="http://schemas.microsoft.com/office/powerpoint/2010/main" val="3516730568"/>
+        <p14:creationId xmlns:p14="http://schemas.microsoft.com/office/powerpoint/2010/main" val="2515288576"/>
       </p:ext>
     </p:extLst>
   </p:cSld>
@@ -2216,8 +4140,8 @@
         </p:nvSpPr>
         <p:spPr>
           <a:xfrm>
-            <a:off x="1444671" y="798973"/>
-            <a:ext cx="3273099" cy="2247117"/>
+            <a:off x="677334" y="1498604"/>
+            <a:ext cx="3854528" cy="1278466"/>
           </a:xfrm>
         </p:spPr>
         <p:txBody>
@@ -2225,8 +4149,8 @@
             <a:normAutofit/>
           </a:bodyPr>
           <a:lstStyle>
-            <a:lvl1pPr algn="l">
-              <a:defRPr sz="2400"/>
+            <a:lvl1pPr>
+              <a:defRPr sz="2000"/>
             </a:lvl1pPr>
           </a:lstStyle>
           <a:p>
@@ -2250,12 +4174,14 @@
         </p:nvSpPr>
         <p:spPr>
           <a:xfrm>
-            <a:off x="5043714" y="798974"/>
-            <a:ext cx="6012470" cy="4658826"/>
+            <a:off x="4760461" y="514924"/>
+            <a:ext cx="4513541" cy="5526437"/>
           </a:xfrm>
         </p:spPr>
         <p:txBody>
-          <a:bodyPr anchor="ctr"/>
+          <a:bodyPr>
+            <a:normAutofit/>
+          </a:bodyPr>
           <a:lstStyle/>
           <a:p>
             <a:pPr lvl="0"/>
@@ -2307,46 +4233,48 @@
         </p:nvSpPr>
         <p:spPr>
           <a:xfrm>
-            <a:off x="1444671" y="3205491"/>
-            <a:ext cx="3275013" cy="2248181"/>
+            <a:off x="677334" y="2777069"/>
+            <a:ext cx="3854528" cy="2584449"/>
           </a:xfrm>
         </p:spPr>
         <p:txBody>
-          <a:bodyPr/>
+          <a:bodyPr>
+            <a:normAutofit/>
+          </a:bodyPr>
           <a:lstStyle>
-            <a:lvl1pPr marL="0" indent="0" algn="l">
-              <a:buNone/>
-              <a:defRPr sz="1600"/>
+            <a:lvl1pPr marL="0" indent="0">
+              <a:buNone/>
+              <a:defRPr sz="1400"/>
             </a:lvl1pPr>
-            <a:lvl2pPr marL="457200" indent="0">
+            <a:lvl2pPr marL="457063" indent="0">
               <a:buNone/>
               <a:defRPr sz="1400"/>
             </a:lvl2pPr>
-            <a:lvl3pPr marL="914400" indent="0">
+            <a:lvl3pPr marL="914126" indent="0">
               <a:buNone/>
               <a:defRPr sz="1200"/>
             </a:lvl3pPr>
-            <a:lvl4pPr marL="1371600" indent="0">
+            <a:lvl4pPr marL="1371189" indent="0">
               <a:buNone/>
               <a:defRPr sz="1000"/>
             </a:lvl4pPr>
-            <a:lvl5pPr marL="1828800" indent="0">
+            <a:lvl5pPr marL="1828251" indent="0">
               <a:buNone/>
               <a:defRPr sz="1000"/>
             </a:lvl5pPr>
-            <a:lvl6pPr marL="2286000" indent="0">
+            <a:lvl6pPr marL="2285314" indent="0">
               <a:buNone/>
               <a:defRPr sz="1000"/>
             </a:lvl6pPr>
-            <a:lvl7pPr marL="2743200" indent="0">
+            <a:lvl7pPr marL="2742377" indent="0">
               <a:buNone/>
               <a:defRPr sz="1000"/>
             </a:lvl7pPr>
-            <a:lvl8pPr marL="3200400" indent="0">
+            <a:lvl8pPr marL="3199440" indent="0">
               <a:buNone/>
               <a:defRPr sz="1000"/>
             </a:lvl8pPr>
-            <a:lvl9pPr marL="3657600" indent="0">
+            <a:lvl9pPr marL="3656503" indent="0">
               <a:buNone/>
               <a:defRPr sz="1000"/>
             </a:lvl9pPr>
@@ -2375,7 +4303,7 @@
           <a:bodyPr/>
           <a:lstStyle/>
           <a:p>
-            <a:fld id="{DE1C6FF9-766B-4EA1-9B55-0A10F93297C0}" type="datetimeFigureOut">
+            <a:fld id="{AA69BB30-8325-4345-8DFA-998A30CB2488}" type="datetimeFigureOut">
               <a:rPr lang="en-US" smtClean="0"/>
               <a:t>9/9/2025</a:t>
             </a:fld>
@@ -2417,7 +4345,7 @@
           <a:bodyPr/>
           <a:lstStyle/>
           <a:p>
-            <a:fld id="{1E7C8104-74DF-45D5-8E3E-59CA042D9238}" type="slidenum">
+            <a:fld id="{FDFB9C32-4155-43F0-9D69-97C79EB91DC0}" type="slidenum">
               <a:rPr lang="en-US" smtClean="0"/>
               <a:t>‹#›</a:t>
             </a:fld>
@@ -2425,41 +4353,10 @@
           </a:p>
         </p:txBody>
       </p:sp>
-      <p:cxnSp>
-        <p:nvCxnSpPr>
-          <p:cNvPr id="17" name="Straight Connector 16"/>
-          <p:cNvCxnSpPr/>
-          <p:nvPr/>
-        </p:nvCxnSpPr>
-        <p:spPr>
-          <a:xfrm>
-            <a:off x="1448280" y="3205491"/>
-            <a:ext cx="3269490" cy="0"/>
-          </a:xfrm>
-          <a:prstGeom prst="line">
-            <a:avLst/>
-          </a:prstGeom>
-          <a:ln w="31750"/>
-        </p:spPr>
-        <p:style>
-          <a:lnRef idx="3">
-            <a:schemeClr val="accent1"/>
-          </a:lnRef>
-          <a:fillRef idx="0">
-            <a:schemeClr val="accent1"/>
-          </a:fillRef>
-          <a:effectRef idx="2">
-            <a:schemeClr val="accent1"/>
-          </a:effectRef>
-          <a:fontRef idx="minor">
-            <a:schemeClr val="tx1"/>
-          </a:fontRef>
-        </p:style>
-      </p:cxnSp>
     </p:spTree>
     <p:extLst>
       <p:ext uri="{BB962C8B-B14F-4D97-AF65-F5344CB8AC3E}">
-        <p14:creationId xmlns:p14="http://schemas.microsoft.com/office/powerpoint/2010/main" val="601558559"/>
+        <p14:creationId xmlns:p14="http://schemas.microsoft.com/office/powerpoint/2010/main" val="800733747"/>
       </p:ext>
     </p:extLst>
   </p:cSld>
@@ -2486,62 +4383,409 @@
           <a:chExt cx="0" cy="0"/>
         </a:xfrm>
       </p:grpSpPr>
+      <p:sp>
+        <p:nvSpPr>
+          <p:cNvPr id="2" name="Title 1"/>
+          <p:cNvSpPr>
+            <a:spLocks noGrp="1"/>
+          </p:cNvSpPr>
+          <p:nvPr>
+            <p:ph type="title"/>
+          </p:nvPr>
+        </p:nvSpPr>
+        <p:spPr>
+          <a:xfrm>
+            <a:off x="677334" y="4800600"/>
+            <a:ext cx="8596667" cy="566738"/>
+          </a:xfrm>
+        </p:spPr>
+        <p:txBody>
+          <a:bodyPr anchor="b">
+            <a:normAutofit/>
+          </a:bodyPr>
+          <a:lstStyle>
+            <a:lvl1pPr algn="l">
+              <a:defRPr sz="2400" b="0"/>
+            </a:lvl1pPr>
+          </a:lstStyle>
+          <a:p>
+            <a:r>
+              <a:rPr lang="en-US"/>
+              <a:t>Click to edit Master title style</a:t>
+            </a:r>
+            <a:endParaRPr lang="en-US" dirty="0"/>
+          </a:p>
+        </p:txBody>
+      </p:sp>
+      <p:sp>
+        <p:nvSpPr>
+          <p:cNvPr id="3" name="Picture Placeholder 2"/>
+          <p:cNvSpPr>
+            <a:spLocks noGrp="1" noChangeAspect="1"/>
+          </p:cNvSpPr>
+          <p:nvPr>
+            <p:ph type="pic" idx="1"/>
+          </p:nvPr>
+        </p:nvSpPr>
+        <p:spPr>
+          <a:xfrm>
+            <a:off x="677334" y="609600"/>
+            <a:ext cx="8596668" cy="3845718"/>
+          </a:xfrm>
+        </p:spPr>
+        <p:txBody>
+          <a:bodyPr anchor="t">
+            <a:normAutofit/>
+          </a:bodyPr>
+          <a:lstStyle>
+            <a:lvl1pPr marL="0" indent="0" algn="ctr">
+              <a:buNone/>
+              <a:defRPr sz="1600"/>
+            </a:lvl1pPr>
+            <a:lvl2pPr marL="457200" indent="0">
+              <a:buNone/>
+              <a:defRPr sz="1600"/>
+            </a:lvl2pPr>
+            <a:lvl3pPr marL="914400" indent="0">
+              <a:buNone/>
+              <a:defRPr sz="1600"/>
+            </a:lvl3pPr>
+            <a:lvl4pPr marL="1371600" indent="0">
+              <a:buNone/>
+              <a:defRPr sz="1600"/>
+            </a:lvl4pPr>
+            <a:lvl5pPr marL="1828800" indent="0">
+              <a:buNone/>
+              <a:defRPr sz="1600"/>
+            </a:lvl5pPr>
+            <a:lvl6pPr marL="2286000" indent="0">
+              <a:buNone/>
+              <a:defRPr sz="1600"/>
+            </a:lvl6pPr>
+            <a:lvl7pPr marL="2743200" indent="0">
+              <a:buNone/>
+              <a:defRPr sz="1600"/>
+            </a:lvl7pPr>
+            <a:lvl8pPr marL="3200400" indent="0">
+              <a:buNone/>
+              <a:defRPr sz="1600"/>
+            </a:lvl8pPr>
+            <a:lvl9pPr marL="3657600" indent="0">
+              <a:buNone/>
+              <a:defRPr sz="1600"/>
+            </a:lvl9pPr>
+          </a:lstStyle>
+          <a:p>
+            <a:r>
+              <a:rPr lang="en-US"/>
+              <a:t>Click icon to add picture</a:t>
+            </a:r>
+            <a:endParaRPr lang="en-US" dirty="0"/>
+          </a:p>
+        </p:txBody>
+      </p:sp>
+      <p:sp>
+        <p:nvSpPr>
+          <p:cNvPr id="4" name="Text Placeholder 3"/>
+          <p:cNvSpPr>
+            <a:spLocks noGrp="1"/>
+          </p:cNvSpPr>
+          <p:nvPr>
+            <p:ph type="body" sz="half" idx="2"/>
+          </p:nvPr>
+        </p:nvSpPr>
+        <p:spPr>
+          <a:xfrm>
+            <a:off x="677334" y="5367338"/>
+            <a:ext cx="8596667" cy="674024"/>
+          </a:xfrm>
+        </p:spPr>
+        <p:txBody>
+          <a:bodyPr>
+            <a:normAutofit/>
+          </a:bodyPr>
+          <a:lstStyle>
+            <a:lvl1pPr marL="0" indent="0">
+              <a:buNone/>
+              <a:defRPr sz="1200"/>
+            </a:lvl1pPr>
+            <a:lvl2pPr marL="457200" indent="0">
+              <a:buNone/>
+              <a:defRPr sz="1200"/>
+            </a:lvl2pPr>
+            <a:lvl3pPr marL="914400" indent="0">
+              <a:buNone/>
+              <a:defRPr sz="1000"/>
+            </a:lvl3pPr>
+            <a:lvl4pPr marL="1371600" indent="0">
+              <a:buNone/>
+              <a:defRPr sz="900"/>
+            </a:lvl4pPr>
+            <a:lvl5pPr marL="1828800" indent="0">
+              <a:buNone/>
+              <a:defRPr sz="900"/>
+            </a:lvl5pPr>
+            <a:lvl6pPr marL="2286000" indent="0">
+              <a:buNone/>
+              <a:defRPr sz="900"/>
+            </a:lvl6pPr>
+            <a:lvl7pPr marL="2743200" indent="0">
+              <a:buNone/>
+              <a:defRPr sz="900"/>
+            </a:lvl7pPr>
+            <a:lvl8pPr marL="3200400" indent="0">
+              <a:buNone/>
+              <a:defRPr sz="900"/>
+            </a:lvl8pPr>
+            <a:lvl9pPr marL="3657600" indent="0">
+              <a:buNone/>
+              <a:defRPr sz="900"/>
+            </a:lvl9pPr>
+          </a:lstStyle>
+          <a:p>
+            <a:pPr lvl="0"/>
+            <a:r>
+              <a:rPr lang="en-US"/>
+              <a:t>Click to edit Master text styles</a:t>
+            </a:r>
+          </a:p>
+        </p:txBody>
+      </p:sp>
+      <p:sp>
+        <p:nvSpPr>
+          <p:cNvPr id="5" name="Date Placeholder 4"/>
+          <p:cNvSpPr>
+            <a:spLocks noGrp="1"/>
+          </p:cNvSpPr>
+          <p:nvPr>
+            <p:ph type="dt" sz="half" idx="10"/>
+          </p:nvPr>
+        </p:nvSpPr>
+        <p:spPr/>
+        <p:txBody>
+          <a:bodyPr/>
+          <a:lstStyle/>
+          <a:p>
+            <a:fld id="{AA69BB30-8325-4345-8DFA-998A30CB2488}" type="datetimeFigureOut">
+              <a:rPr lang="en-US" smtClean="0"/>
+              <a:t>9/9/2025</a:t>
+            </a:fld>
+            <a:endParaRPr lang="en-US"/>
+          </a:p>
+        </p:txBody>
+      </p:sp>
+      <p:sp>
+        <p:nvSpPr>
+          <p:cNvPr id="6" name="Footer Placeholder 5"/>
+          <p:cNvSpPr>
+            <a:spLocks noGrp="1"/>
+          </p:cNvSpPr>
+          <p:nvPr>
+            <p:ph type="ftr" sz="quarter" idx="11"/>
+          </p:nvPr>
+        </p:nvSpPr>
+        <p:spPr/>
+        <p:txBody>
+          <a:bodyPr/>
+          <a:lstStyle/>
+          <a:p>
+            <a:endParaRPr lang="en-US"/>
+          </a:p>
+        </p:txBody>
+      </p:sp>
+      <p:sp>
+        <p:nvSpPr>
+          <p:cNvPr id="7" name="Slide Number Placeholder 6"/>
+          <p:cNvSpPr>
+            <a:spLocks noGrp="1"/>
+          </p:cNvSpPr>
+          <p:nvPr>
+            <p:ph type="sldNum" sz="quarter" idx="12"/>
+          </p:nvPr>
+        </p:nvSpPr>
+        <p:spPr/>
+        <p:txBody>
+          <a:bodyPr/>
+          <a:lstStyle/>
+          <a:p>
+            <a:fld id="{FDFB9C32-4155-43F0-9D69-97C79EB91DC0}" type="slidenum">
+              <a:rPr lang="en-US" smtClean="0"/>
+              <a:t>‹#›</a:t>
+            </a:fld>
+            <a:endParaRPr lang="en-US"/>
+          </a:p>
+        </p:txBody>
+      </p:sp>
+    </p:spTree>
+    <p:extLst>
+      <p:ext uri="{BB962C8B-B14F-4D97-AF65-F5344CB8AC3E}">
+        <p14:creationId xmlns:p14="http://schemas.microsoft.com/office/powerpoint/2010/main" val="1793834185"/>
+      </p:ext>
+    </p:extLst>
+  </p:cSld>
+  <p:clrMapOvr>
+    <a:masterClrMapping/>
+  </p:clrMapOvr>
+</p:sldLayout>
+</file>
+
+<file path=ppt/slideMasters/slideMaster1.xml><?xml version="1.0" encoding="utf-8"?>
+<p:sldMaster xmlns:a="http://schemas.openxmlformats.org/drawingml/2006/main" xmlns:r="http://schemas.openxmlformats.org/officeDocument/2006/relationships" xmlns:p="http://schemas.openxmlformats.org/presentationml/2006/main">
+  <p:cSld>
+    <p:bg>
+      <p:bgRef idx="1001">
+        <a:schemeClr val="bg1"/>
+      </p:bgRef>
+    </p:bg>
+    <p:spTree>
+      <p:nvGrpSpPr>
+        <p:cNvPr id="1" name=""/>
+        <p:cNvGrpSpPr/>
+        <p:nvPr/>
+      </p:nvGrpSpPr>
+      <p:grpSpPr>
+        <a:xfrm>
+          <a:off x="0" y="0"/>
+          <a:ext cx="0" cy="0"/>
+          <a:chOff x="0" y="0"/>
+          <a:chExt cx="0" cy="0"/>
+        </a:xfrm>
+      </p:grpSpPr>
       <p:grpSp>
         <p:nvGrpSpPr>
-          <p:cNvPr id="8" name="Group 7"/>
+          <p:cNvPr id="7" name="Group 6"/>
           <p:cNvGrpSpPr/>
           <p:nvPr/>
         </p:nvGrpSpPr>
         <p:grpSpPr>
           <a:xfrm>
-            <a:off x="7477387" y="482170"/>
-            <a:ext cx="4074533" cy="5149101"/>
-            <a:chOff x="7477387" y="482170"/>
-            <a:chExt cx="4074533" cy="5149101"/>
+            <a:off x="0" y="-8467"/>
+            <a:ext cx="12192000" cy="6866467"/>
+            <a:chOff x="0" y="-8467"/>
+            <a:chExt cx="12192000" cy="6866467"/>
           </a:xfrm>
         </p:grpSpPr>
+        <p:cxnSp>
+          <p:nvCxnSpPr>
+            <p:cNvPr id="20" name="Straight Connector 19"/>
+            <p:cNvCxnSpPr/>
+            <p:nvPr/>
+          </p:nvCxnSpPr>
+          <p:spPr>
+            <a:xfrm>
+              <a:off x="9371012" y="0"/>
+              <a:ext cx="1219200" cy="6858000"/>
+            </a:xfrm>
+            <a:prstGeom prst="line">
+              <a:avLst/>
+            </a:prstGeom>
+            <a:ln w="9525">
+              <a:solidFill>
+                <a:schemeClr val="bg1">
+                  <a:lumMod val="75000"/>
+                </a:schemeClr>
+              </a:solidFill>
+            </a:ln>
+          </p:spPr>
+          <p:style>
+            <a:lnRef idx="2">
+              <a:schemeClr val="accent1"/>
+            </a:lnRef>
+            <a:fillRef idx="0">
+              <a:schemeClr val="accent1"/>
+            </a:fillRef>
+            <a:effectRef idx="1">
+              <a:schemeClr val="accent1"/>
+            </a:effectRef>
+            <a:fontRef idx="minor">
+              <a:schemeClr val="tx1"/>
+            </a:fontRef>
+          </p:style>
+        </p:cxnSp>
+        <p:cxnSp>
+          <p:nvCxnSpPr>
+            <p:cNvPr id="21" name="Straight Connector 20"/>
+            <p:cNvCxnSpPr/>
+            <p:nvPr/>
+          </p:nvCxnSpPr>
+          <p:spPr>
+            <a:xfrm flipH="1">
+              <a:off x="7425267" y="3681413"/>
+              <a:ext cx="4763558" cy="3176587"/>
+            </a:xfrm>
+            <a:prstGeom prst="line">
+              <a:avLst/>
+            </a:prstGeom>
+            <a:ln w="9525">
+              <a:solidFill>
+                <a:schemeClr val="bg1">
+                  <a:lumMod val="85000"/>
+                </a:schemeClr>
+              </a:solidFill>
+            </a:ln>
+          </p:spPr>
+          <p:style>
+            <a:lnRef idx="2">
+              <a:schemeClr val="accent1"/>
+            </a:lnRef>
+            <a:fillRef idx="0">
+              <a:schemeClr val="accent1"/>
+            </a:fillRef>
+            <a:effectRef idx="1">
+              <a:schemeClr val="accent1"/>
+            </a:effectRef>
+            <a:fontRef idx="minor">
+              <a:schemeClr val="tx1"/>
+            </a:fontRef>
+          </p:style>
+        </p:cxnSp>
         <p:sp>
           <p:nvSpPr>
-            <p:cNvPr id="18" name="Rectangle 17"/>
+            <p:cNvPr id="22" name="Rectangle 23"/>
             <p:cNvSpPr/>
             <p:nvPr/>
           </p:nvSpPr>
-          <p:spPr bwMode="black">
+          <p:spPr>
             <a:xfrm>
-              <a:off x="7477387" y="482170"/>
-              <a:ext cx="4074533" cy="5149101"/>
+              <a:off x="9181476" y="-8467"/>
+              <a:ext cx="3007349" cy="6866467"/>
             </a:xfrm>
-            <a:prstGeom prst="rect">
+            <a:custGeom>
               <a:avLst/>
-            </a:prstGeom>
-            <a:gradFill>
-              <a:gsLst>
-                <a:gs pos="0">
-                  <a:srgbClr val="000001"/>
-                </a:gs>
-                <a:gs pos="100000">
-                  <a:srgbClr val="191919"/>
-                </a:gs>
-              </a:gsLst>
-            </a:gradFill>
-            <a:ln w="76200" cmpd="sng">
+              <a:gdLst/>
+              <a:ahLst/>
+              <a:cxnLst/>
+              <a:rect l="l" t="t" r="r" b="b"/>
+              <a:pathLst>
+                <a:path w="3007349" h="6866467">
+                  <a:moveTo>
+                    <a:pt x="2045532" y="0"/>
+                  </a:moveTo>
+                  <a:lnTo>
+                    <a:pt x="3007349" y="0"/>
+                  </a:lnTo>
+                  <a:lnTo>
+                    <a:pt x="3007349" y="6866467"/>
+                  </a:lnTo>
+                  <a:lnTo>
+                    <a:pt x="0" y="6866467"/>
+                  </a:lnTo>
+                  <a:lnTo>
+                    <a:pt x="2045532" y="0"/>
+                  </a:lnTo>
+                  <a:close/>
+                </a:path>
+              </a:pathLst>
+            </a:custGeom>
+            <a:solidFill>
+              <a:schemeClr val="accent1">
+                <a:alpha val="30000"/>
+              </a:schemeClr>
+            </a:solidFill>
+            <a:ln>
               <a:noFill/>
-              <a:miter lim="800000"/>
             </a:ln>
-            <a:effectLst>
-              <a:outerShdw blurRad="127000" dist="228600" dir="4740000" sx="98000" sy="98000" algn="tl" rotWithShape="0">
-                <a:srgbClr val="000000">
-                  <a:alpha val="34000"/>
-                </a:srgbClr>
-              </a:outerShdw>
-            </a:effectLst>
-            <a:scene3d>
-              <a:camera prst="orthographicFront"/>
-              <a:lightRig rig="threePt" dir="t"/>
-            </a:scene3d>
-            <a:sp3d>
-              <a:bevelT w="152400" h="50800" prst="softRound"/>
-            </a:sp3d>
+            <a:effectLst/>
           </p:spPr>
           <p:style>
             <a:lnRef idx="1">
@@ -2560,49 +4804,366 @@
         </p:sp>
         <p:sp>
           <p:nvSpPr>
-            <p:cNvPr id="19" name="Rectangle 18"/>
+            <p:cNvPr id="23" name="Rectangle 25"/>
             <p:cNvSpPr/>
             <p:nvPr/>
           </p:nvSpPr>
-          <p:spPr bwMode="blackWhite">
+          <p:spPr>
             <a:xfrm>
-              <a:off x="7790446" y="812506"/>
-              <a:ext cx="3450289" cy="4466452"/>
+              <a:off x="9603442" y="-8467"/>
+              <a:ext cx="2588558" cy="6866467"/>
             </a:xfrm>
-            <a:prstGeom prst="rect">
+            <a:custGeom>
               <a:avLst/>
+              <a:gdLst/>
+              <a:ahLst/>
+              <a:cxnLst/>
+              <a:rect l="l" t="t" r="r" b="b"/>
+              <a:pathLst>
+                <a:path w="2573311" h="6866467">
+                  <a:moveTo>
+                    <a:pt x="0" y="0"/>
+                  </a:moveTo>
+                  <a:lnTo>
+                    <a:pt x="2573311" y="0"/>
+                  </a:lnTo>
+                  <a:lnTo>
+                    <a:pt x="2573311" y="6866467"/>
+                  </a:lnTo>
+                  <a:lnTo>
+                    <a:pt x="1202336" y="6866467"/>
+                  </a:lnTo>
+                  <a:lnTo>
+                    <a:pt x="0" y="0"/>
+                  </a:lnTo>
+                  <a:close/>
+                </a:path>
+              </a:pathLst>
+            </a:custGeom>
+            <a:solidFill>
+              <a:schemeClr val="accent1">
+                <a:alpha val="20000"/>
+              </a:schemeClr>
+            </a:solidFill>
+            <a:ln>
+              <a:noFill/>
+            </a:ln>
+            <a:effectLst/>
+          </p:spPr>
+          <p:style>
+            <a:lnRef idx="1">
+              <a:schemeClr val="accent1"/>
+            </a:lnRef>
+            <a:fillRef idx="3">
+              <a:schemeClr val="accent1"/>
+            </a:fillRef>
+            <a:effectRef idx="2">
+              <a:schemeClr val="accent1"/>
+            </a:effectRef>
+            <a:fontRef idx="minor">
+              <a:schemeClr val="lt1"/>
+            </a:fontRef>
+          </p:style>
+        </p:sp>
+        <p:sp>
+          <p:nvSpPr>
+            <p:cNvPr id="24" name="Isosceles Triangle 23"/>
+            <p:cNvSpPr/>
+            <p:nvPr/>
+          </p:nvSpPr>
+          <p:spPr>
+            <a:xfrm>
+              <a:off x="8932333" y="3048000"/>
+              <a:ext cx="3259667" cy="3810000"/>
+            </a:xfrm>
+            <a:prstGeom prst="triangle">
+              <a:avLst>
+                <a:gd name="adj" fmla="val 100000"/>
+              </a:avLst>
             </a:prstGeom>
-            <a:gradFill>
-              <a:gsLst>
-                <a:gs pos="0">
-                  <a:srgbClr val="DADADA"/>
-                </a:gs>
-                <a:gs pos="100000">
-                  <a:srgbClr val="FFFFFE"/>
-                </a:gs>
-              </a:gsLst>
-              <a:lin ang="16200000" scaled="0"/>
-            </a:gradFill>
-            <a:ln w="50800" cmpd="sng">
-              <a:solidFill>
-                <a:srgbClr val="191919"/>
-              </a:solidFill>
-              <a:miter lim="800000"/>
+            <a:solidFill>
+              <a:schemeClr val="accent2">
+                <a:alpha val="72000"/>
+              </a:schemeClr>
+            </a:solidFill>
+            <a:ln>
+              <a:noFill/>
             </a:ln>
-            <a:effectLst>
-              <a:innerShdw blurRad="63500" dist="88900" dir="14100000">
-                <a:srgbClr val="000000">
-                  <a:alpha val="30000"/>
-                </a:srgbClr>
-              </a:innerShdw>
-            </a:effectLst>
-            <a:scene3d>
-              <a:camera prst="orthographicFront"/>
-              <a:lightRig rig="threePt" dir="t"/>
-            </a:scene3d>
-            <a:sp3d>
-              <a:bevelT prst="relaxedInset"/>
-            </a:sp3d>
+            <a:effectLst/>
+          </p:spPr>
+          <p:style>
+            <a:lnRef idx="1">
+              <a:schemeClr val="accent1"/>
+            </a:lnRef>
+            <a:fillRef idx="3">
+              <a:schemeClr val="accent1"/>
+            </a:fillRef>
+            <a:effectRef idx="2">
+              <a:schemeClr val="accent1"/>
+            </a:effectRef>
+            <a:fontRef idx="minor">
+              <a:schemeClr val="lt1"/>
+            </a:fontRef>
+          </p:style>
+        </p:sp>
+        <p:sp>
+          <p:nvSpPr>
+            <p:cNvPr id="25" name="Rectangle 27"/>
+            <p:cNvSpPr/>
+            <p:nvPr/>
+          </p:nvSpPr>
+          <p:spPr>
+            <a:xfrm>
+              <a:off x="9334500" y="-8467"/>
+              <a:ext cx="2854326" cy="6866467"/>
+            </a:xfrm>
+            <a:custGeom>
+              <a:avLst/>
+              <a:gdLst/>
+              <a:ahLst/>
+              <a:cxnLst/>
+              <a:rect l="l" t="t" r="r" b="b"/>
+              <a:pathLst>
+                <a:path w="2858013" h="6866467">
+                  <a:moveTo>
+                    <a:pt x="0" y="0"/>
+                  </a:moveTo>
+                  <a:lnTo>
+                    <a:pt x="2858013" y="0"/>
+                  </a:lnTo>
+                  <a:lnTo>
+                    <a:pt x="2858013" y="6866467"/>
+                  </a:lnTo>
+                  <a:lnTo>
+                    <a:pt x="2473942" y="6866467"/>
+                  </a:lnTo>
+                  <a:lnTo>
+                    <a:pt x="0" y="0"/>
+                  </a:lnTo>
+                  <a:close/>
+                </a:path>
+              </a:pathLst>
+            </a:custGeom>
+            <a:solidFill>
+              <a:schemeClr val="accent2">
+                <a:lumMod val="75000"/>
+                <a:alpha val="70000"/>
+              </a:schemeClr>
+            </a:solidFill>
+            <a:ln>
+              <a:noFill/>
+            </a:ln>
+            <a:effectLst/>
+          </p:spPr>
+          <p:style>
+            <a:lnRef idx="1">
+              <a:schemeClr val="accent1"/>
+            </a:lnRef>
+            <a:fillRef idx="3">
+              <a:schemeClr val="accent1"/>
+            </a:fillRef>
+            <a:effectRef idx="2">
+              <a:schemeClr val="accent1"/>
+            </a:effectRef>
+            <a:fontRef idx="minor">
+              <a:schemeClr val="lt1"/>
+            </a:fontRef>
+          </p:style>
+        </p:sp>
+        <p:sp>
+          <p:nvSpPr>
+            <p:cNvPr id="26" name="Rectangle 28"/>
+            <p:cNvSpPr/>
+            <p:nvPr/>
+          </p:nvSpPr>
+          <p:spPr>
+            <a:xfrm>
+              <a:off x="10898730" y="-8467"/>
+              <a:ext cx="1290094" cy="6866467"/>
+            </a:xfrm>
+            <a:custGeom>
+              <a:avLst/>
+              <a:gdLst/>
+              <a:ahLst/>
+              <a:cxnLst/>
+              <a:rect l="l" t="t" r="r" b="b"/>
+              <a:pathLst>
+                <a:path w="1290094" h="6858000">
+                  <a:moveTo>
+                    <a:pt x="1019735" y="0"/>
+                  </a:moveTo>
+                  <a:lnTo>
+                    <a:pt x="1290094" y="0"/>
+                  </a:lnTo>
+                  <a:lnTo>
+                    <a:pt x="1290094" y="6858000"/>
+                  </a:lnTo>
+                  <a:lnTo>
+                    <a:pt x="0" y="6858000"/>
+                  </a:lnTo>
+                  <a:lnTo>
+                    <a:pt x="1019735" y="0"/>
+                  </a:lnTo>
+                  <a:close/>
+                </a:path>
+              </a:pathLst>
+            </a:custGeom>
+            <a:solidFill>
+              <a:schemeClr val="accent1">
+                <a:lumMod val="60000"/>
+                <a:lumOff val="40000"/>
+                <a:alpha val="70000"/>
+              </a:schemeClr>
+            </a:solidFill>
+            <a:ln>
+              <a:noFill/>
+            </a:ln>
+            <a:effectLst/>
+          </p:spPr>
+          <p:style>
+            <a:lnRef idx="1">
+              <a:schemeClr val="accent1"/>
+            </a:lnRef>
+            <a:fillRef idx="3">
+              <a:schemeClr val="accent1"/>
+            </a:fillRef>
+            <a:effectRef idx="2">
+              <a:schemeClr val="accent1"/>
+            </a:effectRef>
+            <a:fontRef idx="minor">
+              <a:schemeClr val="lt1"/>
+            </a:fontRef>
+          </p:style>
+        </p:sp>
+        <p:sp>
+          <p:nvSpPr>
+            <p:cNvPr id="27" name="Rectangle 29"/>
+            <p:cNvSpPr/>
+            <p:nvPr/>
+          </p:nvSpPr>
+          <p:spPr>
+            <a:xfrm>
+              <a:off x="10938999" y="-8467"/>
+              <a:ext cx="1249825" cy="6866467"/>
+            </a:xfrm>
+            <a:custGeom>
+              <a:avLst/>
+              <a:gdLst/>
+              <a:ahLst/>
+              <a:cxnLst/>
+              <a:rect l="l" t="t" r="r" b="b"/>
+              <a:pathLst>
+                <a:path w="1249825" h="6858000">
+                  <a:moveTo>
+                    <a:pt x="0" y="0"/>
+                  </a:moveTo>
+                  <a:lnTo>
+                    <a:pt x="1249825" y="0"/>
+                  </a:lnTo>
+                  <a:lnTo>
+                    <a:pt x="1249825" y="6858000"/>
+                  </a:lnTo>
+                  <a:lnTo>
+                    <a:pt x="1109382" y="6858000"/>
+                  </a:lnTo>
+                  <a:lnTo>
+                    <a:pt x="0" y="0"/>
+                  </a:lnTo>
+                  <a:close/>
+                </a:path>
+              </a:pathLst>
+            </a:custGeom>
+            <a:solidFill>
+              <a:schemeClr val="accent1">
+                <a:alpha val="65000"/>
+              </a:schemeClr>
+            </a:solidFill>
+            <a:ln>
+              <a:noFill/>
+            </a:ln>
+            <a:effectLst/>
+          </p:spPr>
+          <p:style>
+            <a:lnRef idx="1">
+              <a:schemeClr val="accent1"/>
+            </a:lnRef>
+            <a:fillRef idx="3">
+              <a:schemeClr val="accent1"/>
+            </a:fillRef>
+            <a:effectRef idx="2">
+              <a:schemeClr val="accent1"/>
+            </a:effectRef>
+            <a:fontRef idx="minor">
+              <a:schemeClr val="lt1"/>
+            </a:fontRef>
+          </p:style>
+        </p:sp>
+        <p:sp>
+          <p:nvSpPr>
+            <p:cNvPr id="28" name="Isosceles Triangle 27"/>
+            <p:cNvSpPr/>
+            <p:nvPr/>
+          </p:nvSpPr>
+          <p:spPr>
+            <a:xfrm>
+              <a:off x="10371666" y="3589867"/>
+              <a:ext cx="1817159" cy="3268133"/>
+            </a:xfrm>
+            <a:prstGeom prst="triangle">
+              <a:avLst>
+                <a:gd name="adj" fmla="val 100000"/>
+              </a:avLst>
+            </a:prstGeom>
+            <a:solidFill>
+              <a:schemeClr val="accent1">
+                <a:alpha val="80000"/>
+              </a:schemeClr>
+            </a:solidFill>
+            <a:ln>
+              <a:noFill/>
+            </a:ln>
+            <a:effectLst/>
+          </p:spPr>
+          <p:style>
+            <a:lnRef idx="1">
+              <a:schemeClr val="accent1"/>
+            </a:lnRef>
+            <a:fillRef idx="3">
+              <a:schemeClr val="accent1"/>
+            </a:fillRef>
+            <a:effectRef idx="2">
+              <a:schemeClr val="accent1"/>
+            </a:effectRef>
+            <a:fontRef idx="minor">
+              <a:schemeClr val="lt1"/>
+            </a:fontRef>
+          </p:style>
+        </p:sp>
+        <p:sp>
+          <p:nvSpPr>
+            <p:cNvPr id="29" name="Isosceles Triangle 28"/>
+            <p:cNvSpPr/>
+            <p:nvPr/>
+          </p:nvSpPr>
+          <p:spPr>
+            <a:xfrm>
+              <a:off x="0" y="4013200"/>
+              <a:ext cx="448733" cy="2844800"/>
+            </a:xfrm>
+            <a:prstGeom prst="triangle">
+              <a:avLst>
+                <a:gd name="adj" fmla="val 0"/>
+              </a:avLst>
+            </a:prstGeom>
+            <a:solidFill>
+              <a:schemeClr val="accent1">
+                <a:alpha val="85000"/>
+              </a:schemeClr>
+            </a:solidFill>
+            <a:ln>
+              <a:noFill/>
+            </a:ln>
+            <a:effectLst/>
           </p:spPr>
           <p:style>
             <a:lnRef idx="1">
@@ -2622,7 +5183,7 @@
       </p:grpSp>
       <p:sp>
         <p:nvSpPr>
-          <p:cNvPr id="2" name="Title 1"/>
+          <p:cNvPr id="2" name="Title Placeholder 1"/>
           <p:cNvSpPr>
             <a:spLocks noGrp="1"/>
           </p:cNvSpPr>
@@ -2632,421 +5193,84 @@
         </p:nvSpPr>
         <p:spPr>
           <a:xfrm>
-            <a:off x="1451206" y="1129513"/>
-            <a:ext cx="5532328" cy="1830584"/>
-          </a:xfrm>
-        </p:spPr>
-        <p:txBody>
-          <a:bodyPr anchor="b">
-            <a:normAutofit/>
-          </a:bodyPr>
-          <a:lstStyle>
-            <a:lvl1pPr>
-              <a:defRPr sz="3200"/>
-            </a:lvl1pPr>
-          </a:lstStyle>
-          <a:p>
-            <a:r>
-              <a:rPr lang="en-US"/>
-              <a:t>Click to edit Master title style</a:t>
-            </a:r>
-            <a:endParaRPr lang="en-US" dirty="0"/>
-          </a:p>
-        </p:txBody>
-      </p:sp>
-      <p:sp>
-        <p:nvSpPr>
-          <p:cNvPr id="3" name="Picture Placeholder 2"/>
-          <p:cNvSpPr>
-            <a:spLocks noGrp="1" noChangeAspect="1"/>
-          </p:cNvSpPr>
-          <p:nvPr>
-            <p:ph type="pic" idx="1"/>
-          </p:nvPr>
-        </p:nvSpPr>
-        <p:spPr>
-          <a:xfrm>
-            <a:off x="8124389" y="1122542"/>
-            <a:ext cx="2791171" cy="3866327"/>
-          </a:xfrm>
-          <a:solidFill>
-            <a:schemeClr val="bg1">
-              <a:lumMod val="85000"/>
-            </a:schemeClr>
-          </a:solidFill>
-          <a:ln w="9525" cap="sq">
-            <a:noFill/>
-            <a:miter lim="800000"/>
-          </a:ln>
-          <a:effectLst/>
-        </p:spPr>
-        <p:txBody>
-          <a:bodyPr anchor="t"/>
-          <a:lstStyle>
-            <a:lvl1pPr marL="0" indent="0" algn="ctr">
-              <a:buNone/>
-              <a:defRPr sz="3200"/>
-            </a:lvl1pPr>
-            <a:lvl2pPr marL="457200" indent="0">
-              <a:buNone/>
-              <a:defRPr sz="2800"/>
-            </a:lvl2pPr>
-            <a:lvl3pPr marL="914400" indent="0">
-              <a:buNone/>
-              <a:defRPr sz="2400"/>
-            </a:lvl3pPr>
-            <a:lvl4pPr marL="1371600" indent="0">
-              <a:buNone/>
-              <a:defRPr sz="2000"/>
-            </a:lvl4pPr>
-            <a:lvl5pPr marL="1828800" indent="0">
-              <a:buNone/>
-              <a:defRPr sz="2000"/>
-            </a:lvl5pPr>
-            <a:lvl6pPr marL="2286000" indent="0">
-              <a:buNone/>
-              <a:defRPr sz="2000"/>
-            </a:lvl6pPr>
-            <a:lvl7pPr marL="2743200" indent="0">
-              <a:buNone/>
-              <a:defRPr sz="2000"/>
-            </a:lvl7pPr>
-            <a:lvl8pPr marL="3200400" indent="0">
-              <a:buNone/>
-              <a:defRPr sz="2000"/>
-            </a:lvl8pPr>
-            <a:lvl9pPr marL="3657600" indent="0">
-              <a:buNone/>
-              <a:defRPr sz="2000"/>
-            </a:lvl9pPr>
-          </a:lstStyle>
-          <a:p>
-            <a:r>
-              <a:rPr lang="en-US"/>
-              <a:t>Click icon to add picture</a:t>
-            </a:r>
-            <a:endParaRPr lang="en-US" dirty="0"/>
-          </a:p>
-        </p:txBody>
-      </p:sp>
-      <p:sp>
-        <p:nvSpPr>
-          <p:cNvPr id="4" name="Text Placeholder 3"/>
-          <p:cNvSpPr>
-            <a:spLocks noGrp="1"/>
-          </p:cNvSpPr>
-          <p:nvPr>
-            <p:ph type="body" sz="half" idx="2"/>
-          </p:nvPr>
-        </p:nvSpPr>
-        <p:spPr>
-          <a:xfrm>
-            <a:off x="1450329" y="3145992"/>
-            <a:ext cx="5524404" cy="2003742"/>
-          </a:xfrm>
-        </p:spPr>
-        <p:txBody>
-          <a:bodyPr>
-            <a:normAutofit/>
-          </a:bodyPr>
-          <a:lstStyle>
-            <a:lvl1pPr marL="0" indent="0" algn="l">
-              <a:buNone/>
-              <a:defRPr sz="1800"/>
-            </a:lvl1pPr>
-            <a:lvl2pPr marL="457200" indent="0">
-              <a:buNone/>
-              <a:defRPr sz="1400"/>
-            </a:lvl2pPr>
-            <a:lvl3pPr marL="914400" indent="0">
-              <a:buNone/>
-              <a:defRPr sz="1200"/>
-            </a:lvl3pPr>
-            <a:lvl4pPr marL="1371600" indent="0">
-              <a:buNone/>
-              <a:defRPr sz="1000"/>
-            </a:lvl4pPr>
-            <a:lvl5pPr marL="1828800" indent="0">
-              <a:buNone/>
-              <a:defRPr sz="1000"/>
-            </a:lvl5pPr>
-            <a:lvl6pPr marL="2286000" indent="0">
-              <a:buNone/>
-              <a:defRPr sz="1000"/>
-            </a:lvl6pPr>
-            <a:lvl7pPr marL="2743200" indent="0">
-              <a:buNone/>
-              <a:defRPr sz="1000"/>
-            </a:lvl7pPr>
-            <a:lvl8pPr marL="3200400" indent="0">
-              <a:buNone/>
-              <a:defRPr sz="1000"/>
-            </a:lvl8pPr>
-            <a:lvl9pPr marL="3657600" indent="0">
-              <a:buNone/>
-              <a:defRPr sz="1000"/>
-            </a:lvl9pPr>
-          </a:lstStyle>
-          <a:p>
-            <a:pPr lvl="0"/>
-            <a:r>
-              <a:rPr lang="en-US"/>
-              <a:t>Click to edit Master text styles</a:t>
-            </a:r>
-          </a:p>
-        </p:txBody>
-      </p:sp>
-      <p:sp>
-        <p:nvSpPr>
-          <p:cNvPr id="5" name="Date Placeholder 4"/>
-          <p:cNvSpPr>
-            <a:spLocks noGrp="1"/>
-          </p:cNvSpPr>
-          <p:nvPr>
-            <p:ph type="dt" sz="half" idx="10"/>
-          </p:nvPr>
-        </p:nvSpPr>
-        <p:spPr>
-          <a:xfrm>
-            <a:off x="1447382" y="5469856"/>
-            <a:ext cx="5527351" cy="320123"/>
-          </a:xfrm>
-        </p:spPr>
-        <p:txBody>
-          <a:bodyPr/>
-          <a:lstStyle>
-            <a:lvl1pPr algn="l">
-              <a:defRPr/>
-            </a:lvl1pPr>
-          </a:lstStyle>
-          <a:p>
-            <a:fld id="{DE1C6FF9-766B-4EA1-9B55-0A10F93297C0}" type="datetimeFigureOut">
-              <a:rPr lang="en-US" smtClean="0"/>
-              <a:t>9/9/2025</a:t>
-            </a:fld>
-            <a:endParaRPr lang="en-US"/>
-          </a:p>
-        </p:txBody>
-      </p:sp>
-      <p:sp>
-        <p:nvSpPr>
-          <p:cNvPr id="6" name="Footer Placeholder 5"/>
-          <p:cNvSpPr>
-            <a:spLocks noGrp="1"/>
-          </p:cNvSpPr>
-          <p:nvPr>
-            <p:ph type="ftr" sz="quarter" idx="11"/>
-          </p:nvPr>
-        </p:nvSpPr>
-        <p:spPr>
-          <a:xfrm>
-            <a:off x="1447382" y="318640"/>
-            <a:ext cx="5541004" cy="320931"/>
-          </a:xfrm>
-        </p:spPr>
-        <p:txBody>
-          <a:bodyPr/>
-          <a:lstStyle/>
-          <a:p>
-            <a:endParaRPr lang="en-US"/>
-          </a:p>
-        </p:txBody>
-      </p:sp>
-      <p:sp>
-        <p:nvSpPr>
-          <p:cNvPr id="7" name="Slide Number Placeholder 6"/>
-          <p:cNvSpPr>
-            <a:spLocks noGrp="1"/>
-          </p:cNvSpPr>
-          <p:nvPr>
-            <p:ph type="sldNum" sz="quarter" idx="12"/>
-          </p:nvPr>
-        </p:nvSpPr>
-        <p:spPr/>
-        <p:txBody>
-          <a:bodyPr/>
-          <a:lstStyle/>
-          <a:p>
-            <a:fld id="{1E7C8104-74DF-45D5-8E3E-59CA042D9238}" type="slidenum">
-              <a:rPr lang="en-US" smtClean="0"/>
-              <a:t>‹#›</a:t>
-            </a:fld>
-            <a:endParaRPr lang="en-US"/>
-          </a:p>
-        </p:txBody>
-      </p:sp>
-      <p:cxnSp>
-        <p:nvCxnSpPr>
-          <p:cNvPr id="31" name="Straight Connector 30"/>
-          <p:cNvCxnSpPr/>
-          <p:nvPr/>
-        </p:nvCxnSpPr>
-        <p:spPr>
-          <a:xfrm>
-            <a:off x="1447382" y="3143605"/>
-            <a:ext cx="5527351" cy="0"/>
-          </a:xfrm>
-          <a:prstGeom prst="line">
-            <a:avLst/>
-          </a:prstGeom>
-          <a:ln w="31750"/>
-        </p:spPr>
-        <p:style>
-          <a:lnRef idx="3">
-            <a:schemeClr val="accent1"/>
-          </a:lnRef>
-          <a:fillRef idx="0">
-            <a:schemeClr val="accent1"/>
-          </a:fillRef>
-          <a:effectRef idx="2">
-            <a:schemeClr val="accent1"/>
-          </a:effectRef>
-          <a:fontRef idx="minor">
-            <a:schemeClr val="tx1"/>
-          </a:fontRef>
-        </p:style>
-      </p:cxnSp>
-    </p:spTree>
-    <p:extLst>
-      <p:ext uri="{BB962C8B-B14F-4D97-AF65-F5344CB8AC3E}">
-        <p14:creationId xmlns:p14="http://schemas.microsoft.com/office/powerpoint/2010/main" val="4294880586"/>
-      </p:ext>
-    </p:extLst>
-  </p:cSld>
-  <p:clrMapOvr>
-    <a:masterClrMapping/>
-  </p:clrMapOvr>
-</p:sldLayout>
-</file>
-
-<file path=ppt/slideMasters/slideMaster1.xml><?xml version="1.0" encoding="utf-8"?>
-<p:sldMaster xmlns:a="http://schemas.openxmlformats.org/drawingml/2006/main" xmlns:r="http://schemas.openxmlformats.org/officeDocument/2006/relationships" xmlns:p="http://schemas.openxmlformats.org/presentationml/2006/main">
-  <p:cSld>
-    <p:bg>
-      <p:bgRef idx="1003">
-        <a:schemeClr val="bg2"/>
-      </p:bgRef>
-    </p:bg>
-    <p:spTree>
-      <p:nvGrpSpPr>
-        <p:cNvPr id="1" name=""/>
-        <p:cNvGrpSpPr/>
-        <p:nvPr/>
-      </p:nvGrpSpPr>
-      <p:grpSpPr>
-        <a:xfrm>
-          <a:off x="0" y="0"/>
-          <a:ext cx="0" cy="0"/>
-          <a:chOff x="0" y="0"/>
-          <a:chExt cx="0" cy="0"/>
-        </a:xfrm>
-      </p:grpSpPr>
-      <p:sp>
-        <p:nvSpPr>
-          <p:cNvPr id="8" name="Rectangle 7"/>
-          <p:cNvSpPr/>
-          <p:nvPr/>
-        </p:nvSpPr>
-        <p:spPr>
-          <a:xfrm>
-            <a:off x="0" y="2019476"/>
-            <a:ext cx="12192000" cy="4105941"/>
-          </a:xfrm>
-          <a:prstGeom prst="rect">
-            <a:avLst/>
-          </a:prstGeom>
-          <a:gradFill flip="none" rotWithShape="1">
-            <a:gsLst>
-              <a:gs pos="0">
-                <a:schemeClr val="bg2">
-                  <a:alpha val="0"/>
-                </a:schemeClr>
-              </a:gs>
-              <a:gs pos="100000">
-                <a:schemeClr val="bg2"/>
-              </a:gs>
-            </a:gsLst>
-            <a:lin ang="5400000" scaled="0"/>
-            <a:tileRect/>
-          </a:gradFill>
-          <a:ln>
-            <a:noFill/>
-          </a:ln>
-        </p:spPr>
-        <p:style>
-          <a:lnRef idx="2">
-            <a:schemeClr val="accent1">
-              <a:shade val="50000"/>
-            </a:schemeClr>
-          </a:lnRef>
-          <a:fillRef idx="1">
-            <a:schemeClr val="accent1"/>
-          </a:fillRef>
-          <a:effectRef idx="0">
-            <a:schemeClr val="accent1"/>
-          </a:effectRef>
-          <a:fontRef idx="minor">
-            <a:schemeClr val="lt1"/>
-          </a:fontRef>
-        </p:style>
-      </p:sp>
-      <p:pic>
-        <p:nvPicPr>
-          <p:cNvPr id="7" name="Picture 6"/>
-          <p:cNvPicPr>
-            <a:picLocks noChangeAspect="1"/>
-          </p:cNvPicPr>
-          <p:nvPr/>
-        </p:nvPicPr>
-        <p:blipFill rotWithShape="1">
-          <a:blip r:embed="rId13">
-            <a:extLst>
-              <a:ext uri="{28A0092B-C50C-407E-A947-70E740481C1C}">
-                <a14:useLocalDpi xmlns:a14="http://schemas.microsoft.com/office/drawing/2010/main" val="0"/>
-              </a:ext>
-            </a:extLst>
-          </a:blip>
-          <a:srcRect t="1538" b="-1538"/>
-          <a:stretch/>
-        </p:blipFill>
-        <p:spPr bwMode="black">
-          <a:xfrm>
-            <a:off x="0" y="6126480"/>
-            <a:ext cx="12192000" cy="742950"/>
+            <a:off x="677334" y="609600"/>
+            <a:ext cx="8596668" cy="1320800"/>
           </a:xfrm>
           <a:prstGeom prst="rect">
             <a:avLst/>
           </a:prstGeom>
         </p:spPr>
-      </p:pic>
-      <p:sp>
-        <p:nvSpPr>
-          <p:cNvPr id="2" name="Title Placeholder 1"/>
-          <p:cNvSpPr>
-            <a:spLocks noGrp="1"/>
-          </p:cNvSpPr>
-          <p:nvPr>
-            <p:ph type="title"/>
+        <p:txBody>
+          <a:bodyPr vert="horz" lIns="91440" tIns="45720" rIns="91440" bIns="45720" rtlCol="0" anchor="t">
+            <a:normAutofit/>
+          </a:bodyPr>
+          <a:lstStyle/>
+          <a:p>
+            <a:r>
+              <a:rPr lang="en-US"/>
+              <a:t>Click to edit Master title style</a:t>
+            </a:r>
+            <a:endParaRPr lang="en-US" dirty="0"/>
+          </a:p>
+        </p:txBody>
+      </p:sp>
+      <p:sp>
+        <p:nvSpPr>
+          <p:cNvPr id="3" name="Text Placeholder 2"/>
+          <p:cNvSpPr>
+            <a:spLocks noGrp="1"/>
+          </p:cNvSpPr>
+          <p:nvPr>
+            <p:ph type="body" idx="1"/>
           </p:nvPr>
         </p:nvSpPr>
         <p:spPr>
           <a:xfrm>
-            <a:off x="1451579" y="804519"/>
-            <a:ext cx="9603275" cy="1049235"/>
+            <a:off x="677334" y="2160589"/>
+            <a:ext cx="8596668" cy="3880773"/>
           </a:xfrm>
           <a:prstGeom prst="rect">
             <a:avLst/>
           </a:prstGeom>
         </p:spPr>
         <p:txBody>
-          <a:bodyPr vert="horz" lIns="91440" tIns="45720" rIns="91440" bIns="45720" rtlCol="0" anchor="t">
+          <a:bodyPr vert="horz" lIns="91440" tIns="45720" rIns="91440" bIns="45720" rtlCol="0">
             <a:normAutofit/>
           </a:bodyPr>
           <a:lstStyle/>
           <a:p>
-            <a:r>
-              <a:rPr lang="en-US"/>
-              <a:t>Click to edit Master title style</a:t>
+            <a:pPr lvl="0"/>
+            <a:r>
+              <a:rPr lang="en-US"/>
+              <a:t>Click to edit Master text styles</a:t>
+            </a:r>
+          </a:p>
+          <a:p>
+            <a:pPr lvl="1"/>
+            <a:r>
+              <a:rPr lang="en-US"/>
+              <a:t>Second level</a:t>
+            </a:r>
+          </a:p>
+          <a:p>
+            <a:pPr lvl="2"/>
+            <a:r>
+              <a:rPr lang="en-US"/>
+              <a:t>Third level</a:t>
+            </a:r>
+          </a:p>
+          <a:p>
+            <a:pPr lvl="3"/>
+            <a:r>
+              <a:rPr lang="en-US"/>
+              <a:t>Fourth level</a:t>
+            </a:r>
+          </a:p>
+          <a:p>
+            <a:pPr lvl="4"/>
+            <a:r>
+              <a:rPr lang="en-US"/>
+              <a:t>Fifth level</a:t>
             </a:r>
             <a:endParaRPr lang="en-US" dirty="0"/>
           </a:p>
@@ -3054,80 +5278,59 @@
       </p:sp>
       <p:sp>
         <p:nvSpPr>
-          <p:cNvPr id="3" name="Text Placeholder 2"/>
-          <p:cNvSpPr>
-            <a:spLocks noGrp="1"/>
-          </p:cNvSpPr>
-          <p:nvPr>
-            <p:ph type="body" idx="1"/>
+          <p:cNvPr id="4" name="Date Placeholder 3"/>
+          <p:cNvSpPr>
+            <a:spLocks noGrp="1"/>
+          </p:cNvSpPr>
+          <p:nvPr>
+            <p:ph type="dt" sz="half" idx="2"/>
           </p:nvPr>
         </p:nvSpPr>
         <p:spPr>
           <a:xfrm>
-            <a:off x="1451579" y="2015732"/>
-            <a:ext cx="9603275" cy="3450613"/>
+            <a:off x="7205133" y="6041362"/>
+            <a:ext cx="911939" cy="365125"/>
           </a:xfrm>
           <a:prstGeom prst="rect">
             <a:avLst/>
           </a:prstGeom>
         </p:spPr>
         <p:txBody>
-          <a:bodyPr vert="horz" lIns="91440" tIns="45720" rIns="91440" bIns="45720" rtlCol="0">
-            <a:normAutofit/>
-          </a:bodyPr>
-          <a:lstStyle/>
-          <a:p>
-            <a:pPr lvl="0"/>
-            <a:r>
-              <a:rPr lang="en-US"/>
-              <a:t>Click to edit Master text styles</a:t>
-            </a:r>
-          </a:p>
-          <a:p>
-            <a:pPr lvl="1"/>
-            <a:r>
-              <a:rPr lang="en-US"/>
-              <a:t>Second level</a:t>
-            </a:r>
-          </a:p>
-          <a:p>
-            <a:pPr lvl="2"/>
-            <a:r>
-              <a:rPr lang="en-US"/>
-              <a:t>Third level</a:t>
-            </a:r>
-          </a:p>
-          <a:p>
-            <a:pPr lvl="3"/>
-            <a:r>
-              <a:rPr lang="en-US"/>
-              <a:t>Fourth level</a:t>
-            </a:r>
-          </a:p>
-          <a:p>
-            <a:pPr lvl="4"/>
-            <a:r>
-              <a:rPr lang="en-US"/>
-              <a:t>Fifth level</a:t>
-            </a:r>
-            <a:endParaRPr lang="en-US" dirty="0"/>
-          </a:p>
-        </p:txBody>
-      </p:sp>
-      <p:sp>
-        <p:nvSpPr>
-          <p:cNvPr id="4" name="Date Placeholder 3"/>
-          <p:cNvSpPr>
-            <a:spLocks noGrp="1"/>
-          </p:cNvSpPr>
-          <p:nvPr>
-            <p:ph type="dt" sz="half" idx="2"/>
+          <a:bodyPr vert="horz" lIns="91440" tIns="45720" rIns="91440" bIns="45720" rtlCol="0" anchor="ctr"/>
+          <a:lstStyle>
+            <a:lvl1pPr algn="r">
+              <a:defRPr sz="900">
+                <a:solidFill>
+                  <a:schemeClr val="tx1">
+                    <a:tint val="75000"/>
+                  </a:schemeClr>
+                </a:solidFill>
+              </a:defRPr>
+            </a:lvl1pPr>
+          </a:lstStyle>
+          <a:p>
+            <a:fld id="{AA69BB30-8325-4345-8DFA-998A30CB2488}" type="datetimeFigureOut">
+              <a:rPr lang="en-US" smtClean="0"/>
+              <a:t>9/9/2025</a:t>
+            </a:fld>
+            <a:endParaRPr lang="en-US"/>
+          </a:p>
+        </p:txBody>
+      </p:sp>
+      <p:sp>
+        <p:nvSpPr>
+          <p:cNvPr id="5" name="Footer Placeholder 4"/>
+          <p:cNvSpPr>
+            <a:spLocks noGrp="1"/>
+          </p:cNvSpPr>
+          <p:nvPr>
+            <p:ph type="ftr" sz="quarter" idx="3"/>
           </p:nvPr>
         </p:nvSpPr>
         <p:spPr>
           <a:xfrm>
-            <a:off x="7554138" y="330370"/>
-            <a:ext cx="3500715" cy="309201"/>
+            <a:off x="677334" y="6041362"/>
+            <a:ext cx="6297612" cy="365125"/>
           </a:xfrm>
           <a:prstGeom prst="rect">
             <a:avLst/>
@@ -3136,8 +5339,8 @@
         <p:txBody>
           <a:bodyPr vert="horz" lIns="91440" tIns="45720" rIns="91440" bIns="45720" rtlCol="0" anchor="ctr"/>
           <a:lstStyle>
-            <a:lvl1pPr algn="r">
-              <a:defRPr sz="1000">
+            <a:lvl1pPr algn="l">
+              <a:defRPr sz="900">
                 <a:solidFill>
                   <a:schemeClr val="tx1">
                     <a:tint val="75000"/>
@@ -3147,28 +5350,24 @@
             </a:lvl1pPr>
           </a:lstStyle>
           <a:p>
-            <a:fld id="{DE1C6FF9-766B-4EA1-9B55-0A10F93297C0}" type="datetimeFigureOut">
-              <a:rPr lang="en-US" smtClean="0"/>
-              <a:t>9/9/2025</a:t>
-            </a:fld>
             <a:endParaRPr lang="en-US"/>
           </a:p>
         </p:txBody>
       </p:sp>
       <p:sp>
         <p:nvSpPr>
-          <p:cNvPr id="5" name="Footer Placeholder 4"/>
-          <p:cNvSpPr>
-            <a:spLocks noGrp="1"/>
-          </p:cNvSpPr>
-          <p:nvPr>
-            <p:ph type="ftr" sz="quarter" idx="3"/>
+          <p:cNvPr id="6" name="Slide Number Placeholder 5"/>
+          <p:cNvSpPr>
+            <a:spLocks noGrp="1"/>
+          </p:cNvSpPr>
+          <p:nvPr>
+            <p:ph type="sldNum" sz="quarter" idx="4"/>
           </p:nvPr>
         </p:nvSpPr>
         <p:spPr>
           <a:xfrm>
-            <a:off x="1451579" y="329307"/>
-            <a:ext cx="5938836" cy="309201"/>
+            <a:off x="8590663" y="6041362"/>
+            <a:ext cx="683339" cy="365125"/>
           </a:xfrm>
           <a:prstGeom prst="rect">
             <a:avLst/>
@@ -3177,53 +5376,16 @@
         <p:txBody>
           <a:bodyPr vert="horz" lIns="91440" tIns="45720" rIns="91440" bIns="45720" rtlCol="0" anchor="ctr"/>
           <a:lstStyle>
-            <a:lvl1pPr algn="l">
-              <a:defRPr sz="1000">
-                <a:solidFill>
-                  <a:schemeClr val="tx1">
-                    <a:tint val="75000"/>
-                  </a:schemeClr>
+            <a:lvl1pPr algn="r">
+              <a:defRPr sz="900">
+                <a:solidFill>
+                  <a:schemeClr val="accent1"/>
                 </a:solidFill>
               </a:defRPr>
             </a:lvl1pPr>
           </a:lstStyle>
           <a:p>
-            <a:endParaRPr lang="en-US"/>
-          </a:p>
-        </p:txBody>
-      </p:sp>
-      <p:sp>
-        <p:nvSpPr>
-          <p:cNvPr id="6" name="Slide Number Placeholder 5"/>
-          <p:cNvSpPr>
-            <a:spLocks noGrp="1"/>
-          </p:cNvSpPr>
-          <p:nvPr>
-            <p:ph type="sldNum" sz="quarter" idx="4"/>
-          </p:nvPr>
-        </p:nvSpPr>
-        <p:spPr>
-          <a:xfrm>
-            <a:off x="480060" y="798973"/>
-            <a:ext cx="811019" cy="503578"/>
-          </a:xfrm>
-          <a:prstGeom prst="rect">
-            <a:avLst/>
-          </a:prstGeom>
-        </p:spPr>
-        <p:txBody>
-          <a:bodyPr vert="horz" lIns="91440" tIns="45720" rIns="91440" bIns="45720" rtlCol="0" anchor="t"/>
-          <a:lstStyle>
-            <a:lvl1pPr algn="r">
-              <a:defRPr sz="2800">
-                <a:solidFill>
-                  <a:schemeClr val="accent1"/>
-                </a:solidFill>
-              </a:defRPr>
-            </a:lvl1pPr>
-          </a:lstStyle>
-          <a:p>
-            <a:fld id="{1E7C8104-74DF-45D5-8E3E-59CA042D9238}" type="slidenum">
+            <a:fld id="{FDFB9C32-4155-43F0-9D69-97C79EB91DC0}" type="slidenum">
               <a:rPr lang="en-US" smtClean="0"/>
               <a:t>‹#›</a:t>
             </a:fld>
@@ -3231,288 +5393,326 @@
           </a:p>
         </p:txBody>
       </p:sp>
-      <p:cxnSp>
-        <p:nvCxnSpPr>
-          <p:cNvPr id="10" name="Straight Connector 9"/>
-          <p:cNvCxnSpPr/>
-          <p:nvPr/>
-        </p:nvCxnSpPr>
-        <p:spPr>
-          <a:xfrm>
-            <a:off x="0" y="6128413"/>
-            <a:ext cx="12192000" cy="0"/>
-          </a:xfrm>
-          <a:prstGeom prst="line">
-            <a:avLst/>
-          </a:prstGeom>
-          <a:ln w="12700">
-            <a:solidFill>
-              <a:srgbClr val="000001">
-                <a:alpha val="20000"/>
-              </a:srgbClr>
-            </a:solidFill>
-          </a:ln>
-        </p:spPr>
-        <p:style>
-          <a:lnRef idx="1">
-            <a:schemeClr val="accent1"/>
-          </a:lnRef>
-          <a:fillRef idx="0">
-            <a:schemeClr val="accent1"/>
-          </a:fillRef>
-          <a:effectRef idx="0">
-            <a:schemeClr val="accent1"/>
-          </a:effectRef>
-          <a:fontRef idx="minor">
-            <a:schemeClr val="tx1"/>
-          </a:fontRef>
-        </p:style>
-      </p:cxnSp>
     </p:spTree>
     <p:extLst>
       <p:ext uri="{BB962C8B-B14F-4D97-AF65-F5344CB8AC3E}">
-        <p14:creationId xmlns:p14="http://schemas.microsoft.com/office/powerpoint/2010/main" val="3255302400"/>
+        <p14:creationId xmlns:p14="http://schemas.microsoft.com/office/powerpoint/2010/main" val="3667853746"/>
       </p:ext>
     </p:extLst>
   </p:cSld>
   <p:clrMap bg1="lt1" tx1="dk1" bg2="lt2" tx2="dk2" accent1="accent1" accent2="accent2" accent3="accent3" accent4="accent4" accent5="accent5" accent6="accent6" hlink="hlink" folHlink="folHlink"/>
   <p:sldLayoutIdLst>
-    <p:sldLayoutId id="2147483661" r:id="rId1"/>
-    <p:sldLayoutId id="2147483662" r:id="rId2"/>
-    <p:sldLayoutId id="2147483663" r:id="rId3"/>
-    <p:sldLayoutId id="2147483664" r:id="rId4"/>
-    <p:sldLayoutId id="2147483665" r:id="rId5"/>
-    <p:sldLayoutId id="2147483666" r:id="rId6"/>
-    <p:sldLayoutId id="2147483667" r:id="rId7"/>
-    <p:sldLayoutId id="2147483668" r:id="rId8"/>
-    <p:sldLayoutId id="2147483669" r:id="rId9"/>
-    <p:sldLayoutId id="2147483670" r:id="rId10"/>
-    <p:sldLayoutId id="2147483671" r:id="rId11"/>
+    <p:sldLayoutId id="2147483691" r:id="rId1"/>
+    <p:sldLayoutId id="2147483692" r:id="rId2"/>
+    <p:sldLayoutId id="2147483693" r:id="rId3"/>
+    <p:sldLayoutId id="2147483694" r:id="rId4"/>
+    <p:sldLayoutId id="2147483695" r:id="rId5"/>
+    <p:sldLayoutId id="2147483696" r:id="rId6"/>
+    <p:sldLayoutId id="2147483697" r:id="rId7"/>
+    <p:sldLayoutId id="2147483698" r:id="rId8"/>
+    <p:sldLayoutId id="2147483699" r:id="rId9"/>
+    <p:sldLayoutId id="2147483700" r:id="rId10"/>
+    <p:sldLayoutId id="2147483701" r:id="rId11"/>
+    <p:sldLayoutId id="2147483702" r:id="rId12"/>
+    <p:sldLayoutId id="2147483703" r:id="rId13"/>
+    <p:sldLayoutId id="2147483704" r:id="rId14"/>
+    <p:sldLayoutId id="2147483705" r:id="rId15"/>
+    <p:sldLayoutId id="2147483706" r:id="rId16"/>
   </p:sldLayoutIdLst>
   <p:txStyles>
     <p:titleStyle>
-      <a:lvl1pPr algn="l" defTabSz="914400" rtl="0" eaLnBrk="1" latinLnBrk="0" hangingPunct="1">
-        <a:lnSpc>
-          <a:spcPct val="90000"/>
-        </a:lnSpc>
+      <a:lvl1pPr algn="l" defTabSz="457200" rtl="0" eaLnBrk="1" latinLnBrk="0" hangingPunct="1">
         <a:spcBef>
           <a:spcPct val="0"/>
         </a:spcBef>
         <a:buNone/>
-        <a:defRPr sz="3200" b="0" i="0" kern="1200" cap="all">
+        <a:defRPr sz="3600" kern="1200">
           <a:solidFill>
-            <a:schemeClr val="tx1"/>
+            <a:schemeClr val="accent1"/>
           </a:solidFill>
-          <a:effectLst/>
           <a:latin typeface="+mj-lt"/>
           <a:ea typeface="+mj-ea"/>
           <a:cs typeface="+mj-cs"/>
         </a:defRPr>
       </a:lvl1pPr>
+      <a:lvl2pPr eaLnBrk="1" hangingPunct="1">
+        <a:defRPr>
+          <a:solidFill>
+            <a:schemeClr val="tx2"/>
+          </a:solidFill>
+        </a:defRPr>
+      </a:lvl2pPr>
+      <a:lvl3pPr eaLnBrk="1" hangingPunct="1">
+        <a:defRPr>
+          <a:solidFill>
+            <a:schemeClr val="tx2"/>
+          </a:solidFill>
+        </a:defRPr>
+      </a:lvl3pPr>
+      <a:lvl4pPr eaLnBrk="1" hangingPunct="1">
+        <a:defRPr>
+          <a:solidFill>
+            <a:schemeClr val="tx2"/>
+          </a:solidFill>
+        </a:defRPr>
+      </a:lvl4pPr>
+      <a:lvl5pPr eaLnBrk="1" hangingPunct="1">
+        <a:defRPr>
+          <a:solidFill>
+            <a:schemeClr val="tx2"/>
+          </a:solidFill>
+        </a:defRPr>
+      </a:lvl5pPr>
+      <a:lvl6pPr eaLnBrk="1" hangingPunct="1">
+        <a:defRPr>
+          <a:solidFill>
+            <a:schemeClr val="tx2"/>
+          </a:solidFill>
+        </a:defRPr>
+      </a:lvl6pPr>
+      <a:lvl7pPr eaLnBrk="1" hangingPunct="1">
+        <a:defRPr>
+          <a:solidFill>
+            <a:schemeClr val="tx2"/>
+          </a:solidFill>
+        </a:defRPr>
+      </a:lvl7pPr>
+      <a:lvl8pPr eaLnBrk="1" hangingPunct="1">
+        <a:defRPr>
+          <a:solidFill>
+            <a:schemeClr val="tx2"/>
+          </a:solidFill>
+        </a:defRPr>
+      </a:lvl8pPr>
+      <a:lvl9pPr eaLnBrk="1" hangingPunct="1">
+        <a:defRPr>
+          <a:solidFill>
+            <a:schemeClr val="tx2"/>
+          </a:solidFill>
+        </a:defRPr>
+      </a:lvl9pPr>
     </p:titleStyle>
     <p:bodyStyle>
-      <a:lvl1pPr marL="228600" indent="-228600" algn="l" defTabSz="914400" rtl="0" eaLnBrk="1" latinLnBrk="0" hangingPunct="1">
-        <a:lnSpc>
-          <a:spcPct val="120000"/>
-        </a:lnSpc>
+      <a:lvl1pPr marL="342900" indent="-342900" algn="l" defTabSz="457200" rtl="0" eaLnBrk="1" latinLnBrk="0" hangingPunct="1">
         <a:spcBef>
           <a:spcPts val="1000"/>
         </a:spcBef>
+        <a:spcAft>
+          <a:spcPts val="0"/>
+        </a:spcAft>
         <a:buClr>
           <a:schemeClr val="accent1"/>
         </a:buClr>
-        <a:buSzPct val="100000"/>
-        <a:buFont typeface="Arial" panose="020B0604020202020204" pitchFamily="34" charset="0"/>
-        <a:buChar char="•"/>
-        <a:defRPr sz="2000" kern="1200">
+        <a:buSzPct val="80000"/>
+        <a:buFont typeface="Wingdings 3" charset="2"/>
+        <a:buChar char=""/>
+        <a:defRPr sz="1800" kern="1200">
           <a:solidFill>
-            <a:schemeClr val="tx1"/>
+            <a:schemeClr val="tx1">
+              <a:lumMod val="75000"/>
+              <a:lumOff val="25000"/>
+            </a:schemeClr>
           </a:solidFill>
-          <a:effectLst/>
           <a:latin typeface="+mn-lt"/>
           <a:ea typeface="+mn-ea"/>
           <a:cs typeface="+mn-cs"/>
         </a:defRPr>
       </a:lvl1pPr>
-      <a:lvl2pPr marL="685800" indent="-228600" algn="l" defTabSz="914400" rtl="0" eaLnBrk="1" latinLnBrk="0" hangingPunct="1">
-        <a:lnSpc>
-          <a:spcPct val="120000"/>
-        </a:lnSpc>
+      <a:lvl2pPr marL="742950" indent="-285750" algn="l" defTabSz="457200" rtl="0" eaLnBrk="1" latinLnBrk="0" hangingPunct="1">
         <a:spcBef>
-          <a:spcPts val="500"/>
+          <a:spcPts val="1000"/>
         </a:spcBef>
+        <a:spcAft>
+          <a:spcPts val="0"/>
+        </a:spcAft>
         <a:buClr>
           <a:schemeClr val="accent1"/>
         </a:buClr>
-        <a:buSzPct val="100000"/>
-        <a:buFont typeface="Arial" panose="020B0604020202020204" pitchFamily="34" charset="0"/>
-        <a:buChar char="•"/>
-        <a:defRPr sz="1800" kern="1200" cap="none" baseline="0">
+        <a:buSzPct val="80000"/>
+        <a:buFont typeface="Wingdings 3" charset="2"/>
+        <a:buChar char=""/>
+        <a:defRPr sz="1600" kern="1200">
           <a:solidFill>
-            <a:schemeClr val="tx1"/>
+            <a:schemeClr val="tx1">
+              <a:lumMod val="75000"/>
+              <a:lumOff val="25000"/>
+            </a:schemeClr>
           </a:solidFill>
-          <a:effectLst/>
           <a:latin typeface="+mn-lt"/>
           <a:ea typeface="+mn-ea"/>
           <a:cs typeface="+mn-cs"/>
         </a:defRPr>
       </a:lvl2pPr>
-      <a:lvl3pPr marL="1143000" indent="-228600" algn="l" defTabSz="914400" rtl="0" eaLnBrk="1" latinLnBrk="0" hangingPunct="1">
-        <a:lnSpc>
-          <a:spcPct val="120000"/>
-        </a:lnSpc>
+      <a:lvl3pPr marL="1143000" indent="-228600" algn="l" defTabSz="457200" rtl="0" eaLnBrk="1" latinLnBrk="0" hangingPunct="1">
         <a:spcBef>
-          <a:spcPts val="500"/>
+          <a:spcPts val="1000"/>
         </a:spcBef>
+        <a:spcAft>
+          <a:spcPts val="0"/>
+        </a:spcAft>
         <a:buClr>
           <a:schemeClr val="accent1"/>
         </a:buClr>
-        <a:buSzPct val="100000"/>
-        <a:buFont typeface="Arial" panose="020B0604020202020204" pitchFamily="34" charset="0"/>
-        <a:buChar char="•"/>
-        <a:defRPr sz="1600" kern="1200">
+        <a:buSzPct val="80000"/>
+        <a:buFont typeface="Wingdings 3" charset="2"/>
+        <a:buChar char=""/>
+        <a:defRPr sz="1400" kern="1200">
           <a:solidFill>
-            <a:schemeClr val="tx1"/>
+            <a:schemeClr val="tx1">
+              <a:lumMod val="75000"/>
+              <a:lumOff val="25000"/>
+            </a:schemeClr>
           </a:solidFill>
-          <a:effectLst/>
           <a:latin typeface="+mn-lt"/>
           <a:ea typeface="+mn-ea"/>
           <a:cs typeface="+mn-cs"/>
         </a:defRPr>
       </a:lvl3pPr>
-      <a:lvl4pPr marL="1600200" indent="-228600" algn="l" defTabSz="914400" rtl="0" eaLnBrk="1" latinLnBrk="0" hangingPunct="1">
-        <a:lnSpc>
-          <a:spcPct val="120000"/>
-        </a:lnSpc>
+      <a:lvl4pPr marL="1600200" indent="-228600" algn="l" defTabSz="457200" rtl="0" eaLnBrk="1" latinLnBrk="0" hangingPunct="1">
         <a:spcBef>
-          <a:spcPts val="500"/>
+          <a:spcPts val="1000"/>
         </a:spcBef>
+        <a:spcAft>
+          <a:spcPts val="0"/>
+        </a:spcAft>
         <a:buClr>
           <a:schemeClr val="accent1"/>
         </a:buClr>
-        <a:buSzPct val="100000"/>
-        <a:buFont typeface="Arial" panose="020B0604020202020204" pitchFamily="34" charset="0"/>
-        <a:buChar char="•"/>
-        <a:defRPr sz="1400" kern="1200" cap="none" baseline="0">
+        <a:buSzPct val="80000"/>
+        <a:buFont typeface="Wingdings 3" charset="2"/>
+        <a:buChar char=""/>
+        <a:defRPr sz="1200" kern="1200">
           <a:solidFill>
-            <a:schemeClr val="tx1"/>
+            <a:schemeClr val="tx1">
+              <a:lumMod val="75000"/>
+              <a:lumOff val="25000"/>
+            </a:schemeClr>
           </a:solidFill>
-          <a:effectLst/>
           <a:latin typeface="+mn-lt"/>
           <a:ea typeface="+mn-ea"/>
           <a:cs typeface="+mn-cs"/>
         </a:defRPr>
       </a:lvl4pPr>
-      <a:lvl5pPr marL="2057400" indent="-228600" algn="l" defTabSz="914400" rtl="0" eaLnBrk="1" latinLnBrk="0" hangingPunct="1">
-        <a:lnSpc>
-          <a:spcPct val="120000"/>
-        </a:lnSpc>
+      <a:lvl5pPr marL="2057400" indent="-228600" algn="l" defTabSz="457200" rtl="0" eaLnBrk="1" latinLnBrk="0" hangingPunct="1">
         <a:spcBef>
-          <a:spcPts val="500"/>
+          <a:spcPts val="1000"/>
         </a:spcBef>
+        <a:spcAft>
+          <a:spcPts val="0"/>
+        </a:spcAft>
         <a:buClr>
           <a:schemeClr val="accent1"/>
         </a:buClr>
-        <a:buSzPct val="100000"/>
-        <a:buFont typeface="Arial" panose="020B0604020202020204" pitchFamily="34" charset="0"/>
-        <a:buChar char="•"/>
+        <a:buSzPct val="80000"/>
+        <a:buFont typeface="Wingdings 3" charset="2"/>
+        <a:buChar char=""/>
         <a:defRPr sz="1200" kern="1200">
           <a:solidFill>
-            <a:schemeClr val="tx1"/>
+            <a:schemeClr val="tx1">
+              <a:lumMod val="75000"/>
+              <a:lumOff val="25000"/>
+            </a:schemeClr>
           </a:solidFill>
-          <a:effectLst/>
           <a:latin typeface="+mn-lt"/>
           <a:ea typeface="+mn-ea"/>
           <a:cs typeface="+mn-cs"/>
         </a:defRPr>
       </a:lvl5pPr>
-      <a:lvl6pPr marL="2514600" indent="-228600" algn="l" defTabSz="914400" rtl="0" eaLnBrk="1" latinLnBrk="0" hangingPunct="1">
-        <a:lnSpc>
-          <a:spcPct val="120000"/>
-        </a:lnSpc>
+      <a:lvl6pPr marL="2514600" indent="-228600" algn="l" defTabSz="457200" rtl="0" eaLnBrk="1" latinLnBrk="0" hangingPunct="1">
         <a:spcBef>
-          <a:spcPts val="500"/>
+          <a:spcPts val="1000"/>
         </a:spcBef>
+        <a:spcAft>
+          <a:spcPts val="0"/>
+        </a:spcAft>
         <a:buClr>
           <a:schemeClr val="accent1"/>
         </a:buClr>
-        <a:buSzPct val="100000"/>
-        <a:buFont typeface="Arial" panose="020B0604020202020204" pitchFamily="34" charset="0"/>
-        <a:buChar char="•"/>
+        <a:buSzPct val="80000"/>
+        <a:buFont typeface="Wingdings 3" charset="2"/>
+        <a:buChar char=""/>
         <a:defRPr sz="1200" kern="1200">
           <a:solidFill>
-            <a:schemeClr val="tx1"/>
+            <a:schemeClr val="tx1">
+              <a:lumMod val="75000"/>
+              <a:lumOff val="25000"/>
+            </a:schemeClr>
           </a:solidFill>
-          <a:effectLst/>
           <a:latin typeface="+mn-lt"/>
           <a:ea typeface="+mn-ea"/>
           <a:cs typeface="+mn-cs"/>
         </a:defRPr>
       </a:lvl6pPr>
-      <a:lvl7pPr marL="2971800" indent="-228600" algn="l" defTabSz="914400" rtl="0" eaLnBrk="1" latinLnBrk="0" hangingPunct="1">
-        <a:lnSpc>
-          <a:spcPct val="120000"/>
-        </a:lnSpc>
+      <a:lvl7pPr marL="2971800" indent="-228600" algn="l" defTabSz="457200" rtl="0" eaLnBrk="1" latinLnBrk="0" hangingPunct="1">
         <a:spcBef>
-          <a:spcPts val="500"/>
+          <a:spcPts val="1000"/>
         </a:spcBef>
+        <a:spcAft>
+          <a:spcPts val="0"/>
+        </a:spcAft>
         <a:buClr>
           <a:schemeClr val="accent1"/>
         </a:buClr>
-        <a:buSzPct val="100000"/>
-        <a:buFont typeface="Arial" panose="020B0604020202020204" pitchFamily="34" charset="0"/>
-        <a:buChar char="•"/>
+        <a:buSzPct val="80000"/>
+        <a:buFont typeface="Wingdings 3" charset="2"/>
+        <a:buChar char=""/>
         <a:defRPr sz="1200" kern="1200">
           <a:solidFill>
-            <a:schemeClr val="tx1"/>
+            <a:schemeClr val="tx1">
+              <a:lumMod val="75000"/>
+              <a:lumOff val="25000"/>
+            </a:schemeClr>
           </a:solidFill>
-          <a:effectLst/>
           <a:latin typeface="+mn-lt"/>
           <a:ea typeface="+mn-ea"/>
           <a:cs typeface="+mn-cs"/>
         </a:defRPr>
       </a:lvl7pPr>
-      <a:lvl8pPr marL="3429000" indent="-228600" algn="l" defTabSz="914400" rtl="0" eaLnBrk="1" latinLnBrk="0" hangingPunct="1">
-        <a:lnSpc>
-          <a:spcPct val="120000"/>
-        </a:lnSpc>
+      <a:lvl8pPr marL="3429000" indent="-228600" algn="l" defTabSz="457200" rtl="0" eaLnBrk="1" latinLnBrk="0" hangingPunct="1">
         <a:spcBef>
-          <a:spcPts val="500"/>
+          <a:spcPts val="1000"/>
         </a:spcBef>
+        <a:spcAft>
+          <a:spcPts val="0"/>
+        </a:spcAft>
         <a:buClr>
           <a:schemeClr val="accent1"/>
         </a:buClr>
-        <a:buSzPct val="100000"/>
-        <a:buFont typeface="Arial" panose="020B0604020202020204" pitchFamily="34" charset="0"/>
-        <a:buChar char="•"/>
-        <a:defRPr sz="1200" kern="1200" baseline="0">
+        <a:buSzPct val="80000"/>
+        <a:buFont typeface="Wingdings 3" charset="2"/>
+        <a:buChar char=""/>
+        <a:defRPr sz="1200" kern="1200">
           <a:solidFill>
-            <a:schemeClr val="tx1"/>
+            <a:schemeClr val="tx1">
+              <a:lumMod val="75000"/>
+              <a:lumOff val="25000"/>
+            </a:schemeClr>
           </a:solidFill>
-          <a:effectLst/>
           <a:latin typeface="+mn-lt"/>
           <a:ea typeface="+mn-ea"/>
           <a:cs typeface="+mn-cs"/>
         </a:defRPr>
       </a:lvl8pPr>
-      <a:lvl9pPr marL="3886200" indent="-228600" algn="l" defTabSz="914400" rtl="0" eaLnBrk="1" latinLnBrk="0" hangingPunct="1">
-        <a:lnSpc>
-          <a:spcPct val="120000"/>
-        </a:lnSpc>
+      <a:lvl9pPr marL="3886200" indent="-228600" algn="l" defTabSz="457200" rtl="0" eaLnBrk="1" latinLnBrk="0" hangingPunct="1">
         <a:spcBef>
-          <a:spcPts val="500"/>
+          <a:spcPts val="1000"/>
         </a:spcBef>
+        <a:spcAft>
+          <a:spcPts val="0"/>
+        </a:spcAft>
         <a:buClr>
           <a:schemeClr val="accent1"/>
         </a:buClr>
-        <a:buSzPct val="100000"/>
-        <a:buFont typeface="Arial" panose="020B0604020202020204" pitchFamily="34" charset="0"/>
-        <a:buChar char="•"/>
-        <a:defRPr sz="1200" kern="1200" baseline="0">
+        <a:buSzPct val="80000"/>
+        <a:buFont typeface="Wingdings 3" charset="2"/>
+        <a:buChar char=""/>
+        <a:defRPr sz="1200" kern="1200">
           <a:solidFill>
-            <a:schemeClr val="tx1"/>
+            <a:schemeClr val="tx1">
+              <a:lumMod val="75000"/>
+              <a:lumOff val="25000"/>
+            </a:schemeClr>
           </a:solidFill>
-          <a:effectLst/>
           <a:latin typeface="+mn-lt"/>
           <a:ea typeface="+mn-ea"/>
           <a:cs typeface="+mn-cs"/>
@@ -3523,7 +5723,7 @@
       <a:defPPr>
         <a:defRPr lang="en-US"/>
       </a:defPPr>
-      <a:lvl1pPr marL="0" algn="l" defTabSz="914400" rtl="0" eaLnBrk="1" latinLnBrk="0" hangingPunct="1">
+      <a:lvl1pPr marL="0" algn="l" defTabSz="457200" rtl="0" eaLnBrk="1" latinLnBrk="0" hangingPunct="1">
         <a:defRPr sz="1800" kern="1200">
           <a:solidFill>
             <a:schemeClr val="tx1"/>
@@ -3533,7 +5733,7 @@
           <a:cs typeface="+mn-cs"/>
         </a:defRPr>
       </a:lvl1pPr>
-      <a:lvl2pPr marL="457200" algn="l" defTabSz="914400" rtl="0" eaLnBrk="1" latinLnBrk="0" hangingPunct="1">
+      <a:lvl2pPr marL="457200" algn="l" defTabSz="457200" rtl="0" eaLnBrk="1" latinLnBrk="0" hangingPunct="1">
         <a:defRPr sz="1800" kern="1200">
           <a:solidFill>
             <a:schemeClr val="tx1"/>
@@ -3543,7 +5743,7 @@
           <a:cs typeface="+mn-cs"/>
         </a:defRPr>
       </a:lvl2pPr>
-      <a:lvl3pPr marL="914400" algn="l" defTabSz="914400" rtl="0" eaLnBrk="1" latinLnBrk="0" hangingPunct="1">
+      <a:lvl3pPr marL="914400" algn="l" defTabSz="457200" rtl="0" eaLnBrk="1" latinLnBrk="0" hangingPunct="1">
         <a:defRPr sz="1800" kern="1200">
           <a:solidFill>
             <a:schemeClr val="tx1"/>
@@ -3553,7 +5753,7 @@
           <a:cs typeface="+mn-cs"/>
         </a:defRPr>
       </a:lvl3pPr>
-      <a:lvl4pPr marL="1371600" algn="l" defTabSz="914400" rtl="0" eaLnBrk="1" latinLnBrk="0" hangingPunct="1">
+      <a:lvl4pPr marL="1371600" algn="l" defTabSz="457200" rtl="0" eaLnBrk="1" latinLnBrk="0" hangingPunct="1">
         <a:defRPr sz="1800" kern="1200">
           <a:solidFill>
             <a:schemeClr val="tx1"/>
@@ -3563,7 +5763,7 @@
           <a:cs typeface="+mn-cs"/>
         </a:defRPr>
       </a:lvl4pPr>
-      <a:lvl5pPr marL="1828800" algn="l" defTabSz="914400" rtl="0" eaLnBrk="1" latinLnBrk="0" hangingPunct="1">
+      <a:lvl5pPr marL="1828800" algn="l" defTabSz="457200" rtl="0" eaLnBrk="1" latinLnBrk="0" hangingPunct="1">
         <a:defRPr sz="1800" kern="1200">
           <a:solidFill>
             <a:schemeClr val="tx1"/>
@@ -3573,7 +5773,7 @@
           <a:cs typeface="+mn-cs"/>
         </a:defRPr>
       </a:lvl5pPr>
-      <a:lvl6pPr marL="2286000" algn="l" defTabSz="914400" rtl="0" eaLnBrk="1" latinLnBrk="0" hangingPunct="1">
+      <a:lvl6pPr marL="2286000" algn="l" defTabSz="457200" rtl="0" eaLnBrk="1" latinLnBrk="0" hangingPunct="1">
         <a:defRPr sz="1800" kern="1200">
           <a:solidFill>
             <a:schemeClr val="tx1"/>
@@ -3583,7 +5783,7 @@
           <a:cs typeface="+mn-cs"/>
         </a:defRPr>
       </a:lvl6pPr>
-      <a:lvl7pPr marL="2743200" algn="l" defTabSz="914400" rtl="0" eaLnBrk="1" latinLnBrk="0" hangingPunct="1">
+      <a:lvl7pPr marL="2743200" algn="l" defTabSz="457200" rtl="0" eaLnBrk="1" latinLnBrk="0" hangingPunct="1">
         <a:defRPr sz="1800" kern="1200">
           <a:solidFill>
             <a:schemeClr val="tx1"/>
@@ -3593,7 +5793,7 @@
           <a:cs typeface="+mn-cs"/>
         </a:defRPr>
       </a:lvl7pPr>
-      <a:lvl8pPr marL="3200400" algn="l" defTabSz="914400" rtl="0" eaLnBrk="1" latinLnBrk="0" hangingPunct="1">
+      <a:lvl8pPr marL="3200400" algn="l" defTabSz="457200" rtl="0" eaLnBrk="1" latinLnBrk="0" hangingPunct="1">
         <a:defRPr sz="1800" kern="1200">
           <a:solidFill>
             <a:schemeClr val="tx1"/>
@@ -3603,7 +5803,7 @@
           <a:cs typeface="+mn-cs"/>
         </a:defRPr>
       </a:lvl8pPr>
-      <a:lvl9pPr marL="3657600" algn="l" defTabSz="914400" rtl="0" eaLnBrk="1" latinLnBrk="0" hangingPunct="1">
+      <a:lvl9pPr marL="3657600" algn="l" defTabSz="457200" rtl="0" eaLnBrk="1" latinLnBrk="0" hangingPunct="1">
         <a:defRPr sz="1800" kern="1200">
           <a:solidFill>
             <a:schemeClr val="tx1"/>
@@ -3640,7 +5840,7 @@
           <p:cNvPr id="2" name="Title 1">
             <a:extLst>
               <a:ext uri="{FF2B5EF4-FFF2-40B4-BE49-F238E27FC236}">
-                <a16:creationId xmlns:a16="http://schemas.microsoft.com/office/drawing/2014/main" id="{4DE08930-B1F3-9580-5A41-FA20B9F8A517}"/>
+                <a16:creationId xmlns:a16="http://schemas.microsoft.com/office/drawing/2014/main" id="{AC10EDF4-686F-F8EB-286F-3FC8FB789068}"/>
               </a:ext>
             </a:extLst>
           </p:cNvPr>
@@ -3665,7 +5865,7 @@
           <p:cNvPr id="3" name="Subtitle 2">
             <a:extLst>
               <a:ext uri="{FF2B5EF4-FFF2-40B4-BE49-F238E27FC236}">
-                <a16:creationId xmlns:a16="http://schemas.microsoft.com/office/drawing/2014/main" id="{105BC44C-7424-1410-6FA6-68B5CD87FB9D}"/>
+                <a16:creationId xmlns:a16="http://schemas.microsoft.com/office/drawing/2014/main" id="{D29FF052-96FD-5FE1-B187-2C0A35ACF5CA}"/>
               </a:ext>
             </a:extLst>
           </p:cNvPr>
@@ -3688,7 +5888,7 @@
     </p:spTree>
     <p:extLst>
       <p:ext uri="{BB962C8B-B14F-4D97-AF65-F5344CB8AC3E}">
-        <p14:creationId xmlns:p14="http://schemas.microsoft.com/office/powerpoint/2010/main" val="1374697320"/>
+        <p14:creationId xmlns:p14="http://schemas.microsoft.com/office/powerpoint/2010/main" val="1947262446"/>
       </p:ext>
     </p:extLst>
   </p:cSld>
@@ -3724,7 +5924,7 @@
           <a:lstStyle/>
           <a:p>
             <a:r>
-              <a:t>Slide 8: Future Directions of Machine Learning</a:t>
+              <a:t>International Cooperation</a:t>
             </a:r>
           </a:p>
         </p:txBody>
@@ -3741,66 +5941,26 @@
         </p:nvSpPr>
         <p:spPr/>
         <p:txBody>
-          <a:bodyPr/>
-          <a:lstStyle/>
-          <a:p>
-            <a:r>
-              <a:t>• **Explainable AI (XAI)**</a:t>
-            </a:r>
-          </a:p>
-          <a:p>
-            <a:r>
-              <a:t>• Definition: Develops techniques to explain model decisions.</a:t>
-            </a:r>
-          </a:p>
-          <a:p>
-            <a:r>
-              <a:t>• Example: Feature attribution, model interpretability.</a:t>
-            </a:r>
-          </a:p>
-          <a:p>
-            <a:r>
-              <a:t>• **Transfer Learning**</a:t>
-            </a:r>
-          </a:p>
-          <a:p>
-            <a:r>
-              <a:t>• Definition: Uses pre-trained models for new tasks.</a:t>
-            </a:r>
-          </a:p>
-          <a:p>
-            <a:r>
-              <a:t>• Example: Image classification, natural language processing.</a:t>
-            </a:r>
-          </a:p>
-          <a:p>
-            <a:r>
-              <a:t>• **Edge AI**</a:t>
-            </a:r>
-          </a:p>
-          <a:p>
-            <a:r>
-              <a:t>• Definition: Runs AI models on edge devices for real-time processing.</a:t>
-            </a:r>
-          </a:p>
-          <a:p>
-            <a:r>
-              <a:t>• Example: IoT devices, autonomous vehicles.</a:t>
-            </a:r>
-          </a:p>
-          <a:p>
-            <a:r>
-              <a:t>• **AutoML**</a:t>
-            </a:r>
-          </a:p>
-          <a:p>
-            <a:r>
-              <a:t>• Definition: Develops tools to automate machine learning workflows.</a:t>
-            </a:r>
-          </a:p>
-          <a:p>
-            <a:r>
-              <a:t>• Example: Model selection, hyperparameter tuning.</a:t>
+          <a:bodyPr wrap="square">
+            <a:normAutofit/>
+          </a:bodyPr>
+          <a:lstStyle/>
+          <a:p>
+            <a:pPr/>
+            <a:r>
+              <a:t>Global partnerships</a:t>
+            </a:r>
+          </a:p>
+          <a:p>
+            <a:pPr/>
+            <a:r>
+              <a:t>Aid and assistance programs</a:t>
+            </a:r>
+          </a:p>
+          <a:p>
+            <a:pPr/>
+            <a:r>
+              <a:t>Humanitarian efforts</a:t>
             </a:r>
           </a:p>
         </p:txBody>
@@ -3839,7 +5999,7 @@
           <a:lstStyle/>
           <a:p>
             <a:r>
-              <a:t>Slide 9: Conclusion</a:t>
+              <a:t>Challenges in Development</a:t>
             </a:r>
           </a:p>
         </p:txBody>
@@ -3856,26 +6016,26 @@
         </p:nvSpPr>
         <p:spPr/>
         <p:txBody>
-          <a:bodyPr/>
-          <a:lstStyle/>
-          <a:p>
-            <a:r>
-              <a:t>• Summary of key points</a:t>
-            </a:r>
-          </a:p>
-          <a:p>
-            <a:r>
-              <a:t>• Importance of machine learning in various fields</a:t>
-            </a:r>
-          </a:p>
-          <a:p>
-            <a:r>
-              <a:t>• Future directions and opportunities</a:t>
-            </a:r>
-          </a:p>
-          <a:p>
-            <a:r>
-              <a:t>• Final thoughts and recommendations</a:t>
+          <a:bodyPr wrap="square">
+            <a:normAutofit/>
+          </a:bodyPr>
+          <a:lstStyle/>
+          <a:p>
+            <a:pPr/>
+            <a:r>
+              <a:t>Corruption and governance issues</a:t>
+            </a:r>
+          </a:p>
+          <a:p>
+            <a:pPr/>
+            <a:r>
+              <a:t>Limited access to technology</a:t>
+            </a:r>
+          </a:p>
+          <a:p>
+            <a:pPr/>
+            <a:r>
+              <a:t>Dependence on foreign aid</a:t>
             </a:r>
           </a:p>
         </p:txBody>
@@ -3914,7 +6074,7 @@
           <a:lstStyle/>
           <a:p>
             <a:r>
-              <a:t>Slide 10: References and Resources</a:t>
+              <a:t>Solutions and Opportunities</a:t>
             </a:r>
           </a:p>
         </p:txBody>
@@ -3931,21 +6091,89 @@
         </p:nvSpPr>
         <p:spPr/>
         <p:txBody>
+          <a:bodyPr wrap="square">
+            <a:normAutofit/>
+          </a:bodyPr>
+          <a:lstStyle/>
+          <a:p>
+            <a:pPr/>
+            <a:r>
+              <a:t>Investing in education and skills development</a:t>
+            </a:r>
+          </a:p>
+          <a:p>
+            <a:pPr/>
+            <a:r>
+              <a:t>Promoting sustainable agriculture and renewable energy</a:t>
+            </a:r>
+          </a:p>
+          <a:p>
+            <a:pPr/>
+            <a:r>
+              <a:t>Encouraging entrepreneurship and innovation</a:t>
+            </a:r>
+          </a:p>
+        </p:txBody>
+      </p:sp>
+    </p:spTree>
+  </p:cSld>
+  <p:clrMapOvr>
+    <a:masterClrMapping/>
+  </p:clrMapOvr>
+</p:sld>
+</file>
+
+<file path=ppt/slides/slide13.xml><?xml version="1.0" encoding="utf-8"?>
+<p:sld xmlns:a="http://schemas.openxmlformats.org/drawingml/2006/main" xmlns:p="http://schemas.openxmlformats.org/presentationml/2006/main" xmlns:r="http://schemas.openxmlformats.org/officeDocument/2006/relationships">
+  <p:cSld>
+    <p:spTree>
+      <p:nvGrpSpPr>
+        <p:cNvPr id="1" name=""/>
+        <p:cNvGrpSpPr/>
+        <p:nvPr/>
+      </p:nvGrpSpPr>
+      <p:grpSpPr/>
+      <p:sp>
+        <p:nvSpPr>
+          <p:cNvPr id="2" name="Title 1"/>
+          <p:cNvSpPr>
+            <a:spLocks noGrp="1"/>
+          </p:cNvSpPr>
+          <p:nvPr>
+            <p:ph type="title"/>
+          </p:nvPr>
+        </p:nvSpPr>
+        <p:spPr/>
+        <p:txBody>
           <a:bodyPr/>
           <a:lstStyle/>
           <a:p>
             <a:r>
-              <a:t>• List of sources used in the presentation</a:t>
-            </a:r>
-          </a:p>
-          <a:p>
-            <a:r>
-              <a:t>• Recommended books, articles, and online resources for further learning</a:t>
-            </a:r>
-          </a:p>
-          <a:p>
-            <a:r>
-              <a:t>• Contact information for additional support or questions</a:t>
+              <a:t>Conclusion</a:t>
+            </a:r>
+          </a:p>
+        </p:txBody>
+      </p:sp>
+      <p:sp>
+        <p:nvSpPr>
+          <p:cNvPr id="3" name="Content Placeholder 2"/>
+          <p:cNvSpPr>
+            <a:spLocks noGrp="1"/>
+          </p:cNvSpPr>
+          <p:nvPr>
+            <p:ph idx="1"/>
+          </p:nvPr>
+        </p:nvSpPr>
+        <p:spPr/>
+        <p:txBody>
+          <a:bodyPr wrap="square">
+            <a:normAutofit/>
+          </a:bodyPr>
+          <a:lstStyle/>
+          <a:p>
+            <a:pPr/>
+            <a:r>
+              <a:t>The Third World faces significant challenges, but with concerted international effort and cooperation, it is possible to address these issues and promote sustainable development.</a:t>
             </a:r>
           </a:p>
         </p:txBody>
@@ -3984,7 +6212,7 @@
           <a:lstStyle/>
           <a:p>
             <a:r>
-              <a:t>Machine Learning</a:t>
+              <a:t>i want a presentation about the third world</a:t>
             </a:r>
           </a:p>
         </p:txBody>
@@ -4044,7 +6272,7 @@
           <a:lstStyle/>
           <a:p>
             <a:r>
-              <a:t>Slide 1: Introduction to Machine Learning</a:t>
+              <a:t>Introduction</a:t>
             </a:r>
           </a:p>
         </p:txBody>
@@ -4061,26 +6289,14 @@
         </p:nvSpPr>
         <p:spPr/>
         <p:txBody>
-          <a:bodyPr/>
-          <a:lstStyle/>
-          <a:p>
-            <a:r>
-              <a:t>• Definition: Machine learning is a subset of artificial intelligence that enables computers to learn from data without being explicitly programmed.</a:t>
-            </a:r>
-          </a:p>
-          <a:p>
-            <a:r>
-              <a:t>• Applications: Image recognition, natural language processing, predictive analytics, and decision-making.</a:t>
-            </a:r>
-          </a:p>
-          <a:p>
-            <a:r>
-              <a:t>• Importance: Improves decision-making, efficiency, and accuracy in various fields.</a:t>
-            </a:r>
-          </a:p>
-          <a:p>
-            <a:r>
-              <a:t>• Image or diagram: A simple illustration of a computer or a brain to represent machine learning.</a:t>
+          <a:bodyPr wrap="square">
+            <a:normAutofit/>
+          </a:bodyPr>
+          <a:lstStyle/>
+          <a:p>
+            <a:pPr/>
+            <a:r>
+              <a:t>The term 'Third World' refers to countries with low-income economies and underdeveloped infrastructure. These nations face significant challenges in poverty reduction, education, and access to basic services. Understanding the complexities of the Third World is crucial for global development and cooperation.</a:t>
             </a:r>
           </a:p>
         </p:txBody>
@@ -4119,7 +6335,7 @@
           <a:lstStyle/>
           <a:p>
             <a:r>
-              <a:t>Slide 2: Types of Machine Learning</a:t>
+              <a:t>Economic Challenges</a:t>
             </a:r>
           </a:p>
         </p:txBody>
@@ -4136,66 +6352,26 @@
         </p:nvSpPr>
         <p:spPr/>
         <p:txBody>
-          <a:bodyPr/>
-          <a:lstStyle/>
-          <a:p>
-            <a:r>
-              <a:t>• **Supervised Learning**</a:t>
-            </a:r>
-          </a:p>
-          <a:p>
-            <a:r>
-              <a:t>• Definition: Learns from labeled data to make predictions.</a:t>
-            </a:r>
-          </a:p>
-          <a:p>
-            <a:r>
-              <a:t>• Example: Image classification, spam detection.</a:t>
-            </a:r>
-          </a:p>
-          <a:p>
-            <a:r>
-              <a:t>• **Unsupervised Learning**</a:t>
-            </a:r>
-          </a:p>
-          <a:p>
-            <a:r>
-              <a:t>• Definition: Learns from unlabeled data to identify patterns.</a:t>
-            </a:r>
-          </a:p>
-          <a:p>
-            <a:r>
-              <a:t>• Example: Clustering, anomaly detection.</a:t>
-            </a:r>
-          </a:p>
-          <a:p>
-            <a:r>
-              <a:t>• **Reinforcement Learning**</a:t>
-            </a:r>
-          </a:p>
-          <a:p>
-            <a:r>
-              <a:t>• Definition: Learns from trial and error to make decisions.</a:t>
-            </a:r>
-          </a:p>
-          <a:p>
-            <a:r>
-              <a:t>• Example: Game playing, robotics.</a:t>
-            </a:r>
-          </a:p>
-          <a:p>
-            <a:r>
-              <a:t>• **Semi-supervised Learning**</a:t>
-            </a:r>
-          </a:p>
-          <a:p>
-            <a:r>
-              <a:t>• Definition: Combines labeled and unlabeled data for learning.</a:t>
-            </a:r>
-          </a:p>
-          <a:p>
-            <a:r>
-              <a:t>• Example: Image classification with some labeled data.</a:t>
+          <a:bodyPr wrap="square">
+            <a:normAutofit/>
+          </a:bodyPr>
+          <a:lstStyle/>
+          <a:p>
+            <a:pPr/>
+            <a:r>
+              <a:t>Economic instability</a:t>
+            </a:r>
+          </a:p>
+          <a:p>
+            <a:pPr/>
+            <a:r>
+              <a:t>High poverty rates</a:t>
+            </a:r>
+          </a:p>
+          <a:p>
+            <a:pPr/>
+            <a:r>
+              <a:t>Limited access to resources</a:t>
             </a:r>
           </a:p>
         </p:txBody>
@@ -4234,7 +6410,7 @@
           <a:lstStyle/>
           <a:p>
             <a:r>
-              <a:t>Slide 3: Machine Learning Algorithms</a:t>
+              <a:t>Social Issues</a:t>
             </a:r>
           </a:p>
         </p:txBody>
@@ -4251,66 +6427,26 @@
         </p:nvSpPr>
         <p:spPr/>
         <p:txBody>
-          <a:bodyPr/>
-          <a:lstStyle/>
-          <a:p>
-            <a:r>
-              <a:t>• **Linear Regression**</a:t>
-            </a:r>
-          </a:p>
-          <a:p>
-            <a:r>
-              <a:t>• Definition: Predicts continuous outcomes based on linear relationships.</a:t>
-            </a:r>
-          </a:p>
-          <a:p>
-            <a:r>
-              <a:t>• Example: Stock prices, house prices.</a:t>
-            </a:r>
-          </a:p>
-          <a:p>
-            <a:r>
-              <a:t>• **Decision Trees**</a:t>
-            </a:r>
-          </a:p>
-          <a:p>
-            <a:r>
-              <a:t>• Definition: Classifies data based on decision-making rules.</a:t>
-            </a:r>
-          </a:p>
-          <a:p>
-            <a:r>
-              <a:t>• Example: Customer segmentation, credit risk assessment.</a:t>
-            </a:r>
-          </a:p>
-          <a:p>
-            <a:r>
-              <a:t>• **Neural Networks**</a:t>
-            </a:r>
-          </a:p>
-          <a:p>
-            <a:r>
-              <a:t>• Definition: Inspired by the human brain, learns complex patterns.</a:t>
-            </a:r>
-          </a:p>
-          <a:p>
-            <a:r>
-              <a:t>• Example: Image recognition, natural language processing.</a:t>
-            </a:r>
-          </a:p>
-          <a:p>
-            <a:r>
-              <a:t>• **Random Forest**</a:t>
-            </a:r>
-          </a:p>
-          <a:p>
-            <a:r>
-              <a:t>• Definition: Combines multiple decision trees for improved accuracy.</a:t>
-            </a:r>
-          </a:p>
-          <a:p>
-            <a:r>
-              <a:t>• Example: Predicting customer churn, classifying transactions.</a:t>
+          <a:bodyPr wrap="square">
+            <a:normAutofit/>
+          </a:bodyPr>
+          <a:lstStyle/>
+          <a:p>
+            <a:pPr/>
+            <a:r>
+              <a:t>Limited access to education</a:t>
+            </a:r>
+          </a:p>
+          <a:p>
+            <a:pPr/>
+            <a:r>
+              <a:t>High infant mortality rates</a:t>
+            </a:r>
+          </a:p>
+          <a:p>
+            <a:pPr/>
+            <a:r>
+              <a:t>Social inequality</a:t>
             </a:r>
           </a:p>
         </p:txBody>
@@ -4349,7 +6485,7 @@
           <a:lstStyle/>
           <a:p>
             <a:r>
-              <a:t>Slide 4: Machine Learning Models</a:t>
+              <a:t>Infrastructure Deficits</a:t>
             </a:r>
           </a:p>
         </p:txBody>
@@ -4366,66 +6502,26 @@
         </p:nvSpPr>
         <p:spPr/>
         <p:txBody>
-          <a:bodyPr/>
-          <a:lstStyle/>
-          <a:p>
-            <a:r>
-              <a:t>• **Logistic Regression**</a:t>
-            </a:r>
-          </a:p>
-          <a:p>
-            <a:r>
-              <a:t>• Definition: Predicts binary outcomes based on linear relationships.</a:t>
-            </a:r>
-          </a:p>
-          <a:p>
-            <a:r>
-              <a:t>• Example: Spam detection, medical diagnosis.</a:t>
-            </a:r>
-          </a:p>
-          <a:p>
-            <a:r>
-              <a:t>• **Support Vector Machines (SVMs)**</a:t>
-            </a:r>
-          </a:p>
-          <a:p>
-            <a:r>
-              <a:t>• Definition: Finds the best hyperplane to separate data.</a:t>
-            </a:r>
-          </a:p>
-          <a:p>
-            <a:r>
-              <a:t>• Example: Image classification, text categorization.</a:t>
-            </a:r>
-          </a:p>
-          <a:p>
-            <a:r>
-              <a:t>• **Gradient Boosting**</a:t>
-            </a:r>
-          </a:p>
-          <a:p>
-            <a:r>
-              <a:t>• Definition: Combines multiple weak models for improved accuracy.</a:t>
-            </a:r>
-          </a:p>
-          <a:p>
-            <a:r>
-              <a:t>• Example: Predicting stock prices, classifying customers.</a:t>
-            </a:r>
-          </a:p>
-          <a:p>
-            <a:r>
-              <a:t>• **K-Means Clustering**</a:t>
-            </a:r>
-          </a:p>
-          <a:p>
-            <a:r>
-              <a:t>• Definition: Groups data into clusters based on similarity.</a:t>
-            </a:r>
-          </a:p>
-          <a:p>
-            <a:r>
-              <a:t>• Example: Customer segmentation, product recommendation.</a:t>
+          <a:bodyPr wrap="square">
+            <a:normAutofit/>
+          </a:bodyPr>
+          <a:lstStyle/>
+          <a:p>
+            <a:pPr/>
+            <a:r>
+              <a:t>Limited access to clean water</a:t>
+            </a:r>
+          </a:p>
+          <a:p>
+            <a:pPr/>
+            <a:r>
+              <a:t>Inadequate healthcare systems</a:t>
+            </a:r>
+          </a:p>
+          <a:p>
+            <a:pPr/>
+            <a:r>
+              <a:t>Poor transportation networks</a:t>
             </a:r>
           </a:p>
         </p:txBody>
@@ -4464,7 +6560,7 @@
           <a:lstStyle/>
           <a:p>
             <a:r>
-              <a:t>Slide 5: Machine Learning Evaluation Metrics</a:t>
+              <a:t>Environmental Concerns</a:t>
             </a:r>
           </a:p>
         </p:txBody>
@@ -4481,66 +6577,26 @@
         </p:nvSpPr>
         <p:spPr/>
         <p:txBody>
-          <a:bodyPr/>
-          <a:lstStyle/>
-          <a:p>
-            <a:r>
-              <a:t>• **Accuracy**</a:t>
-            </a:r>
-          </a:p>
-          <a:p>
-            <a:r>
-              <a:t>• Definition: Measures the proportion of correct predictions.</a:t>
-            </a:r>
-          </a:p>
-          <a:p>
-            <a:r>
-              <a:t>• Example: Image classification, spam detection.</a:t>
-            </a:r>
-          </a:p>
-          <a:p>
-            <a:r>
-              <a:t>• **Precision**</a:t>
-            </a:r>
-          </a:p>
-          <a:p>
-            <a:r>
-              <a:t>• Definition: Measures the proportion of true positives.</a:t>
-            </a:r>
-          </a:p>
-          <a:p>
-            <a:r>
-              <a:t>• Example: Medical diagnosis, credit risk assessment.</a:t>
-            </a:r>
-          </a:p>
-          <a:p>
-            <a:r>
-              <a:t>• **Recall**</a:t>
-            </a:r>
-          </a:p>
-          <a:p>
-            <a:r>
-              <a:t>• Definition: Measures the proportion of true positives.</a:t>
-            </a:r>
-          </a:p>
-          <a:p>
-            <a:r>
-              <a:t>• Example: Spam detection, anomaly detection.</a:t>
-            </a:r>
-          </a:p>
-          <a:p>
-            <a:r>
-              <a:t>• **F1-Score**</a:t>
-            </a:r>
-          </a:p>
-          <a:p>
-            <a:r>
-              <a:t>• Definition: Measures the balance between precision and recall.</a:t>
-            </a:r>
-          </a:p>
-          <a:p>
-            <a:r>
-              <a:t>• Example: Customer segmentation, product recommendation.</a:t>
+          <a:bodyPr wrap="square">
+            <a:normAutofit/>
+          </a:bodyPr>
+          <a:lstStyle/>
+          <a:p>
+            <a:pPr/>
+            <a:r>
+              <a:t>Deforestation and land degradation</a:t>
+            </a:r>
+          </a:p>
+          <a:p>
+            <a:pPr/>
+            <a:r>
+              <a:t>Air and water pollution</a:t>
+            </a:r>
+          </a:p>
+          <a:p>
+            <a:pPr/>
+            <a:r>
+              <a:t>Climate change vulnerability</a:t>
             </a:r>
           </a:p>
         </p:txBody>
@@ -4579,7 +6635,7 @@
           <a:lstStyle/>
           <a:p>
             <a:r>
-              <a:t>Slide 6: Real-World Applications of Machine Learning</a:t>
+              <a:t>Global Impact</a:t>
             </a:r>
           </a:p>
         </p:txBody>
@@ -4596,66 +6652,26 @@
         </p:nvSpPr>
         <p:spPr/>
         <p:txBody>
-          <a:bodyPr/>
-          <a:lstStyle/>
-          <a:p>
-            <a:r>
-              <a:t>• **Predictive Maintenance**</a:t>
-            </a:r>
-          </a:p>
-          <a:p>
-            <a:r>
-              <a:t>• Definition: Predicts equipment failures to prevent downtime.</a:t>
-            </a:r>
-          </a:p>
-          <a:p>
-            <a:r>
-              <a:t>• Example: Manufacturing, oil and gas.</a:t>
-            </a:r>
-          </a:p>
-          <a:p>
-            <a:r>
-              <a:t>• **Personalized Recommendations**</a:t>
-            </a:r>
-          </a:p>
-          <a:p>
-            <a:r>
-              <a:t>• Definition: Suggests products or services based on user behavior.</a:t>
-            </a:r>
-          </a:p>
-          <a:p>
-            <a:r>
-              <a:t>• Example: E-commerce, entertainment.</a:t>
-            </a:r>
-          </a:p>
-          <a:p>
-            <a:r>
-              <a:t>• **Chatbots and Virtual Assistants**</a:t>
-            </a:r>
-          </a:p>
-          <a:p>
-            <a:r>
-              <a:t>• Definition: Provides customer support through natural language interaction.</a:t>
-            </a:r>
-          </a:p>
-          <a:p>
-            <a:r>
-              <a:t>• Example: Customer service, healthcare.</a:t>
-            </a:r>
-          </a:p>
-          <a:p>
-            <a:r>
-              <a:t>• **Autonomous Vehicles**</a:t>
-            </a:r>
-          </a:p>
-          <a:p>
-            <a:r>
-              <a:t>• Definition: Uses machine learning to navigate and make decisions.</a:t>
-            </a:r>
-          </a:p>
-          <a:p>
-            <a:r>
-              <a:t>• Example: Self-driving cars, drones.</a:t>
+          <a:bodyPr wrap="square">
+            <a:normAutofit/>
+          </a:bodyPr>
+          <a:lstStyle/>
+          <a:p>
+            <a:pPr/>
+            <a:r>
+              <a:t>Refugee crises</a:t>
+            </a:r>
+          </a:p>
+          <a:p>
+            <a:pPr/>
+            <a:r>
+              <a:t>Human trafficking</a:t>
+            </a:r>
+          </a:p>
+          <a:p>
+            <a:pPr/>
+            <a:r>
+              <a:t>Global health risks</a:t>
             </a:r>
           </a:p>
         </p:txBody>
@@ -4694,7 +6710,7 @@
           <a:lstStyle/>
           <a:p>
             <a:r>
-              <a:t>Slide 7: Challenges and Limitations of Machine Learning</a:t>
+              <a:t>Development Initiatives</a:t>
             </a:r>
           </a:p>
         </p:txBody>
@@ -4711,66 +6727,26 @@
         </p:nvSpPr>
         <p:spPr/>
         <p:txBody>
-          <a:bodyPr/>
-          <a:lstStyle/>
-          <a:p>
-            <a:r>
-              <a:t>• **Data Quality**</a:t>
-            </a:r>
-          </a:p>
-          <a:p>
-            <a:r>
-              <a:t>• Definition: Requires high-quality data to produce accurate results.</a:t>
-            </a:r>
-          </a:p>
-          <a:p>
-            <a:r>
-              <a:t>• Example: Noisy data, missing values.</a:t>
-            </a:r>
-          </a:p>
-          <a:p>
-            <a:r>
-              <a:t>• **Overfitting and Underfitting**</a:t>
-            </a:r>
-          </a:p>
-          <a:p>
-            <a:r>
-              <a:t>• Definition: Occurs when models are too complex or too simple.</a:t>
-            </a:r>
-          </a:p>
-          <a:p>
-            <a:r>
-              <a:t>• Example: High bias, high variance.</a:t>
-            </a:r>
-          </a:p>
-          <a:p>
-            <a:r>
-              <a:t>• **Interpretability**</a:t>
-            </a:r>
-          </a:p>
-          <a:p>
-            <a:r>
-              <a:t>• Definition: Difficulty in understanding how models make decisions.</a:t>
-            </a:r>
-          </a:p>
-          <a:p>
-            <a:r>
-              <a:t>• Example: Black box models, lack of transparency.</a:t>
-            </a:r>
-          </a:p>
-          <a:p>
-            <a:r>
-              <a:t>• **Explainability**</a:t>
-            </a:r>
-          </a:p>
-          <a:p>
-            <a:r>
-              <a:t>• Definition: Requires techniques to explain model decisions.</a:t>
-            </a:r>
-          </a:p>
-          <a:p>
-            <a:r>
-              <a:t>• Example: Feature importance, SHAP values.</a:t>
+          <a:bodyPr wrap="square">
+            <a:normAutofit/>
+          </a:bodyPr>
+          <a:lstStyle/>
+          <a:p>
+            <a:pPr/>
+            <a:r>
+              <a:t>Economic growth strategies</a:t>
+            </a:r>
+          </a:p>
+          <a:p>
+            <a:pPr/>
+            <a:r>
+              <a:t>Infrastructure development</a:t>
+            </a:r>
+          </a:p>
+          <a:p>
+            <a:pPr/>
+            <a:r>
+              <a:t>Social welfare programs</a:t>
             </a:r>
           </a:p>
         </p:txBody>
@@ -4784,9 +6760,9 @@
 </file>
 
 <file path=ppt/theme/theme1.xml><?xml version="1.0" encoding="utf-8"?>
-<a:theme xmlns:a="http://schemas.openxmlformats.org/drawingml/2006/main" name="Gallery">
+<a:theme xmlns:a="http://schemas.openxmlformats.org/drawingml/2006/main" name="Facet">
   <a:themeElements>
-    <a:clrScheme name="Gallery">
+    <a:clrScheme name="Facet">
       <a:dk1>
         <a:sysClr val="windowText" lastClr="000000"/>
       </a:dk1>
@@ -4794,52 +6770,52 @@
         <a:sysClr val="window" lastClr="FFFFFF"/>
       </a:lt1>
       <a:dk2>
-        <a:srgbClr val="454545"/>
+        <a:srgbClr val="2C3C43"/>
       </a:dk2>
       <a:lt2>
-        <a:srgbClr val="DFDBD5"/>
+        <a:srgbClr val="EBEBEB"/>
       </a:lt2>
       <a:accent1>
-        <a:srgbClr val="B71E42"/>
+        <a:srgbClr val="90C226"/>
       </a:accent1>
       <a:accent2>
-        <a:srgbClr val="DE478E"/>
+        <a:srgbClr val="54A021"/>
       </a:accent2>
       <a:accent3>
-        <a:srgbClr val="BC72F0"/>
+        <a:srgbClr val="E6B91E"/>
       </a:accent3>
       <a:accent4>
-        <a:srgbClr val="795FAF"/>
+        <a:srgbClr val="E76618"/>
       </a:accent4>
       <a:accent5>
-        <a:srgbClr val="586EA6"/>
+        <a:srgbClr val="C42F1A"/>
       </a:accent5>
       <a:accent6>
-        <a:srgbClr val="6892A0"/>
+        <a:srgbClr val="918655"/>
       </a:accent6>
       <a:hlink>
-        <a:srgbClr val="FA2B5C"/>
+        <a:srgbClr val="99CA3C"/>
       </a:hlink>
       <a:folHlink>
-        <a:srgbClr val="BC658E"/>
+        <a:srgbClr val="B9D181"/>
       </a:folHlink>
     </a:clrScheme>
-    <a:fontScheme name="Gallery">
+    <a:fontScheme name="Facet">
       <a:majorFont>
-        <a:latin typeface="Gill Sans MT" panose="020B0502020104020203"/>
+        <a:latin typeface="Trebuchet MS" panose="020B0603020202020204"/>
         <a:ea typeface=""/>
         <a:cs typeface=""/>
-        <a:font script="Jpan" typeface="游ゴシック Light"/>
+        <a:font script="Jpan" typeface="メイリオ"/>
         <a:font script="Hang" typeface="맑은 고딕"/>
-        <a:font script="Hans" typeface="等线 Light"/>
-        <a:font script="Hant" typeface="新細明體"/>
-        <a:font script="Arab" typeface="Times New Roman"/>
-        <a:font script="Hebr" typeface="Times New Roman"/>
-        <a:font script="Thai" typeface="Angsana New"/>
+        <a:font script="Hans" typeface="方正姚体"/>
+        <a:font script="Hant" typeface="微軟正黑體"/>
+        <a:font script="Arab" typeface="Tahoma"/>
+        <a:font script="Hebr" typeface="Arial"/>
+        <a:font script="Thai" typeface="Cordia New"/>
         <a:font script="Ethi" typeface="Nyala"/>
         <a:font script="Beng" typeface="Vrinda"/>
         <a:font script="Gujr" typeface="Shruti"/>
-        <a:font script="Khmr" typeface="MoolBoran"/>
+        <a:font script="Khmr" typeface="DaunPenh"/>
         <a:font script="Knda" typeface="Tunga"/>
         <a:font script="Guru" typeface="Raavi"/>
         <a:font script="Cans" typeface="Euphemia"/>
@@ -4856,21 +6832,21 @@
         <a:font script="Laoo" typeface="DokChampa"/>
         <a:font script="Sinh" typeface="Iskoola Pota"/>
         <a:font script="Mong" typeface="Mongolian Baiti"/>
-        <a:font script="Viet" typeface="Times New Roman"/>
+        <a:font script="Viet" typeface="Tahoma"/>
         <a:font script="Uigh" typeface="Microsoft Uighur"/>
         <a:font script="Geor" typeface="Sylfaen"/>
       </a:majorFont>
       <a:minorFont>
-        <a:latin typeface="Gill Sans MT" panose="020B0502020104020203"/>
+        <a:latin typeface="Trebuchet MS" panose="020B0603020202020204"/>
         <a:ea typeface=""/>
         <a:cs typeface=""/>
-        <a:font script="Jpan" typeface="游ゴシック"/>
-        <a:font script="Hang" typeface="맑은 고딕"/>
-        <a:font script="Hans" typeface="等线"/>
-        <a:font script="Hant" typeface="新細明體"/>
-        <a:font script="Arab" typeface="Arial"/>
-        <a:font script="Hebr" typeface="Arial"/>
-        <a:font script="Thai" typeface="Cordia New"/>
+        <a:font script="Jpan" typeface="メイリオ"/>
+        <a:font script="Hang" typeface="HY그래픽M"/>
+        <a:font script="Hans" typeface="华文新魏"/>
+        <a:font script="Hant" typeface="微軟正黑體"/>
+        <a:font script="Arab" typeface="Tahoma"/>
+        <a:font script="Hebr" typeface="Gisha"/>
+        <a:font script="Thai" typeface="IrisUPC"/>
         <a:font script="Ethi" typeface="Nyala"/>
         <a:font script="Beng" typeface="Vrinda"/>
         <a:font script="Gujr" typeface="Shruti"/>
@@ -4896,7 +6872,7 @@
         <a:font script="Geor" typeface="Sylfaen"/>
       </a:minorFont>
     </a:fontScheme>
-    <a:fmtScheme name="Gallery">
+    <a:fmtScheme name="Facet">
       <a:fillStyleLst>
         <a:solidFill>
           <a:schemeClr val="phClr"/>
@@ -4905,18 +6881,13 @@
           <a:gsLst>
             <a:gs pos="0">
               <a:schemeClr val="phClr">
-                <a:tint val="54000"/>
-                <a:alpha val="100000"/>
-                <a:satMod val="105000"/>
+                <a:tint val="65000"/>
                 <a:lumMod val="110000"/>
               </a:schemeClr>
             </a:gs>
-            <a:gs pos="100000">
+            <a:gs pos="88000">
               <a:schemeClr val="phClr">
-                <a:tint val="78000"/>
-                <a:alpha val="92000"/>
-                <a:satMod val="109000"/>
-                <a:lumMod val="100000"/>
+                <a:tint val="90000"/>
               </a:schemeClr>
             </a:gs>
           </a:gsLst>
@@ -4926,23 +6897,14 @@
           <a:gsLst>
             <a:gs pos="0">
               <a:schemeClr val="phClr">
-                <a:tint val="98000"/>
-                <a:satMod val="110000"/>
-                <a:lumMod val="104000"/>
+                <a:tint val="96000"/>
+                <a:lumMod val="100000"/>
               </a:schemeClr>
             </a:gs>
-            <a:gs pos="69000">
+            <a:gs pos="78000">
               <a:schemeClr val="phClr">
-                <a:shade val="88000"/>
-                <a:satMod val="130000"/>
-                <a:lumMod val="92000"/>
-              </a:schemeClr>
-            </a:gs>
-            <a:gs pos="100000">
-              <a:schemeClr val="phClr">
-                <a:shade val="78000"/>
-                <a:satMod val="130000"/>
-                <a:lumMod val="92000"/>
+                <a:shade val="94000"/>
+                <a:lumMod val="94000"/>
               </a:schemeClr>
             </a:gs>
           </a:gsLst>
@@ -4950,19 +6912,19 @@
         </a:gradFill>
       </a:fillStyleLst>
       <a:lnStyleLst>
-        <a:ln w="9525" cap="flat" cmpd="sng" algn="ctr">
+        <a:ln w="12700" cap="rnd" cmpd="sng" algn="ctr">
           <a:solidFill>
             <a:schemeClr val="phClr"/>
           </a:solidFill>
           <a:prstDash val="solid"/>
         </a:ln>
-        <a:ln w="15875" cap="flat" cmpd="sng" algn="ctr">
+        <a:ln w="19050" cap="rnd" cmpd="sng" algn="ctr">
           <a:solidFill>
             <a:schemeClr val="phClr"/>
           </a:solidFill>
           <a:prstDash val="solid"/>
         </a:ln>
-        <a:ln w="22225" cap="flat" cmpd="sng" algn="ctr">
+        <a:ln w="25400" cap="rnd" cmpd="sng" algn="ctr">
           <a:solidFill>
             <a:schemeClr val="phClr"/>
           </a:solidFill>
@@ -4974,13 +6936,19 @@
           <a:effectLst/>
         </a:effectStyle>
         <a:effectStyle>
-          <a:effectLst/>
+          <a:effectLst>
+            <a:outerShdw blurRad="38100" dist="25400" dir="5400000" rotWithShape="0">
+              <a:srgbClr val="000000">
+                <a:alpha val="35000"/>
+              </a:srgbClr>
+            </a:outerShdw>
+          </a:effectLst>
         </a:effectStyle>
         <a:effectStyle>
           <a:effectLst>
-            <a:outerShdw blurRad="50800" dist="50800" dir="5400000" sx="96000" sy="96000" rotWithShape="0">
+            <a:outerShdw blurRad="50800" dist="38100" dir="5400000" rotWithShape="0">
               <a:srgbClr val="000000">
-                <a:alpha val="48000"/>
+                <a:alpha val="35000"/>
               </a:srgbClr>
             </a:outerShdw>
           </a:effectLst>
@@ -4988,12 +6956,10 @@
             <a:camera prst="orthographicFront">
               <a:rot lat="0" lon="0" rev="0"/>
             </a:camera>
-            <a:lightRig rig="balanced" dir="t">
-              <a:rot lat="0" lon="0" rev="1080000"/>
-            </a:lightRig>
+            <a:lightRig rig="threePt" dir="tl"/>
           </a:scene3d>
-          <a:sp3d>
-            <a:bevelT w="38100" h="12700" prst="softRound"/>
+          <a:sp3d prstMaterial="plastic">
+            <a:bevelT w="0" h="0"/>
           </a:sp3d>
         </a:effectStyle>
       </a:effectStyleLst>
@@ -5001,26 +6967,40 @@
         <a:solidFill>
           <a:schemeClr val="phClr"/>
         </a:solidFill>
-        <a:solidFill>
-          <a:schemeClr val="phClr"/>
-        </a:solidFill>
         <a:gradFill rotWithShape="1">
           <a:gsLst>
             <a:gs pos="0">
               <a:schemeClr val="phClr">
-                <a:tint val="94000"/>
-                <a:satMod val="80000"/>
-                <a:lumMod val="106000"/>
+                <a:tint val="90000"/>
+                <a:lumMod val="104000"/>
+              </a:schemeClr>
+            </a:gs>
+            <a:gs pos="94000">
+              <a:schemeClr val="phClr">
+                <a:shade val="96000"/>
+                <a:lumMod val="82000"/>
+              </a:schemeClr>
+            </a:gs>
+          </a:gsLst>
+          <a:lin ang="5400000" scaled="0"/>
+        </a:gradFill>
+        <a:gradFill rotWithShape="1">
+          <a:gsLst>
+            <a:gs pos="0">
+              <a:schemeClr val="phClr">
+                <a:tint val="90000"/>
+                <a:lumMod val="110000"/>
               </a:schemeClr>
             </a:gs>
             <a:gs pos="100000">
               <a:schemeClr val="phClr">
-                <a:shade val="80000"/>
+                <a:shade val="94000"/>
+                <a:lumMod val="96000"/>
               </a:schemeClr>
             </a:gs>
           </a:gsLst>
           <a:path path="circle">
-            <a:fillToRect l="43000" r="43000" b="100000"/>
+            <a:fillToRect l="50000" t="50000" r="100000" b="100000"/>
           </a:path>
         </a:gradFill>
       </a:bgFillStyleLst>
@@ -5030,7 +7010,7 @@
   <a:extraClrSchemeLst/>
   <a:extLst>
     <a:ext uri="{05A4C25C-085E-4340-85A3-A5531E510DB2}">
-      <thm15:themeFamily xmlns:thm15="http://schemas.microsoft.com/office/thememl/2012/main" name="theme1.potx" id="{CBC0CEDA-6A0C-4E2D-9BBB-C24AC6F66552}" vid="{B3D4B482-D8DF-4859-A214-6D2FA93951AB}"/>
+      <thm15:themeFamily xmlns:thm15="http://schemas.microsoft.com/office/thememl/2012/main" name="Facet" id="{C0C680CD-088A-49FC-A102-D699147F32B2}" vid="{CFBC31BA-B70F-4F30-BCAA-4F3011E16C4D}"/>
     </a:ext>
   </a:extLst>
 </a:theme>

--- a/my_presentation1.pptx
+++ b/my_presentation1.pptx
@@ -14,9 +14,6 @@
     <p:sldId id="263" r:id="rId13"/>
     <p:sldId id="264" r:id="rId14"/>
     <p:sldId id="265" r:id="rId15"/>
-    <p:sldId id="266" r:id="rId16"/>
-    <p:sldId id="267" r:id="rId17"/>
-    <p:sldId id="268" r:id="rId18"/>
   </p:sldIdLst>
   <p:sldSz cx="12192000" cy="6858000"/>
   <p:notesSz cx="6858000" cy="9144000"/>
@@ -5924,7 +5921,7 @@
           <a:lstStyle/>
           <a:p>
             <a:r>
-              <a:t>International Cooperation</a:t>
+              <a:t>Conclusion</a:t>
             </a:r>
           </a:p>
         </p:txBody>
@@ -5948,232 +5945,7 @@
           <a:p>
             <a:pPr/>
             <a:r>
-              <a:t>Global partnerships</a:t>
-            </a:r>
-          </a:p>
-          <a:p>
-            <a:pPr/>
-            <a:r>
-              <a:t>Aid and assistance programs</a:t>
-            </a:r>
-          </a:p>
-          <a:p>
-            <a:pPr/>
-            <a:r>
-              <a:t>Humanitarian efforts</a:t>
-            </a:r>
-          </a:p>
-        </p:txBody>
-      </p:sp>
-    </p:spTree>
-  </p:cSld>
-  <p:clrMapOvr>
-    <a:masterClrMapping/>
-  </p:clrMapOvr>
-</p:sld>
-</file>
-
-<file path=ppt/slides/slide11.xml><?xml version="1.0" encoding="utf-8"?>
-<p:sld xmlns:a="http://schemas.openxmlformats.org/drawingml/2006/main" xmlns:p="http://schemas.openxmlformats.org/presentationml/2006/main" xmlns:r="http://schemas.openxmlformats.org/officeDocument/2006/relationships">
-  <p:cSld>
-    <p:spTree>
-      <p:nvGrpSpPr>
-        <p:cNvPr id="1" name=""/>
-        <p:cNvGrpSpPr/>
-        <p:nvPr/>
-      </p:nvGrpSpPr>
-      <p:grpSpPr/>
-      <p:sp>
-        <p:nvSpPr>
-          <p:cNvPr id="2" name="Title 1"/>
-          <p:cNvSpPr>
-            <a:spLocks noGrp="1"/>
-          </p:cNvSpPr>
-          <p:nvPr>
-            <p:ph type="title"/>
-          </p:nvPr>
-        </p:nvSpPr>
-        <p:spPr/>
-        <p:txBody>
-          <a:bodyPr/>
-          <a:lstStyle/>
-          <a:p>
-            <a:r>
-              <a:t>Challenges in Development</a:t>
-            </a:r>
-          </a:p>
-        </p:txBody>
-      </p:sp>
-      <p:sp>
-        <p:nvSpPr>
-          <p:cNvPr id="3" name="Content Placeholder 2"/>
-          <p:cNvSpPr>
-            <a:spLocks noGrp="1"/>
-          </p:cNvSpPr>
-          <p:nvPr>
-            <p:ph idx="1"/>
-          </p:nvPr>
-        </p:nvSpPr>
-        <p:spPr/>
-        <p:txBody>
-          <a:bodyPr wrap="square">
-            <a:normAutofit/>
-          </a:bodyPr>
-          <a:lstStyle/>
-          <a:p>
-            <a:pPr/>
-            <a:r>
-              <a:t>Corruption and governance issues</a:t>
-            </a:r>
-          </a:p>
-          <a:p>
-            <a:pPr/>
-            <a:r>
-              <a:t>Limited access to technology</a:t>
-            </a:r>
-          </a:p>
-          <a:p>
-            <a:pPr/>
-            <a:r>
-              <a:t>Dependence on foreign aid</a:t>
-            </a:r>
-          </a:p>
-        </p:txBody>
-      </p:sp>
-    </p:spTree>
-  </p:cSld>
-  <p:clrMapOvr>
-    <a:masterClrMapping/>
-  </p:clrMapOvr>
-</p:sld>
-</file>
-
-<file path=ppt/slides/slide12.xml><?xml version="1.0" encoding="utf-8"?>
-<p:sld xmlns:a="http://schemas.openxmlformats.org/drawingml/2006/main" xmlns:p="http://schemas.openxmlformats.org/presentationml/2006/main" xmlns:r="http://schemas.openxmlformats.org/officeDocument/2006/relationships">
-  <p:cSld>
-    <p:spTree>
-      <p:nvGrpSpPr>
-        <p:cNvPr id="1" name=""/>
-        <p:cNvGrpSpPr/>
-        <p:nvPr/>
-      </p:nvGrpSpPr>
-      <p:grpSpPr/>
-      <p:sp>
-        <p:nvSpPr>
-          <p:cNvPr id="2" name="Title 1"/>
-          <p:cNvSpPr>
-            <a:spLocks noGrp="1"/>
-          </p:cNvSpPr>
-          <p:nvPr>
-            <p:ph type="title"/>
-          </p:nvPr>
-        </p:nvSpPr>
-        <p:spPr/>
-        <p:txBody>
-          <a:bodyPr/>
-          <a:lstStyle/>
-          <a:p>
-            <a:r>
-              <a:t>Solutions and Opportunities</a:t>
-            </a:r>
-          </a:p>
-        </p:txBody>
-      </p:sp>
-      <p:sp>
-        <p:nvSpPr>
-          <p:cNvPr id="3" name="Content Placeholder 2"/>
-          <p:cNvSpPr>
-            <a:spLocks noGrp="1"/>
-          </p:cNvSpPr>
-          <p:nvPr>
-            <p:ph idx="1"/>
-          </p:nvPr>
-        </p:nvSpPr>
-        <p:spPr/>
-        <p:txBody>
-          <a:bodyPr wrap="square">
-            <a:normAutofit/>
-          </a:bodyPr>
-          <a:lstStyle/>
-          <a:p>
-            <a:pPr/>
-            <a:r>
-              <a:t>Investing in education and skills development</a:t>
-            </a:r>
-          </a:p>
-          <a:p>
-            <a:pPr/>
-            <a:r>
-              <a:t>Promoting sustainable agriculture and renewable energy</a:t>
-            </a:r>
-          </a:p>
-          <a:p>
-            <a:pPr/>
-            <a:r>
-              <a:t>Encouraging entrepreneurship and innovation</a:t>
-            </a:r>
-          </a:p>
-        </p:txBody>
-      </p:sp>
-    </p:spTree>
-  </p:cSld>
-  <p:clrMapOvr>
-    <a:masterClrMapping/>
-  </p:clrMapOvr>
-</p:sld>
-</file>
-
-<file path=ppt/slides/slide13.xml><?xml version="1.0" encoding="utf-8"?>
-<p:sld xmlns:a="http://schemas.openxmlformats.org/drawingml/2006/main" xmlns:p="http://schemas.openxmlformats.org/presentationml/2006/main" xmlns:r="http://schemas.openxmlformats.org/officeDocument/2006/relationships">
-  <p:cSld>
-    <p:spTree>
-      <p:nvGrpSpPr>
-        <p:cNvPr id="1" name=""/>
-        <p:cNvGrpSpPr/>
-        <p:nvPr/>
-      </p:nvGrpSpPr>
-      <p:grpSpPr/>
-      <p:sp>
-        <p:nvSpPr>
-          <p:cNvPr id="2" name="Title 1"/>
-          <p:cNvSpPr>
-            <a:spLocks noGrp="1"/>
-          </p:cNvSpPr>
-          <p:nvPr>
-            <p:ph type="title"/>
-          </p:nvPr>
-        </p:nvSpPr>
-        <p:spPr/>
-        <p:txBody>
-          <a:bodyPr/>
-          <a:lstStyle/>
-          <a:p>
-            <a:r>
-              <a:t>Conclusion</a:t>
-            </a:r>
-          </a:p>
-        </p:txBody>
-      </p:sp>
-      <p:sp>
-        <p:nvSpPr>
-          <p:cNvPr id="3" name="Content Placeholder 2"/>
-          <p:cNvSpPr>
-            <a:spLocks noGrp="1"/>
-          </p:cNvSpPr>
-          <p:nvPr>
-            <p:ph idx="1"/>
-          </p:nvPr>
-        </p:nvSpPr>
-        <p:spPr/>
-        <p:txBody>
-          <a:bodyPr wrap="square">
-            <a:normAutofit/>
-          </a:bodyPr>
-          <a:lstStyle/>
-          <a:p>
-            <a:pPr/>
-            <a:r>
-              <a:t>The Third World faces significant challenges, but with concerted international effort and cooperation, it is possible to address these issues and promote sustainable development.</a:t>
+              <a:t>Understanding the life cycle of plants is essential for agriculture, horticulture, and ecological conservation. By recognizing the various stages of plant growth and development, we can improve crop yields, enhance plant quality, and promote sustainable plant production practices.</a:t>
             </a:r>
           </a:p>
         </p:txBody>
@@ -6212,7 +5984,7 @@
           <a:lstStyle/>
           <a:p>
             <a:r>
-              <a:t>i want a presentation about the third world</a:t>
+              <a:t>The Life Cycle of Plants</a:t>
             </a:r>
           </a:p>
         </p:txBody>
@@ -6296,7 +6068,7 @@
           <a:p>
             <a:pPr/>
             <a:r>
-              <a:t>The term 'Third World' refers to countries with low-income economies and underdeveloped infrastructure. These nations face significant challenges in poverty reduction, education, and access to basic services. Understanding the complexities of the Third World is crucial for global development and cooperation.</a:t>
+              <a:t>The life cycle of plants is a complex process involving various stages of growth, reproduction, and development. From seed germination to maturity and seed production, plants undergo significant changes to ensure their survival and propagation. Understanding the life cycle of plants is essential for agriculture, horticulture, and ecological conservation.</a:t>
             </a:r>
           </a:p>
         </p:txBody>
@@ -6335,7 +6107,7 @@
           <a:lstStyle/>
           <a:p>
             <a:r>
-              <a:t>Economic Challenges</a:t>
+              <a:t>Seed Germination</a:t>
             </a:r>
           </a:p>
         </p:txBody>
@@ -6359,19 +6131,19 @@
           <a:p>
             <a:pPr/>
             <a:r>
-              <a:t>Economic instability</a:t>
+              <a:t>The process of seed germination involves the activation of enzymes that break down stored food and initiate root growth. As the seed absorbs water, the embryo begins to grow, and the radicle (primary root) emerges, followed by the cotyledon (seed leaf). This stage is critical for seedling establishment and adaptation to the environment.</a:t>
             </a:r>
           </a:p>
           <a:p>
             <a:pPr/>
             <a:r>
-              <a:t>High poverty rates</a:t>
+              <a:t>Seed germination depends on factors such as temperature, moisture, light, and oxygen levels, which affect the rate and success of seedling development. Inadequate conditions can lead to delayed or failed germination, while excessive conditions can cause seedling mortality.</a:t>
             </a:r>
           </a:p>
           <a:p>
             <a:pPr/>
             <a:r>
-              <a:t>Limited access to resources</a:t>
+              <a:t>The germination process can be influenced by seed dormancy, a mechanism that prevents seeds from germinating prematurely, allowing them to remain viable for extended periods.</a:t>
             </a:r>
           </a:p>
         </p:txBody>
@@ -6410,7 +6182,7 @@
           <a:lstStyle/>
           <a:p>
             <a:r>
-              <a:t>Social Issues</a:t>
+              <a:t>Seedling Establishment</a:t>
             </a:r>
           </a:p>
         </p:txBody>
@@ -6434,19 +6206,19 @@
           <a:p>
             <a:pPr/>
             <a:r>
-              <a:t>Limited access to education</a:t>
+              <a:t>During seedling establishment, the young plant focuses on root growth, photosynthesis, and nutrient uptake. The seedling develops its first set of leaves, known as cotyledons, which are responsible for photosynthesis and nutrient storage. As the seedling grows, it begins to develop its root system, anchoring itself in the soil.</a:t>
             </a:r>
           </a:p>
           <a:p>
             <a:pPr/>
             <a:r>
-              <a:t>High infant mortality rates</a:t>
+              <a:t>The establishment phase is crucial for seedling survival, as it faces challenges such as competition from other plants, herbivory, and environmental stress. Adequate light, water, and nutrient availability are essential for healthy growth and development during this stage.</a:t>
             </a:r>
           </a:p>
           <a:p>
             <a:pPr/>
             <a:r>
-              <a:t>Social inequality</a:t>
+              <a:t>Seedlings that receive sufficient light, water, and nutrients are more likely to survive and thrive, while those that experience stress or competition may struggle to establish a strong root system and photosynthetic apparatus.</a:t>
             </a:r>
           </a:p>
         </p:txBody>
@@ -6485,7 +6257,7 @@
           <a:lstStyle/>
           <a:p>
             <a:r>
-              <a:t>Infrastructure Deficits</a:t>
+              <a:t>Vegetative Growth</a:t>
             </a:r>
           </a:p>
         </p:txBody>
@@ -6509,19 +6281,19 @@
           <a:p>
             <a:pPr/>
             <a:r>
-              <a:t>Limited access to clean water</a:t>
+              <a:t>Vegetative growth involves the expansion of the plant's vegetative structures, such as leaves, stems, and roots. During this stage, the plant produces new tissues, increases its biomass, and develops a more complex root system. The plant's growth rate and morphology are influenced by factors such as temperature, light, water, and nutrient availability.</a:t>
             </a:r>
           </a:p>
           <a:p>
             <a:pPr/>
             <a:r>
-              <a:t>Inadequate healthcare systems</a:t>
+              <a:t>The plant's growth habit, such as indeterminate or determinate, affects its vegetative growth pattern. Indeterminate plants continue to grow throughout their life cycle, while determinate plants reach a mature size and stop growing.</a:t>
             </a:r>
           </a:p>
           <a:p>
             <a:pPr/>
             <a:r>
-              <a:t>Poor transportation networks</a:t>
+              <a:t>Vegetative growth can be affected by various factors, including pruning, training, and environmental stress, which can impact the plant's productivity and quality.</a:t>
             </a:r>
           </a:p>
         </p:txBody>
@@ -6560,7 +6332,7 @@
           <a:lstStyle/>
           <a:p>
             <a:r>
-              <a:t>Environmental Concerns</a:t>
+              <a:t>Reproductive Growth</a:t>
             </a:r>
           </a:p>
         </p:txBody>
@@ -6584,19 +6356,19 @@
           <a:p>
             <a:pPr/>
             <a:r>
-              <a:t>Deforestation and land degradation</a:t>
+              <a:t>Reproductive growth involves the development of flowers, fruits, and seeds, which are essential for plant reproduction and propagation. This stage is critical for the plant's life cycle, as it ensures the continuation of the species through seed production.</a:t>
             </a:r>
           </a:p>
           <a:p>
             <a:pPr/>
             <a:r>
-              <a:t>Air and water pollution</a:t>
+              <a:t>The reproductive growth phase is influenced by factors such as temperature, light, and nutrient availability, which affect flower and fruit production. Adequate pollination and fertilization are essential for successful seed set and fruit development.</a:t>
             </a:r>
           </a:p>
           <a:p>
             <a:pPr/>
             <a:r>
-              <a:t>Climate change vulnerability</a:t>
+              <a:t>Reproductive growth can be influenced by various factors, including genetics, environmental conditions, and management practices, which impact the quality and quantity of flowers, fruits, and seeds produced.</a:t>
             </a:r>
           </a:p>
         </p:txBody>
@@ -6635,7 +6407,7 @@
           <a:lstStyle/>
           <a:p>
             <a:r>
-              <a:t>Global Impact</a:t>
+              <a:t>Maturity and Seed Production</a:t>
             </a:r>
           </a:p>
         </p:txBody>
@@ -6659,19 +6431,19 @@
           <a:p>
             <a:pPr/>
             <a:r>
-              <a:t>Refugee crises</a:t>
+              <a:t>As the plant reaches maturity, it focuses on seed production, which involves the development of flowers, fruits, and seeds. The plant's growth rate slows down, and energy is redirected to reproductive structures.</a:t>
             </a:r>
           </a:p>
           <a:p>
             <a:pPr/>
             <a:r>
-              <a:t>Human trafficking</a:t>
+              <a:t>Maturity is influenced by factors such as plant variety, growing conditions, and management practices, which affect the plant's reproductive capacity and seed quality. Adequate pollination and fertilization are essential for successful seed set and fruit development.</a:t>
             </a:r>
           </a:p>
           <a:p>
             <a:pPr/>
             <a:r>
-              <a:t>Global health risks</a:t>
+              <a:t>Seed production is critical for plant reproduction and propagation, as it ensures the continuation of the species. High-quality seeds are essential for successful plant establishment and growth.</a:t>
             </a:r>
           </a:p>
         </p:txBody>
@@ -6710,7 +6482,7 @@
           <a:lstStyle/>
           <a:p>
             <a:r>
-              <a:t>Development Initiatives</a:t>
+              <a:t>Decline and Senescence</a:t>
             </a:r>
           </a:p>
         </p:txBody>
@@ -6734,19 +6506,19 @@
           <a:p>
             <a:pPr/>
             <a:r>
-              <a:t>Economic growth strategies</a:t>
+              <a:t>As the plant reaches the end of its life cycle, it undergoes decline and senescence, a process of aging and deterioration. During this stage, the plant's growth rate slows down, and energy is redirected to maintenance and repair processes.</a:t>
             </a:r>
           </a:p>
           <a:p>
             <a:pPr/>
             <a:r>
-              <a:t>Infrastructure development</a:t>
+              <a:t>Decline and senescence are influenced by factors such as plant age, environmental conditions, and management practices, which impact the plant's productivity and quality. Adequate care and management practices can help extend the plant's productive life and reduce senescence.</a:t>
             </a:r>
           </a:p>
           <a:p>
             <a:pPr/>
             <a:r>
-              <a:t>Social welfare programs</a:t>
+              <a:t>Senescence is a natural process that allows the plant to redirect energy resources towards seed production and propagation, ensuring the continuation of the species.</a:t>
             </a:r>
           </a:p>
         </p:txBody>
